--- a/Requirements-Engineering/RE-L12_Management.pptx
+++ b/Requirements-Engineering/RE-L12_Management.pptx
@@ -37,7 +37,7 @@
     <p:sldId id="283" r:id="rId32"/>
   </p:sldIdLst>
   <p:sldSz cx="12192000" cy="6858000"/>
-  <p:notesSz cx="7772400" cy="10058400"/>
+  <p:notesSz cx="7559675" cy="10691813"/>
 </p:presentation>
 </file>
 
@@ -126,7 +126,7 @@
             <a:pPr indent="0" algn="ctr">
               <a:buNone/>
             </a:pPr>
-            <a:endParaRPr b="0" lang="en-US" sz="4400" spc="-1" strike="noStrike">
+            <a:endParaRPr b="0" lang="en-GB" sz="4400" spc="-1" strike="noStrike">
               <a:solidFill>
                 <a:srgbClr val="000000"/>
               </a:solidFill>
@@ -169,7 +169,7 @@
               </a:spcBef>
               <a:buNone/>
             </a:pPr>
-            <a:endParaRPr b="0" lang="en-US" sz="3200" spc="-1" strike="noStrike">
+            <a:endParaRPr b="0" lang="en-GB" sz="3200" spc="-1" strike="noStrike">
               <a:solidFill>
                 <a:srgbClr val="000000"/>
               </a:solidFill>
@@ -212,7 +212,7 @@
               </a:spcBef>
               <a:buNone/>
             </a:pPr>
-            <a:endParaRPr b="0" lang="en-US" sz="3200" spc="-1" strike="noStrike">
+            <a:endParaRPr b="0" lang="en-GB" sz="3200" spc="-1" strike="noStrike">
               <a:solidFill>
                 <a:srgbClr val="000000"/>
               </a:solidFill>
@@ -274,7 +274,7 @@
             <a:pPr indent="0" algn="ctr">
               <a:buNone/>
             </a:pPr>
-            <a:endParaRPr b="0" lang="en-US" sz="4400" spc="-1" strike="noStrike">
+            <a:endParaRPr b="0" lang="en-GB" sz="4400" spc="-1" strike="noStrike">
               <a:solidFill>
                 <a:srgbClr val="000000"/>
               </a:solidFill>
@@ -317,7 +317,7 @@
               </a:spcBef>
               <a:buNone/>
             </a:pPr>
-            <a:endParaRPr b="0" lang="en-US" sz="3200" spc="-1" strike="noStrike">
+            <a:endParaRPr b="0" lang="en-GB" sz="3200" spc="-1" strike="noStrike">
               <a:solidFill>
                 <a:srgbClr val="000000"/>
               </a:solidFill>
@@ -360,7 +360,7 @@
               </a:spcBef>
               <a:buNone/>
             </a:pPr>
-            <a:endParaRPr b="0" lang="en-US" sz="3200" spc="-1" strike="noStrike">
+            <a:endParaRPr b="0" lang="en-GB" sz="3200" spc="-1" strike="noStrike">
               <a:solidFill>
                 <a:srgbClr val="000000"/>
               </a:solidFill>
@@ -403,7 +403,7 @@
               </a:spcBef>
               <a:buNone/>
             </a:pPr>
-            <a:endParaRPr b="0" lang="en-US" sz="3200" spc="-1" strike="noStrike">
+            <a:endParaRPr b="0" lang="en-GB" sz="3200" spc="-1" strike="noStrike">
               <a:solidFill>
                 <a:srgbClr val="000000"/>
               </a:solidFill>
@@ -446,7 +446,7 @@
               </a:spcBef>
               <a:buNone/>
             </a:pPr>
-            <a:endParaRPr b="0" lang="en-US" sz="3200" spc="-1" strike="noStrike">
+            <a:endParaRPr b="0" lang="en-GB" sz="3200" spc="-1" strike="noStrike">
               <a:solidFill>
                 <a:srgbClr val="000000"/>
               </a:solidFill>
@@ -508,7 +508,7 @@
             <a:pPr indent="0" algn="ctr">
               <a:buNone/>
             </a:pPr>
-            <a:endParaRPr b="0" lang="en-US" sz="4400" spc="-1" strike="noStrike">
+            <a:endParaRPr b="0" lang="en-GB" sz="4400" spc="-1" strike="noStrike">
               <a:solidFill>
                 <a:srgbClr val="000000"/>
               </a:solidFill>
@@ -551,7 +551,7 @@
               </a:spcBef>
               <a:buNone/>
             </a:pPr>
-            <a:endParaRPr b="0" lang="en-US" sz="3200" spc="-1" strike="noStrike">
+            <a:endParaRPr b="0" lang="en-GB" sz="3200" spc="-1" strike="noStrike">
               <a:solidFill>
                 <a:srgbClr val="000000"/>
               </a:solidFill>
@@ -594,7 +594,7 @@
               </a:spcBef>
               <a:buNone/>
             </a:pPr>
-            <a:endParaRPr b="0" lang="en-US" sz="3200" spc="-1" strike="noStrike">
+            <a:endParaRPr b="0" lang="en-GB" sz="3200" spc="-1" strike="noStrike">
               <a:solidFill>
                 <a:srgbClr val="000000"/>
               </a:solidFill>
@@ -637,7 +637,7 @@
               </a:spcBef>
               <a:buNone/>
             </a:pPr>
-            <a:endParaRPr b="0" lang="en-US" sz="3200" spc="-1" strike="noStrike">
+            <a:endParaRPr b="0" lang="en-GB" sz="3200" spc="-1" strike="noStrike">
               <a:solidFill>
                 <a:srgbClr val="000000"/>
               </a:solidFill>
@@ -680,7 +680,7 @@
               </a:spcBef>
               <a:buNone/>
             </a:pPr>
-            <a:endParaRPr b="0" lang="en-US" sz="3200" spc="-1" strike="noStrike">
+            <a:endParaRPr b="0" lang="en-GB" sz="3200" spc="-1" strike="noStrike">
               <a:solidFill>
                 <a:srgbClr val="000000"/>
               </a:solidFill>
@@ -723,7 +723,7 @@
               </a:spcBef>
               <a:buNone/>
             </a:pPr>
-            <a:endParaRPr b="0" lang="en-US" sz="3200" spc="-1" strike="noStrike">
+            <a:endParaRPr b="0" lang="en-GB" sz="3200" spc="-1" strike="noStrike">
               <a:solidFill>
                 <a:srgbClr val="000000"/>
               </a:solidFill>
@@ -766,7 +766,7 @@
               </a:spcBef>
               <a:buNone/>
             </a:pPr>
-            <a:endParaRPr b="0" lang="en-US" sz="3200" spc="-1" strike="noStrike">
+            <a:endParaRPr b="0" lang="en-GB" sz="3200" spc="-1" strike="noStrike">
               <a:solidFill>
                 <a:srgbClr val="000000"/>
               </a:solidFill>
@@ -850,7 +850,7 @@
             <a:pPr indent="0" algn="ctr">
               <a:buNone/>
             </a:pPr>
-            <a:endParaRPr b="0" lang="en-US" sz="4400" spc="-1" strike="noStrike">
+            <a:endParaRPr b="0" lang="en-GB" sz="4400" spc="-1" strike="noStrike">
               <a:solidFill>
                 <a:srgbClr val="000000"/>
               </a:solidFill>
@@ -890,7 +890,7 @@
             <a:pPr indent="0" algn="ctr">
               <a:buNone/>
             </a:pPr>
-            <a:endParaRPr b="0" lang="en-US" sz="3200" spc="-1" strike="noStrike">
+            <a:endParaRPr b="0" lang="en-GB" sz="3200" spc="-1" strike="noStrike">
               <a:solidFill>
                 <a:srgbClr val="000000"/>
               </a:solidFill>
@@ -952,7 +952,7 @@
             <a:pPr indent="0" algn="ctr">
               <a:buNone/>
             </a:pPr>
-            <a:endParaRPr b="0" lang="en-US" sz="4400" spc="-1" strike="noStrike">
+            <a:endParaRPr b="0" lang="en-GB" sz="4400" spc="-1" strike="noStrike">
               <a:solidFill>
                 <a:srgbClr val="000000"/>
               </a:solidFill>
@@ -995,7 +995,7 @@
               </a:spcBef>
               <a:buNone/>
             </a:pPr>
-            <a:endParaRPr b="0" lang="en-US" sz="3200" spc="-1" strike="noStrike">
+            <a:endParaRPr b="0" lang="en-GB" sz="3200" spc="-1" strike="noStrike">
               <a:solidFill>
                 <a:srgbClr val="000000"/>
               </a:solidFill>
@@ -1057,7 +1057,7 @@
             <a:pPr indent="0" algn="ctr">
               <a:buNone/>
             </a:pPr>
-            <a:endParaRPr b="0" lang="en-US" sz="4400" spc="-1" strike="noStrike">
+            <a:endParaRPr b="0" lang="en-GB" sz="4400" spc="-1" strike="noStrike">
               <a:solidFill>
                 <a:srgbClr val="000000"/>
               </a:solidFill>
@@ -1100,7 +1100,7 @@
               </a:spcBef>
               <a:buNone/>
             </a:pPr>
-            <a:endParaRPr b="0" lang="en-US" sz="3200" spc="-1" strike="noStrike">
+            <a:endParaRPr b="0" lang="en-GB" sz="3200" spc="-1" strike="noStrike">
               <a:solidFill>
                 <a:srgbClr val="000000"/>
               </a:solidFill>
@@ -1143,7 +1143,7 @@
               </a:spcBef>
               <a:buNone/>
             </a:pPr>
-            <a:endParaRPr b="0" lang="en-US" sz="3200" spc="-1" strike="noStrike">
+            <a:endParaRPr b="0" lang="en-GB" sz="3200" spc="-1" strike="noStrike">
               <a:solidFill>
                 <a:srgbClr val="000000"/>
               </a:solidFill>
@@ -1205,7 +1205,7 @@
             <a:pPr indent="0" algn="ctr">
               <a:buNone/>
             </a:pPr>
-            <a:endParaRPr b="0" lang="en-US" sz="4400" spc="-1" strike="noStrike">
+            <a:endParaRPr b="0" lang="en-GB" sz="4400" spc="-1" strike="noStrike">
               <a:solidFill>
                 <a:srgbClr val="000000"/>
               </a:solidFill>
@@ -1265,7 +1265,7 @@
           </a:bodyPr>
           <a:p>
             <a:pPr algn="ctr"/>
-            <a:endParaRPr b="0" lang="en-US" sz="3200" spc="-1" strike="noStrike">
+            <a:endParaRPr b="0" lang="en-GB" sz="3200" spc="-1" strike="noStrike">
               <a:solidFill>
                 <a:srgbClr val="000000"/>
               </a:solidFill>
@@ -1327,7 +1327,7 @@
             <a:pPr indent="0" algn="ctr">
               <a:buNone/>
             </a:pPr>
-            <a:endParaRPr b="0" lang="en-US" sz="4400" spc="-1" strike="noStrike">
+            <a:endParaRPr b="0" lang="en-GB" sz="4400" spc="-1" strike="noStrike">
               <a:solidFill>
                 <a:srgbClr val="000000"/>
               </a:solidFill>
@@ -1370,7 +1370,7 @@
               </a:spcBef>
               <a:buNone/>
             </a:pPr>
-            <a:endParaRPr b="0" lang="en-US" sz="3200" spc="-1" strike="noStrike">
+            <a:endParaRPr b="0" lang="en-GB" sz="3200" spc="-1" strike="noStrike">
               <a:solidFill>
                 <a:srgbClr val="000000"/>
               </a:solidFill>
@@ -1413,7 +1413,7 @@
               </a:spcBef>
               <a:buNone/>
             </a:pPr>
-            <a:endParaRPr b="0" lang="en-US" sz="3200" spc="-1" strike="noStrike">
+            <a:endParaRPr b="0" lang="en-GB" sz="3200" spc="-1" strike="noStrike">
               <a:solidFill>
                 <a:srgbClr val="000000"/>
               </a:solidFill>
@@ -1456,7 +1456,7 @@
               </a:spcBef>
               <a:buNone/>
             </a:pPr>
-            <a:endParaRPr b="0" lang="en-US" sz="3200" spc="-1" strike="noStrike">
+            <a:endParaRPr b="0" lang="en-GB" sz="3200" spc="-1" strike="noStrike">
               <a:solidFill>
                 <a:srgbClr val="000000"/>
               </a:solidFill>
@@ -1518,7 +1518,7 @@
             <a:pPr indent="0" algn="ctr">
               <a:buNone/>
             </a:pPr>
-            <a:endParaRPr b="0" lang="en-US" sz="4400" spc="-1" strike="noStrike">
+            <a:endParaRPr b="0" lang="en-GB" sz="4400" spc="-1" strike="noStrike">
               <a:solidFill>
                 <a:srgbClr val="000000"/>
               </a:solidFill>
@@ -1558,7 +1558,7 @@
             <a:pPr indent="0" algn="ctr">
               <a:buNone/>
             </a:pPr>
-            <a:endParaRPr b="0" lang="en-US" sz="3200" spc="-1" strike="noStrike">
+            <a:endParaRPr b="0" lang="en-GB" sz="3200" spc="-1" strike="noStrike">
               <a:solidFill>
                 <a:srgbClr val="000000"/>
               </a:solidFill>
@@ -1620,7 +1620,7 @@
             <a:pPr indent="0" algn="ctr">
               <a:buNone/>
             </a:pPr>
-            <a:endParaRPr b="0" lang="en-US" sz="4400" spc="-1" strike="noStrike">
+            <a:endParaRPr b="0" lang="en-GB" sz="4400" spc="-1" strike="noStrike">
               <a:solidFill>
                 <a:srgbClr val="000000"/>
               </a:solidFill>
@@ -1663,7 +1663,7 @@
               </a:spcBef>
               <a:buNone/>
             </a:pPr>
-            <a:endParaRPr b="0" lang="en-US" sz="3200" spc="-1" strike="noStrike">
+            <a:endParaRPr b="0" lang="en-GB" sz="3200" spc="-1" strike="noStrike">
               <a:solidFill>
                 <a:srgbClr val="000000"/>
               </a:solidFill>
@@ -1706,7 +1706,7 @@
               </a:spcBef>
               <a:buNone/>
             </a:pPr>
-            <a:endParaRPr b="0" lang="en-US" sz="3200" spc="-1" strike="noStrike">
+            <a:endParaRPr b="0" lang="en-GB" sz="3200" spc="-1" strike="noStrike">
               <a:solidFill>
                 <a:srgbClr val="000000"/>
               </a:solidFill>
@@ -1749,7 +1749,7 @@
               </a:spcBef>
               <a:buNone/>
             </a:pPr>
-            <a:endParaRPr b="0" lang="en-US" sz="3200" spc="-1" strike="noStrike">
+            <a:endParaRPr b="0" lang="en-GB" sz="3200" spc="-1" strike="noStrike">
               <a:solidFill>
                 <a:srgbClr val="000000"/>
               </a:solidFill>
@@ -1811,7 +1811,7 @@
             <a:pPr indent="0" algn="ctr">
               <a:buNone/>
             </a:pPr>
-            <a:endParaRPr b="0" lang="en-US" sz="4400" spc="-1" strike="noStrike">
+            <a:endParaRPr b="0" lang="en-GB" sz="4400" spc="-1" strike="noStrike">
               <a:solidFill>
                 <a:srgbClr val="000000"/>
               </a:solidFill>
@@ -1854,7 +1854,7 @@
               </a:spcBef>
               <a:buNone/>
             </a:pPr>
-            <a:endParaRPr b="0" lang="en-US" sz="3200" spc="-1" strike="noStrike">
+            <a:endParaRPr b="0" lang="en-GB" sz="3200" spc="-1" strike="noStrike">
               <a:solidFill>
                 <a:srgbClr val="000000"/>
               </a:solidFill>
@@ -1897,7 +1897,7 @@
               </a:spcBef>
               <a:buNone/>
             </a:pPr>
-            <a:endParaRPr b="0" lang="en-US" sz="3200" spc="-1" strike="noStrike">
+            <a:endParaRPr b="0" lang="en-GB" sz="3200" spc="-1" strike="noStrike">
               <a:solidFill>
                 <a:srgbClr val="000000"/>
               </a:solidFill>
@@ -1940,7 +1940,7 @@
               </a:spcBef>
               <a:buNone/>
             </a:pPr>
-            <a:endParaRPr b="0" lang="en-US" sz="3200" spc="-1" strike="noStrike">
+            <a:endParaRPr b="0" lang="en-GB" sz="3200" spc="-1" strike="noStrike">
               <a:solidFill>
                 <a:srgbClr val="000000"/>
               </a:solidFill>
@@ -2002,7 +2002,7 @@
             <a:pPr indent="0" algn="ctr">
               <a:buNone/>
             </a:pPr>
-            <a:endParaRPr b="0" lang="en-US" sz="4400" spc="-1" strike="noStrike">
+            <a:endParaRPr b="0" lang="en-GB" sz="4400" spc="-1" strike="noStrike">
               <a:solidFill>
                 <a:srgbClr val="000000"/>
               </a:solidFill>
@@ -2045,7 +2045,7 @@
               </a:spcBef>
               <a:buNone/>
             </a:pPr>
-            <a:endParaRPr b="0" lang="en-US" sz="3200" spc="-1" strike="noStrike">
+            <a:endParaRPr b="0" lang="en-GB" sz="3200" spc="-1" strike="noStrike">
               <a:solidFill>
                 <a:srgbClr val="000000"/>
               </a:solidFill>
@@ -2088,7 +2088,7 @@
               </a:spcBef>
               <a:buNone/>
             </a:pPr>
-            <a:endParaRPr b="0" lang="en-US" sz="3200" spc="-1" strike="noStrike">
+            <a:endParaRPr b="0" lang="en-GB" sz="3200" spc="-1" strike="noStrike">
               <a:solidFill>
                 <a:srgbClr val="000000"/>
               </a:solidFill>
@@ -2150,7 +2150,7 @@
             <a:pPr indent="0" algn="ctr">
               <a:buNone/>
             </a:pPr>
-            <a:endParaRPr b="0" lang="en-US" sz="4400" spc="-1" strike="noStrike">
+            <a:endParaRPr b="0" lang="en-GB" sz="4400" spc="-1" strike="noStrike">
               <a:solidFill>
                 <a:srgbClr val="000000"/>
               </a:solidFill>
@@ -2193,7 +2193,7 @@
               </a:spcBef>
               <a:buNone/>
             </a:pPr>
-            <a:endParaRPr b="0" lang="en-US" sz="3200" spc="-1" strike="noStrike">
+            <a:endParaRPr b="0" lang="en-GB" sz="3200" spc="-1" strike="noStrike">
               <a:solidFill>
                 <a:srgbClr val="000000"/>
               </a:solidFill>
@@ -2236,7 +2236,7 @@
               </a:spcBef>
               <a:buNone/>
             </a:pPr>
-            <a:endParaRPr b="0" lang="en-US" sz="3200" spc="-1" strike="noStrike">
+            <a:endParaRPr b="0" lang="en-GB" sz="3200" spc="-1" strike="noStrike">
               <a:solidFill>
                 <a:srgbClr val="000000"/>
               </a:solidFill>
@@ -2279,7 +2279,7 @@
               </a:spcBef>
               <a:buNone/>
             </a:pPr>
-            <a:endParaRPr b="0" lang="en-US" sz="3200" spc="-1" strike="noStrike">
+            <a:endParaRPr b="0" lang="en-GB" sz="3200" spc="-1" strike="noStrike">
               <a:solidFill>
                 <a:srgbClr val="000000"/>
               </a:solidFill>
@@ -2322,7 +2322,7 @@
               </a:spcBef>
               <a:buNone/>
             </a:pPr>
-            <a:endParaRPr b="0" lang="en-US" sz="3200" spc="-1" strike="noStrike">
+            <a:endParaRPr b="0" lang="en-GB" sz="3200" spc="-1" strike="noStrike">
               <a:solidFill>
                 <a:srgbClr val="000000"/>
               </a:solidFill>
@@ -2384,7 +2384,7 @@
             <a:pPr indent="0" algn="ctr">
               <a:buNone/>
             </a:pPr>
-            <a:endParaRPr b="0" lang="en-US" sz="4400" spc="-1" strike="noStrike">
+            <a:endParaRPr b="0" lang="en-GB" sz="4400" spc="-1" strike="noStrike">
               <a:solidFill>
                 <a:srgbClr val="000000"/>
               </a:solidFill>
@@ -2427,7 +2427,7 @@
               </a:spcBef>
               <a:buNone/>
             </a:pPr>
-            <a:endParaRPr b="0" lang="en-US" sz="3200" spc="-1" strike="noStrike">
+            <a:endParaRPr b="0" lang="en-GB" sz="3200" spc="-1" strike="noStrike">
               <a:solidFill>
                 <a:srgbClr val="000000"/>
               </a:solidFill>
@@ -2470,7 +2470,7 @@
               </a:spcBef>
               <a:buNone/>
             </a:pPr>
-            <a:endParaRPr b="0" lang="en-US" sz="3200" spc="-1" strike="noStrike">
+            <a:endParaRPr b="0" lang="en-GB" sz="3200" spc="-1" strike="noStrike">
               <a:solidFill>
                 <a:srgbClr val="000000"/>
               </a:solidFill>
@@ -2513,7 +2513,7 @@
               </a:spcBef>
               <a:buNone/>
             </a:pPr>
-            <a:endParaRPr b="0" lang="en-US" sz="3200" spc="-1" strike="noStrike">
+            <a:endParaRPr b="0" lang="en-GB" sz="3200" spc="-1" strike="noStrike">
               <a:solidFill>
                 <a:srgbClr val="000000"/>
               </a:solidFill>
@@ -2556,7 +2556,7 @@
               </a:spcBef>
               <a:buNone/>
             </a:pPr>
-            <a:endParaRPr b="0" lang="en-US" sz="3200" spc="-1" strike="noStrike">
+            <a:endParaRPr b="0" lang="en-GB" sz="3200" spc="-1" strike="noStrike">
               <a:solidFill>
                 <a:srgbClr val="000000"/>
               </a:solidFill>
@@ -2599,7 +2599,7 @@
               </a:spcBef>
               <a:buNone/>
             </a:pPr>
-            <a:endParaRPr b="0" lang="en-US" sz="3200" spc="-1" strike="noStrike">
+            <a:endParaRPr b="0" lang="en-GB" sz="3200" spc="-1" strike="noStrike">
               <a:solidFill>
                 <a:srgbClr val="000000"/>
               </a:solidFill>
@@ -2642,7 +2642,7 @@
               </a:spcBef>
               <a:buNone/>
             </a:pPr>
-            <a:endParaRPr b="0" lang="en-US" sz="3200" spc="-1" strike="noStrike">
+            <a:endParaRPr b="0" lang="en-GB" sz="3200" spc="-1" strike="noStrike">
               <a:solidFill>
                 <a:srgbClr val="000000"/>
               </a:solidFill>
@@ -2726,7 +2726,7 @@
             <a:pPr indent="0" algn="ctr">
               <a:buNone/>
             </a:pPr>
-            <a:endParaRPr b="0" lang="en-US" sz="4400" spc="-1" strike="noStrike">
+            <a:endParaRPr b="0" lang="en-GB" sz="4400" spc="-1" strike="noStrike">
               <a:solidFill>
                 <a:srgbClr val="000000"/>
               </a:solidFill>
@@ -2766,7 +2766,7 @@
             <a:pPr indent="0" algn="ctr">
               <a:buNone/>
             </a:pPr>
-            <a:endParaRPr b="0" lang="en-US" sz="3200" spc="-1" strike="noStrike">
+            <a:endParaRPr b="0" lang="en-GB" sz="3200" spc="-1" strike="noStrike">
               <a:solidFill>
                 <a:srgbClr val="000000"/>
               </a:solidFill>
@@ -2828,7 +2828,7 @@
             <a:pPr indent="0" algn="ctr">
               <a:buNone/>
             </a:pPr>
-            <a:endParaRPr b="0" lang="en-US" sz="4400" spc="-1" strike="noStrike">
+            <a:endParaRPr b="0" lang="en-GB" sz="4400" spc="-1" strike="noStrike">
               <a:solidFill>
                 <a:srgbClr val="000000"/>
               </a:solidFill>
@@ -2871,7 +2871,7 @@
               </a:spcBef>
               <a:buNone/>
             </a:pPr>
-            <a:endParaRPr b="0" lang="en-US" sz="3200" spc="-1" strike="noStrike">
+            <a:endParaRPr b="0" lang="en-GB" sz="3200" spc="-1" strike="noStrike">
               <a:solidFill>
                 <a:srgbClr val="000000"/>
               </a:solidFill>
@@ -2933,7 +2933,7 @@
             <a:pPr indent="0" algn="ctr">
               <a:buNone/>
             </a:pPr>
-            <a:endParaRPr b="0" lang="en-US" sz="4400" spc="-1" strike="noStrike">
+            <a:endParaRPr b="0" lang="en-GB" sz="4400" spc="-1" strike="noStrike">
               <a:solidFill>
                 <a:srgbClr val="000000"/>
               </a:solidFill>
@@ -2976,7 +2976,7 @@
               </a:spcBef>
               <a:buNone/>
             </a:pPr>
-            <a:endParaRPr b="0" lang="en-US" sz="3200" spc="-1" strike="noStrike">
+            <a:endParaRPr b="0" lang="en-GB" sz="3200" spc="-1" strike="noStrike">
               <a:solidFill>
                 <a:srgbClr val="000000"/>
               </a:solidFill>
@@ -3019,7 +3019,7 @@
               </a:spcBef>
               <a:buNone/>
             </a:pPr>
-            <a:endParaRPr b="0" lang="en-US" sz="3200" spc="-1" strike="noStrike">
+            <a:endParaRPr b="0" lang="en-GB" sz="3200" spc="-1" strike="noStrike">
               <a:solidFill>
                 <a:srgbClr val="000000"/>
               </a:solidFill>
@@ -3081,7 +3081,7 @@
             <a:pPr indent="0" algn="ctr">
               <a:buNone/>
             </a:pPr>
-            <a:endParaRPr b="0" lang="en-US" sz="4400" spc="-1" strike="noStrike">
+            <a:endParaRPr b="0" lang="en-GB" sz="4400" spc="-1" strike="noStrike">
               <a:solidFill>
                 <a:srgbClr val="000000"/>
               </a:solidFill>
@@ -3143,7 +3143,7 @@
             <a:pPr indent="0" algn="ctr">
               <a:buNone/>
             </a:pPr>
-            <a:endParaRPr b="0" lang="en-US" sz="4400" spc="-1" strike="noStrike">
+            <a:endParaRPr b="0" lang="en-GB" sz="4400" spc="-1" strike="noStrike">
               <a:solidFill>
                 <a:srgbClr val="000000"/>
               </a:solidFill>
@@ -3186,7 +3186,7 @@
               </a:spcBef>
               <a:buNone/>
             </a:pPr>
-            <a:endParaRPr b="0" lang="en-US" sz="3200" spc="-1" strike="noStrike">
+            <a:endParaRPr b="0" lang="en-GB" sz="3200" spc="-1" strike="noStrike">
               <a:solidFill>
                 <a:srgbClr val="000000"/>
               </a:solidFill>
@@ -3246,7 +3246,7 @@
           </a:bodyPr>
           <a:p>
             <a:pPr algn="ctr"/>
-            <a:endParaRPr b="0" lang="en-US" sz="3200" spc="-1" strike="noStrike">
+            <a:endParaRPr b="0" lang="en-GB" sz="3200" spc="-1" strike="noStrike">
               <a:solidFill>
                 <a:srgbClr val="000000"/>
               </a:solidFill>
@@ -3308,7 +3308,7 @@
             <a:pPr indent="0" algn="ctr">
               <a:buNone/>
             </a:pPr>
-            <a:endParaRPr b="0" lang="en-US" sz="4400" spc="-1" strike="noStrike">
+            <a:endParaRPr b="0" lang="en-GB" sz="4400" spc="-1" strike="noStrike">
               <a:solidFill>
                 <a:srgbClr val="000000"/>
               </a:solidFill>
@@ -3351,7 +3351,7 @@
               </a:spcBef>
               <a:buNone/>
             </a:pPr>
-            <a:endParaRPr b="0" lang="en-US" sz="3200" spc="-1" strike="noStrike">
+            <a:endParaRPr b="0" lang="en-GB" sz="3200" spc="-1" strike="noStrike">
               <a:solidFill>
                 <a:srgbClr val="000000"/>
               </a:solidFill>
@@ -3394,7 +3394,7 @@
               </a:spcBef>
               <a:buNone/>
             </a:pPr>
-            <a:endParaRPr b="0" lang="en-US" sz="3200" spc="-1" strike="noStrike">
+            <a:endParaRPr b="0" lang="en-GB" sz="3200" spc="-1" strike="noStrike">
               <a:solidFill>
                 <a:srgbClr val="000000"/>
               </a:solidFill>
@@ -3437,7 +3437,7 @@
               </a:spcBef>
               <a:buNone/>
             </a:pPr>
-            <a:endParaRPr b="0" lang="en-US" sz="3200" spc="-1" strike="noStrike">
+            <a:endParaRPr b="0" lang="en-GB" sz="3200" spc="-1" strike="noStrike">
               <a:solidFill>
                 <a:srgbClr val="000000"/>
               </a:solidFill>
@@ -3499,7 +3499,7 @@
             <a:pPr indent="0" algn="ctr">
               <a:buNone/>
             </a:pPr>
-            <a:endParaRPr b="0" lang="en-US" sz="4400" spc="-1" strike="noStrike">
+            <a:endParaRPr b="0" lang="en-GB" sz="4400" spc="-1" strike="noStrike">
               <a:solidFill>
                 <a:srgbClr val="000000"/>
               </a:solidFill>
@@ -3542,7 +3542,7 @@
               </a:spcBef>
               <a:buNone/>
             </a:pPr>
-            <a:endParaRPr b="0" lang="en-US" sz="3200" spc="-1" strike="noStrike">
+            <a:endParaRPr b="0" lang="en-GB" sz="3200" spc="-1" strike="noStrike">
               <a:solidFill>
                 <a:srgbClr val="000000"/>
               </a:solidFill>
@@ -3585,7 +3585,7 @@
               </a:spcBef>
               <a:buNone/>
             </a:pPr>
-            <a:endParaRPr b="0" lang="en-US" sz="3200" spc="-1" strike="noStrike">
+            <a:endParaRPr b="0" lang="en-GB" sz="3200" spc="-1" strike="noStrike">
               <a:solidFill>
                 <a:srgbClr val="000000"/>
               </a:solidFill>
@@ -3628,7 +3628,7 @@
               </a:spcBef>
               <a:buNone/>
             </a:pPr>
-            <a:endParaRPr b="0" lang="en-US" sz="3200" spc="-1" strike="noStrike">
+            <a:endParaRPr b="0" lang="en-GB" sz="3200" spc="-1" strike="noStrike">
               <a:solidFill>
                 <a:srgbClr val="000000"/>
               </a:solidFill>
@@ -3690,7 +3690,7 @@
             <a:pPr indent="0" algn="ctr">
               <a:buNone/>
             </a:pPr>
-            <a:endParaRPr b="0" lang="en-US" sz="4400" spc="-1" strike="noStrike">
+            <a:endParaRPr b="0" lang="en-GB" sz="4400" spc="-1" strike="noStrike">
               <a:solidFill>
                 <a:srgbClr val="000000"/>
               </a:solidFill>
@@ -3733,7 +3733,7 @@
               </a:spcBef>
               <a:buNone/>
             </a:pPr>
-            <a:endParaRPr b="0" lang="en-US" sz="3200" spc="-1" strike="noStrike">
+            <a:endParaRPr b="0" lang="en-GB" sz="3200" spc="-1" strike="noStrike">
               <a:solidFill>
                 <a:srgbClr val="000000"/>
               </a:solidFill>
@@ -3776,7 +3776,7 @@
               </a:spcBef>
               <a:buNone/>
             </a:pPr>
-            <a:endParaRPr b="0" lang="en-US" sz="3200" spc="-1" strike="noStrike">
+            <a:endParaRPr b="0" lang="en-GB" sz="3200" spc="-1" strike="noStrike">
               <a:solidFill>
                 <a:srgbClr val="000000"/>
               </a:solidFill>
@@ -3819,7 +3819,7 @@
               </a:spcBef>
               <a:buNone/>
             </a:pPr>
-            <a:endParaRPr b="0" lang="en-US" sz="3200" spc="-1" strike="noStrike">
+            <a:endParaRPr b="0" lang="en-GB" sz="3200" spc="-1" strike="noStrike">
               <a:solidFill>
                 <a:srgbClr val="000000"/>
               </a:solidFill>
@@ -3881,7 +3881,7 @@
             <a:pPr indent="0" algn="ctr">
               <a:buNone/>
             </a:pPr>
-            <a:endParaRPr b="0" lang="en-US" sz="4400" spc="-1" strike="noStrike">
+            <a:endParaRPr b="0" lang="en-GB" sz="4400" spc="-1" strike="noStrike">
               <a:solidFill>
                 <a:srgbClr val="000000"/>
               </a:solidFill>
@@ -3924,7 +3924,7 @@
               </a:spcBef>
               <a:buNone/>
             </a:pPr>
-            <a:endParaRPr b="0" lang="en-US" sz="3200" spc="-1" strike="noStrike">
+            <a:endParaRPr b="0" lang="en-GB" sz="3200" spc="-1" strike="noStrike">
               <a:solidFill>
                 <a:srgbClr val="000000"/>
               </a:solidFill>
@@ -3967,7 +3967,7 @@
               </a:spcBef>
               <a:buNone/>
             </a:pPr>
-            <a:endParaRPr b="0" lang="en-US" sz="3200" spc="-1" strike="noStrike">
+            <a:endParaRPr b="0" lang="en-GB" sz="3200" spc="-1" strike="noStrike">
               <a:solidFill>
                 <a:srgbClr val="000000"/>
               </a:solidFill>
@@ -4029,7 +4029,7 @@
             <a:pPr indent="0" algn="ctr">
               <a:buNone/>
             </a:pPr>
-            <a:endParaRPr b="0" lang="en-US" sz="4400" spc="-1" strike="noStrike">
+            <a:endParaRPr b="0" lang="en-GB" sz="4400" spc="-1" strike="noStrike">
               <a:solidFill>
                 <a:srgbClr val="000000"/>
               </a:solidFill>
@@ -4072,7 +4072,7 @@
               </a:spcBef>
               <a:buNone/>
             </a:pPr>
-            <a:endParaRPr b="0" lang="en-US" sz="3200" spc="-1" strike="noStrike">
+            <a:endParaRPr b="0" lang="en-GB" sz="3200" spc="-1" strike="noStrike">
               <a:solidFill>
                 <a:srgbClr val="000000"/>
               </a:solidFill>
@@ -4115,7 +4115,7 @@
               </a:spcBef>
               <a:buNone/>
             </a:pPr>
-            <a:endParaRPr b="0" lang="en-US" sz="3200" spc="-1" strike="noStrike">
+            <a:endParaRPr b="0" lang="en-GB" sz="3200" spc="-1" strike="noStrike">
               <a:solidFill>
                 <a:srgbClr val="000000"/>
               </a:solidFill>
@@ -4158,7 +4158,7 @@
               </a:spcBef>
               <a:buNone/>
             </a:pPr>
-            <a:endParaRPr b="0" lang="en-US" sz="3200" spc="-1" strike="noStrike">
+            <a:endParaRPr b="0" lang="en-GB" sz="3200" spc="-1" strike="noStrike">
               <a:solidFill>
                 <a:srgbClr val="000000"/>
               </a:solidFill>
@@ -4201,7 +4201,7 @@
               </a:spcBef>
               <a:buNone/>
             </a:pPr>
-            <a:endParaRPr b="0" lang="en-US" sz="3200" spc="-1" strike="noStrike">
+            <a:endParaRPr b="0" lang="en-GB" sz="3200" spc="-1" strike="noStrike">
               <a:solidFill>
                 <a:srgbClr val="000000"/>
               </a:solidFill>
@@ -4263,7 +4263,7 @@
             <a:pPr indent="0" algn="ctr">
               <a:buNone/>
             </a:pPr>
-            <a:endParaRPr b="0" lang="en-US" sz="4400" spc="-1" strike="noStrike">
+            <a:endParaRPr b="0" lang="en-GB" sz="4400" spc="-1" strike="noStrike">
               <a:solidFill>
                 <a:srgbClr val="000000"/>
               </a:solidFill>
@@ -4306,7 +4306,7 @@
               </a:spcBef>
               <a:buNone/>
             </a:pPr>
-            <a:endParaRPr b="0" lang="en-US" sz="3200" spc="-1" strike="noStrike">
+            <a:endParaRPr b="0" lang="en-GB" sz="3200" spc="-1" strike="noStrike">
               <a:solidFill>
                 <a:srgbClr val="000000"/>
               </a:solidFill>
@@ -4349,7 +4349,7 @@
               </a:spcBef>
               <a:buNone/>
             </a:pPr>
-            <a:endParaRPr b="0" lang="en-US" sz="3200" spc="-1" strike="noStrike">
+            <a:endParaRPr b="0" lang="en-GB" sz="3200" spc="-1" strike="noStrike">
               <a:solidFill>
                 <a:srgbClr val="000000"/>
               </a:solidFill>
@@ -4392,7 +4392,7 @@
               </a:spcBef>
               <a:buNone/>
             </a:pPr>
-            <a:endParaRPr b="0" lang="en-US" sz="3200" spc="-1" strike="noStrike">
+            <a:endParaRPr b="0" lang="en-GB" sz="3200" spc="-1" strike="noStrike">
               <a:solidFill>
                 <a:srgbClr val="000000"/>
               </a:solidFill>
@@ -4435,7 +4435,7 @@
               </a:spcBef>
               <a:buNone/>
             </a:pPr>
-            <a:endParaRPr b="0" lang="en-US" sz="3200" spc="-1" strike="noStrike">
+            <a:endParaRPr b="0" lang="en-GB" sz="3200" spc="-1" strike="noStrike">
               <a:solidFill>
                 <a:srgbClr val="000000"/>
               </a:solidFill>
@@ -4478,7 +4478,7 @@
               </a:spcBef>
               <a:buNone/>
             </a:pPr>
-            <a:endParaRPr b="0" lang="en-US" sz="3200" spc="-1" strike="noStrike">
+            <a:endParaRPr b="0" lang="en-GB" sz="3200" spc="-1" strike="noStrike">
               <a:solidFill>
                 <a:srgbClr val="000000"/>
               </a:solidFill>
@@ -4521,7 +4521,7 @@
               </a:spcBef>
               <a:buNone/>
             </a:pPr>
-            <a:endParaRPr b="0" lang="en-US" sz="3200" spc="-1" strike="noStrike">
+            <a:endParaRPr b="0" lang="en-GB" sz="3200" spc="-1" strike="noStrike">
               <a:solidFill>
                 <a:srgbClr val="000000"/>
               </a:solidFill>
@@ -4583,7 +4583,7 @@
             <a:pPr indent="0" algn="ctr">
               <a:buNone/>
             </a:pPr>
-            <a:endParaRPr b="0" lang="en-US" sz="4400" spc="-1" strike="noStrike">
+            <a:endParaRPr b="0" lang="en-GB" sz="4400" spc="-1" strike="noStrike">
               <a:solidFill>
                 <a:srgbClr val="000000"/>
               </a:solidFill>
@@ -4626,7 +4626,7 @@
               </a:spcBef>
               <a:buNone/>
             </a:pPr>
-            <a:endParaRPr b="0" lang="en-US" sz="3200" spc="-1" strike="noStrike">
+            <a:endParaRPr b="0" lang="en-GB" sz="3200" spc="-1" strike="noStrike">
               <a:solidFill>
                 <a:srgbClr val="000000"/>
               </a:solidFill>
@@ -4669,7 +4669,7 @@
               </a:spcBef>
               <a:buNone/>
             </a:pPr>
-            <a:endParaRPr b="0" lang="en-US" sz="3200" spc="-1" strike="noStrike">
+            <a:endParaRPr b="0" lang="en-GB" sz="3200" spc="-1" strike="noStrike">
               <a:solidFill>
                 <a:srgbClr val="000000"/>
               </a:solidFill>
@@ -4731,7 +4731,7 @@
             <a:pPr indent="0" algn="ctr">
               <a:buNone/>
             </a:pPr>
-            <a:endParaRPr b="0" lang="en-US" sz="4400" spc="-1" strike="noStrike">
+            <a:endParaRPr b="0" lang="en-GB" sz="4400" spc="-1" strike="noStrike">
               <a:solidFill>
                 <a:srgbClr val="000000"/>
               </a:solidFill>
@@ -4791,7 +4791,7 @@
           </a:bodyPr>
           <a:p>
             <a:pPr algn="ctr"/>
-            <a:endParaRPr b="0" lang="en-US" sz="3200" spc="-1" strike="noStrike">
+            <a:endParaRPr b="0" lang="en-GB" sz="3200" spc="-1" strike="noStrike">
               <a:solidFill>
                 <a:srgbClr val="000000"/>
               </a:solidFill>
@@ -4853,7 +4853,7 @@
             <a:pPr indent="0" algn="ctr">
               <a:buNone/>
             </a:pPr>
-            <a:endParaRPr b="0" lang="en-US" sz="4400" spc="-1" strike="noStrike">
+            <a:endParaRPr b="0" lang="en-GB" sz="4400" spc="-1" strike="noStrike">
               <a:solidFill>
                 <a:srgbClr val="000000"/>
               </a:solidFill>
@@ -4896,7 +4896,7 @@
               </a:spcBef>
               <a:buNone/>
             </a:pPr>
-            <a:endParaRPr b="0" lang="en-US" sz="3200" spc="-1" strike="noStrike">
+            <a:endParaRPr b="0" lang="en-GB" sz="3200" spc="-1" strike="noStrike">
               <a:solidFill>
                 <a:srgbClr val="000000"/>
               </a:solidFill>
@@ -4939,7 +4939,7 @@
               </a:spcBef>
               <a:buNone/>
             </a:pPr>
-            <a:endParaRPr b="0" lang="en-US" sz="3200" spc="-1" strike="noStrike">
+            <a:endParaRPr b="0" lang="en-GB" sz="3200" spc="-1" strike="noStrike">
               <a:solidFill>
                 <a:srgbClr val="000000"/>
               </a:solidFill>
@@ -4982,7 +4982,7 @@
               </a:spcBef>
               <a:buNone/>
             </a:pPr>
-            <a:endParaRPr b="0" lang="en-US" sz="3200" spc="-1" strike="noStrike">
+            <a:endParaRPr b="0" lang="en-GB" sz="3200" spc="-1" strike="noStrike">
               <a:solidFill>
                 <a:srgbClr val="000000"/>
               </a:solidFill>
@@ -5044,7 +5044,7 @@
             <a:pPr indent="0" algn="ctr">
               <a:buNone/>
             </a:pPr>
-            <a:endParaRPr b="0" lang="en-US" sz="4400" spc="-1" strike="noStrike">
+            <a:endParaRPr b="0" lang="en-GB" sz="4400" spc="-1" strike="noStrike">
               <a:solidFill>
                 <a:srgbClr val="000000"/>
               </a:solidFill>
@@ -5087,7 +5087,7 @@
               </a:spcBef>
               <a:buNone/>
             </a:pPr>
-            <a:endParaRPr b="0" lang="en-US" sz="3200" spc="-1" strike="noStrike">
+            <a:endParaRPr b="0" lang="en-GB" sz="3200" spc="-1" strike="noStrike">
               <a:solidFill>
                 <a:srgbClr val="000000"/>
               </a:solidFill>
@@ -5130,7 +5130,7 @@
               </a:spcBef>
               <a:buNone/>
             </a:pPr>
-            <a:endParaRPr b="0" lang="en-US" sz="3200" spc="-1" strike="noStrike">
+            <a:endParaRPr b="0" lang="en-GB" sz="3200" spc="-1" strike="noStrike">
               <a:solidFill>
                 <a:srgbClr val="000000"/>
               </a:solidFill>
@@ -5173,7 +5173,7 @@
               </a:spcBef>
               <a:buNone/>
             </a:pPr>
-            <a:endParaRPr b="0" lang="en-US" sz="3200" spc="-1" strike="noStrike">
+            <a:endParaRPr b="0" lang="en-GB" sz="3200" spc="-1" strike="noStrike">
               <a:solidFill>
                 <a:srgbClr val="000000"/>
               </a:solidFill>
@@ -5235,7 +5235,7 @@
             <a:pPr indent="0" algn="ctr">
               <a:buNone/>
             </a:pPr>
-            <a:endParaRPr b="0" lang="en-US" sz="4400" spc="-1" strike="noStrike">
+            <a:endParaRPr b="0" lang="en-GB" sz="4400" spc="-1" strike="noStrike">
               <a:solidFill>
                 <a:srgbClr val="000000"/>
               </a:solidFill>
@@ -5278,7 +5278,7 @@
               </a:spcBef>
               <a:buNone/>
             </a:pPr>
-            <a:endParaRPr b="0" lang="en-US" sz="3200" spc="-1" strike="noStrike">
+            <a:endParaRPr b="0" lang="en-GB" sz="3200" spc="-1" strike="noStrike">
               <a:solidFill>
                 <a:srgbClr val="000000"/>
               </a:solidFill>
@@ -5321,7 +5321,7 @@
               </a:spcBef>
               <a:buNone/>
             </a:pPr>
-            <a:endParaRPr b="0" lang="en-US" sz="3200" spc="-1" strike="noStrike">
+            <a:endParaRPr b="0" lang="en-GB" sz="3200" spc="-1" strike="noStrike">
               <a:solidFill>
                 <a:srgbClr val="000000"/>
               </a:solidFill>
@@ -5364,7 +5364,7 @@
               </a:spcBef>
               <a:buNone/>
             </a:pPr>
-            <a:endParaRPr b="0" lang="en-US" sz="3200" spc="-1" strike="noStrike">
+            <a:endParaRPr b="0" lang="en-GB" sz="3200" spc="-1" strike="noStrike">
               <a:solidFill>
                 <a:srgbClr val="000000"/>
               </a:solidFill>
@@ -5411,7 +5411,7 @@
         <p:spPr>
           <a:xfrm>
             <a:off x="11444760" y="0"/>
-            <a:ext cx="740880" cy="6849720"/>
+            <a:ext cx="740520" cy="6849360"/>
           </a:xfrm>
           <a:prstGeom prst="rect">
             <a:avLst/>
@@ -5436,11 +5436,17 @@
             <a:noAutofit/>
           </a:bodyPr>
           <a:p>
+            <a:pPr>
+              <a:lnSpc>
+                <a:spcPct val="100000"/>
+              </a:lnSpc>
+            </a:pPr>
             <a:endParaRPr b="0" lang="en-US" sz="1800" spc="-1" strike="noStrike">
               <a:solidFill>
                 <a:srgbClr val="ffffff"/>
               </a:solidFill>
               <a:latin typeface="Arial"/>
+              <a:ea typeface="DejaVu Sans"/>
             </a:endParaRPr>
           </a:p>
         </p:txBody>
@@ -5454,7 +5460,7 @@
         <p:spPr>
           <a:xfrm>
             <a:off x="11438640" y="6453360"/>
-            <a:ext cx="757800" cy="363960"/>
+            <a:ext cx="757440" cy="363960"/>
           </a:xfrm>
           <a:prstGeom prst="rect">
             <a:avLst/>
@@ -5480,7 +5486,7 @@
                 <a:spcPct val="100000"/>
               </a:lnSpc>
             </a:pPr>
-            <a:fld id="{2AE58290-CBED-427A-884E-8BAFB796EDE6}" type="slidenum">
+            <a:fld id="{62F0662C-FF23-4BBB-9B29-933747BAF9C3}" type="slidenum">
               <a:rPr b="0" lang="en-US" sz="1800" spc="-1" strike="noStrike">
                 <a:solidFill>
                   <a:srgbClr val="808080"/>
@@ -5488,9 +5494,9 @@
                 <a:latin typeface="Arial"/>
                 <a:ea typeface="DejaVu Sans"/>
               </a:rPr>
-              <a:t>27</a:t>
+              <a:t>&lt;number&gt;</a:t>
             </a:fld>
-            <a:endParaRPr b="0" lang="en-US" sz="1800" spc="-1" strike="noStrike">
+            <a:endParaRPr b="0" lang="en-GB" sz="1800" spc="-1" strike="noStrike">
               <a:solidFill>
                 <a:srgbClr val="000000"/>
               </a:solidFill>
@@ -5508,7 +5514,7 @@
         <p:spPr>
           <a:xfrm>
             <a:off x="912240" y="1268280"/>
-            <a:ext cx="9207720" cy="361080"/>
+            <a:ext cx="9207360" cy="360720"/>
           </a:xfrm>
           <a:prstGeom prst="rect">
             <a:avLst/>
@@ -5529,11 +5535,17 @@
             <a:noAutofit/>
           </a:bodyPr>
           <a:p>
+            <a:pPr>
+              <a:lnSpc>
+                <a:spcPct val="100000"/>
+              </a:lnSpc>
+            </a:pPr>
             <a:endParaRPr b="0" lang="en-US" sz="1800" spc="-1" strike="noStrike">
               <a:solidFill>
                 <a:srgbClr val="000000"/>
               </a:solidFill>
               <a:latin typeface="Arial"/>
+              <a:ea typeface="DejaVu Sans"/>
             </a:endParaRPr>
           </a:p>
         </p:txBody>
@@ -5551,7 +5563,7 @@
         <p:spPr>
           <a:xfrm>
             <a:off x="0" y="0"/>
-            <a:ext cx="3051720" cy="561600"/>
+            <a:ext cx="3051360" cy="561240"/>
           </a:xfrm>
           <a:prstGeom prst="rect">
             <a:avLst/>
@@ -5574,7 +5586,7 @@
         <p:spPr>
           <a:xfrm>
             <a:off x="7430400" y="134640"/>
-            <a:ext cx="3697560" cy="513720"/>
+            <a:ext cx="3697200" cy="513360"/>
           </a:xfrm>
           <a:prstGeom prst="rect">
             <a:avLst/>
@@ -5593,7 +5605,7 @@
         <p:spPr>
           <a:xfrm>
             <a:off x="912240" y="1268280"/>
-            <a:ext cx="9207720" cy="361080"/>
+            <a:ext cx="9207360" cy="360720"/>
           </a:xfrm>
           <a:prstGeom prst="rect">
             <a:avLst/>
@@ -5614,11 +5626,17 @@
             <a:noAutofit/>
           </a:bodyPr>
           <a:p>
+            <a:pPr>
+              <a:lnSpc>
+                <a:spcPct val="100000"/>
+              </a:lnSpc>
+            </a:pPr>
             <a:endParaRPr b="0" lang="en-US" sz="1800" spc="-1" strike="noStrike">
               <a:solidFill>
                 <a:srgbClr val="000000"/>
               </a:solidFill>
               <a:latin typeface="Arial"/>
+              <a:ea typeface="DejaVu Sans"/>
             </a:endParaRPr>
           </a:p>
         </p:txBody>
@@ -5632,7 +5650,7 @@
         <p:spPr>
           <a:xfrm>
             <a:off x="11444760" y="0"/>
-            <a:ext cx="740880" cy="6849720"/>
+            <a:ext cx="740520" cy="6849360"/>
           </a:xfrm>
           <a:prstGeom prst="rect">
             <a:avLst/>
@@ -5657,11 +5675,17 @@
             <a:noAutofit/>
           </a:bodyPr>
           <a:p>
+            <a:pPr>
+              <a:lnSpc>
+                <a:spcPct val="100000"/>
+              </a:lnSpc>
+            </a:pPr>
             <a:endParaRPr b="0" lang="en-US" sz="1800" spc="-1" strike="noStrike">
               <a:solidFill>
                 <a:srgbClr val="ffffff"/>
               </a:solidFill>
               <a:latin typeface="Arial"/>
+              <a:ea typeface="DejaVu Sans"/>
             </a:endParaRPr>
           </a:p>
         </p:txBody>
@@ -5675,7 +5699,7 @@
         <p:spPr>
           <a:xfrm>
             <a:off x="0" y="6646680"/>
-            <a:ext cx="12186360" cy="211320"/>
+            <a:ext cx="12186000" cy="211320"/>
           </a:xfrm>
           <a:prstGeom prst="rect">
             <a:avLst/>
@@ -5711,7 +5735,7 @@
               </a:rPr>
               <a:t>Requirements Engineering – TU Clausthal</a:t>
             </a:r>
-            <a:endParaRPr b="0" lang="en-US" sz="800" spc="-1" strike="noStrike">
+            <a:endParaRPr b="0" lang="en-GB" sz="800" spc="-1" strike="noStrike">
               <a:solidFill>
                 <a:srgbClr val="000000"/>
               </a:solidFill>
@@ -5752,7 +5776,7 @@
               <a:buNone/>
             </a:pPr>
             <a:r>
-              <a:rPr b="0" lang="en-US" sz="4400" spc="-1" strike="noStrike">
+              <a:rPr b="0" lang="en-GB" sz="4400" spc="-1" strike="noStrike">
                 <a:solidFill>
                   <a:srgbClr val="000000"/>
                 </a:solidFill>
@@ -5760,7 +5784,7 @@
               </a:rPr>
               <a:t>Click to edit the title text format</a:t>
             </a:r>
-            <a:endParaRPr b="0" lang="en-US" sz="4400" spc="-1" strike="noStrike">
+            <a:endParaRPr b="0" lang="en-GB" sz="4400" spc="-1" strike="noStrike">
               <a:solidFill>
                 <a:srgbClr val="000000"/>
               </a:solidFill>
@@ -5809,7 +5833,7 @@
               <a:buChar char=""/>
             </a:pPr>
             <a:r>
-              <a:rPr b="0" lang="en-US" sz="3200" spc="-1" strike="noStrike">
+              <a:rPr b="0" lang="en-GB" sz="3200" spc="-1" strike="noStrike">
                 <a:solidFill>
                   <a:srgbClr val="000000"/>
                 </a:solidFill>
@@ -5817,7 +5841,7 @@
               </a:rPr>
               <a:t>Click to edit the outline text format</a:t>
             </a:r>
-            <a:endParaRPr b="0" lang="en-US" sz="3200" spc="-1" strike="noStrike">
+            <a:endParaRPr b="0" lang="en-GB" sz="3200" spc="-1" strike="noStrike">
               <a:solidFill>
                 <a:srgbClr val="000000"/>
               </a:solidFill>
@@ -5837,7 +5861,7 @@
               <a:buChar char=""/>
             </a:pPr>
             <a:r>
-              <a:rPr b="0" lang="en-US" sz="2800" spc="-1" strike="noStrike">
+              <a:rPr b="0" lang="en-GB" sz="2800" spc="-1" strike="noStrike">
                 <a:solidFill>
                   <a:srgbClr val="000000"/>
                 </a:solidFill>
@@ -5845,7 +5869,7 @@
               </a:rPr>
               <a:t>Second Outline Level</a:t>
             </a:r>
-            <a:endParaRPr b="0" lang="en-US" sz="2800" spc="-1" strike="noStrike">
+            <a:endParaRPr b="0" lang="en-GB" sz="2800" spc="-1" strike="noStrike">
               <a:solidFill>
                 <a:srgbClr val="000000"/>
               </a:solidFill>
@@ -5865,7 +5889,7 @@
               <a:buChar char=""/>
             </a:pPr>
             <a:r>
-              <a:rPr b="0" lang="en-US" sz="2400" spc="-1" strike="noStrike">
+              <a:rPr b="0" lang="en-GB" sz="2400" spc="-1" strike="noStrike">
                 <a:solidFill>
                   <a:srgbClr val="000000"/>
                 </a:solidFill>
@@ -5873,7 +5897,7 @@
               </a:rPr>
               <a:t>Third Outline Level</a:t>
             </a:r>
-            <a:endParaRPr b="0" lang="en-US" sz="2400" spc="-1" strike="noStrike">
+            <a:endParaRPr b="0" lang="en-GB" sz="2400" spc="-1" strike="noStrike">
               <a:solidFill>
                 <a:srgbClr val="000000"/>
               </a:solidFill>
@@ -5893,7 +5917,7 @@
               <a:buChar char=""/>
             </a:pPr>
             <a:r>
-              <a:rPr b="0" lang="en-US" sz="2000" spc="-1" strike="noStrike">
+              <a:rPr b="0" lang="en-GB" sz="2000" spc="-1" strike="noStrike">
                 <a:solidFill>
                   <a:srgbClr val="000000"/>
                 </a:solidFill>
@@ -5901,7 +5925,7 @@
               </a:rPr>
               <a:t>Fourth Outline Level</a:t>
             </a:r>
-            <a:endParaRPr b="0" lang="en-US" sz="2000" spc="-1" strike="noStrike">
+            <a:endParaRPr b="0" lang="en-GB" sz="2000" spc="-1" strike="noStrike">
               <a:solidFill>
                 <a:srgbClr val="000000"/>
               </a:solidFill>
@@ -5921,7 +5945,7 @@
               <a:buChar char=""/>
             </a:pPr>
             <a:r>
-              <a:rPr b="0" lang="en-US" sz="2000" spc="-1" strike="noStrike">
+              <a:rPr b="0" lang="en-GB" sz="2000" spc="-1" strike="noStrike">
                 <a:solidFill>
                   <a:srgbClr val="000000"/>
                 </a:solidFill>
@@ -5929,7 +5953,7 @@
               </a:rPr>
               <a:t>Fifth Outline Level</a:t>
             </a:r>
-            <a:endParaRPr b="0" lang="en-US" sz="2000" spc="-1" strike="noStrike">
+            <a:endParaRPr b="0" lang="en-GB" sz="2000" spc="-1" strike="noStrike">
               <a:solidFill>
                 <a:srgbClr val="000000"/>
               </a:solidFill>
@@ -5949,7 +5973,7 @@
               <a:buChar char=""/>
             </a:pPr>
             <a:r>
-              <a:rPr b="0" lang="en-US" sz="2000" spc="-1" strike="noStrike">
+              <a:rPr b="0" lang="en-GB" sz="2000" spc="-1" strike="noStrike">
                 <a:solidFill>
                   <a:srgbClr val="000000"/>
                 </a:solidFill>
@@ -5957,7 +5981,7 @@
               </a:rPr>
               <a:t>Sixth Outline Level</a:t>
             </a:r>
-            <a:endParaRPr b="0" lang="en-US" sz="2000" spc="-1" strike="noStrike">
+            <a:endParaRPr b="0" lang="en-GB" sz="2000" spc="-1" strike="noStrike">
               <a:solidFill>
                 <a:srgbClr val="000000"/>
               </a:solidFill>
@@ -5977,7 +6001,7 @@
               <a:buChar char=""/>
             </a:pPr>
             <a:r>
-              <a:rPr b="0" lang="en-US" sz="2000" spc="-1" strike="noStrike">
+              <a:rPr b="0" lang="en-GB" sz="2000" spc="-1" strike="noStrike">
                 <a:solidFill>
                   <a:srgbClr val="000000"/>
                 </a:solidFill>
@@ -5985,7 +6009,7 @@
               </a:rPr>
               <a:t>Seventh Outline Level</a:t>
             </a:r>
-            <a:endParaRPr b="0" lang="en-US" sz="2000" spc="-1" strike="noStrike">
+            <a:endParaRPr b="0" lang="en-GB" sz="2000" spc="-1" strike="noStrike">
               <a:solidFill>
                 <a:srgbClr val="000000"/>
               </a:solidFill>
@@ -6047,7 +6071,7 @@
         <p:spPr>
           <a:xfrm>
             <a:off x="11444760" y="0"/>
-            <a:ext cx="740880" cy="6849720"/>
+            <a:ext cx="740520" cy="6849360"/>
           </a:xfrm>
           <a:prstGeom prst="rect">
             <a:avLst/>
@@ -6072,11 +6096,17 @@
             <a:noAutofit/>
           </a:bodyPr>
           <a:p>
+            <a:pPr>
+              <a:lnSpc>
+                <a:spcPct val="100000"/>
+              </a:lnSpc>
+            </a:pPr>
             <a:endParaRPr b="0" lang="en-US" sz="1800" spc="-1" strike="noStrike">
               <a:solidFill>
                 <a:srgbClr val="ffffff"/>
               </a:solidFill>
               <a:latin typeface="Arial"/>
+              <a:ea typeface="DejaVu Sans"/>
             </a:endParaRPr>
           </a:p>
         </p:txBody>
@@ -6090,7 +6120,7 @@
         <p:spPr>
           <a:xfrm>
             <a:off x="11438640" y="6453360"/>
-            <a:ext cx="757800" cy="363960"/>
+            <a:ext cx="757440" cy="363960"/>
           </a:xfrm>
           <a:prstGeom prst="rect">
             <a:avLst/>
@@ -6116,7 +6146,7 @@
                 <a:spcPct val="100000"/>
               </a:lnSpc>
             </a:pPr>
-            <a:fld id="{FD1AF2AA-B206-4939-A874-F89349A7EFA1}" type="slidenum">
+            <a:fld id="{E0D1A255-FD4A-44BA-A779-BA7EB5CBC577}" type="slidenum">
               <a:rPr b="0" lang="en-US" sz="1800" spc="-1" strike="noStrike">
                 <a:solidFill>
                   <a:srgbClr val="808080"/>
@@ -6126,7 +6156,7 @@
               </a:rPr>
               <a:t>&lt;number&gt;</a:t>
             </a:fld>
-            <a:endParaRPr b="0" lang="en-US" sz="1800" spc="-1" strike="noStrike">
+            <a:endParaRPr b="0" lang="en-GB" sz="1800" spc="-1" strike="noStrike">
               <a:solidFill>
                 <a:srgbClr val="000000"/>
               </a:solidFill>
@@ -6144,7 +6174,7 @@
         <p:spPr>
           <a:xfrm>
             <a:off x="912240" y="1268280"/>
-            <a:ext cx="9207720" cy="361080"/>
+            <a:ext cx="9207360" cy="360720"/>
           </a:xfrm>
           <a:prstGeom prst="rect">
             <a:avLst/>
@@ -6165,11 +6195,17 @@
             <a:noAutofit/>
           </a:bodyPr>
           <a:p>
+            <a:pPr>
+              <a:lnSpc>
+                <a:spcPct val="100000"/>
+              </a:lnSpc>
+            </a:pPr>
             <a:endParaRPr b="0" lang="en-US" sz="1800" spc="-1" strike="noStrike">
               <a:solidFill>
                 <a:srgbClr val="000000"/>
               </a:solidFill>
               <a:latin typeface="Arial"/>
+              <a:ea typeface="DejaVu Sans"/>
             </a:endParaRPr>
           </a:p>
         </p:txBody>
@@ -6187,7 +6223,7 @@
         <p:spPr>
           <a:xfrm>
             <a:off x="0" y="0"/>
-            <a:ext cx="3051720" cy="561600"/>
+            <a:ext cx="3051360" cy="561240"/>
           </a:xfrm>
           <a:prstGeom prst="rect">
             <a:avLst/>
@@ -6210,7 +6246,7 @@
         <p:spPr>
           <a:xfrm>
             <a:off x="7430400" y="134640"/>
-            <a:ext cx="3697560" cy="513720"/>
+            <a:ext cx="3697200" cy="513360"/>
           </a:xfrm>
           <a:prstGeom prst="rect">
             <a:avLst/>
@@ -6229,7 +6265,7 @@
         <p:spPr>
           <a:xfrm>
             <a:off x="912240" y="1268280"/>
-            <a:ext cx="9207720" cy="361080"/>
+            <a:ext cx="9207360" cy="360720"/>
           </a:xfrm>
           <a:prstGeom prst="rect">
             <a:avLst/>
@@ -6250,11 +6286,17 @@
             <a:noAutofit/>
           </a:bodyPr>
           <a:p>
+            <a:pPr>
+              <a:lnSpc>
+                <a:spcPct val="100000"/>
+              </a:lnSpc>
+            </a:pPr>
             <a:endParaRPr b="0" lang="en-US" sz="1800" spc="-1" strike="noStrike">
               <a:solidFill>
                 <a:srgbClr val="000000"/>
               </a:solidFill>
               <a:latin typeface="Arial"/>
+              <a:ea typeface="DejaVu Sans"/>
             </a:endParaRPr>
           </a:p>
         </p:txBody>
@@ -6268,7 +6310,7 @@
         <p:spPr>
           <a:xfrm>
             <a:off x="11444760" y="0"/>
-            <a:ext cx="740880" cy="6849720"/>
+            <a:ext cx="740520" cy="6849360"/>
           </a:xfrm>
           <a:prstGeom prst="rect">
             <a:avLst/>
@@ -6293,11 +6335,17 @@
             <a:noAutofit/>
           </a:bodyPr>
           <a:p>
+            <a:pPr>
+              <a:lnSpc>
+                <a:spcPct val="100000"/>
+              </a:lnSpc>
+            </a:pPr>
             <a:endParaRPr b="0" lang="en-US" sz="1800" spc="-1" strike="noStrike">
               <a:solidFill>
                 <a:srgbClr val="ffffff"/>
               </a:solidFill>
               <a:latin typeface="Arial"/>
+              <a:ea typeface="DejaVu Sans"/>
             </a:endParaRPr>
           </a:p>
         </p:txBody>
@@ -6311,7 +6359,7 @@
         <p:spPr>
           <a:xfrm>
             <a:off x="0" y="6646680"/>
-            <a:ext cx="12186360" cy="211320"/>
+            <a:ext cx="12186000" cy="211320"/>
           </a:xfrm>
           <a:prstGeom prst="rect">
             <a:avLst/>
@@ -6347,7 +6395,7 @@
               </a:rPr>
               <a:t>Requirements Engineering – TU Clausthal</a:t>
             </a:r>
-            <a:endParaRPr b="0" lang="en-US" sz="800" spc="-1" strike="noStrike">
+            <a:endParaRPr b="0" lang="en-GB" sz="800" spc="-1" strike="noStrike">
               <a:solidFill>
                 <a:srgbClr val="000000"/>
               </a:solidFill>
@@ -6388,7 +6436,7 @@
               <a:buNone/>
             </a:pPr>
             <a:r>
-              <a:rPr b="0" lang="en-US" sz="4400" spc="-1" strike="noStrike">
+              <a:rPr b="0" lang="en-GB" sz="4400" spc="-1" strike="noStrike">
                 <a:solidFill>
                   <a:srgbClr val="000000"/>
                 </a:solidFill>
@@ -6396,7 +6444,7 @@
               </a:rPr>
               <a:t>Click to edit the title text format</a:t>
             </a:r>
-            <a:endParaRPr b="0" lang="en-US" sz="4400" spc="-1" strike="noStrike">
+            <a:endParaRPr b="0" lang="en-GB" sz="4400" spc="-1" strike="noStrike">
               <a:solidFill>
                 <a:srgbClr val="000000"/>
               </a:solidFill>
@@ -6445,7 +6493,7 @@
               <a:buChar char=""/>
             </a:pPr>
             <a:r>
-              <a:rPr b="0" lang="en-US" sz="3200" spc="-1" strike="noStrike">
+              <a:rPr b="0" lang="en-GB" sz="3200" spc="-1" strike="noStrike">
                 <a:solidFill>
                   <a:srgbClr val="000000"/>
                 </a:solidFill>
@@ -6453,7 +6501,7 @@
               </a:rPr>
               <a:t>Click to edit the outline text format</a:t>
             </a:r>
-            <a:endParaRPr b="0" lang="en-US" sz="3200" spc="-1" strike="noStrike">
+            <a:endParaRPr b="0" lang="en-GB" sz="3200" spc="-1" strike="noStrike">
               <a:solidFill>
                 <a:srgbClr val="000000"/>
               </a:solidFill>
@@ -6473,7 +6521,7 @@
               <a:buChar char=""/>
             </a:pPr>
             <a:r>
-              <a:rPr b="0" lang="en-US" sz="2800" spc="-1" strike="noStrike">
+              <a:rPr b="0" lang="en-GB" sz="2800" spc="-1" strike="noStrike">
                 <a:solidFill>
                   <a:srgbClr val="000000"/>
                 </a:solidFill>
@@ -6481,7 +6529,7 @@
               </a:rPr>
               <a:t>Second Outline Level</a:t>
             </a:r>
-            <a:endParaRPr b="0" lang="en-US" sz="2800" spc="-1" strike="noStrike">
+            <a:endParaRPr b="0" lang="en-GB" sz="2800" spc="-1" strike="noStrike">
               <a:solidFill>
                 <a:srgbClr val="000000"/>
               </a:solidFill>
@@ -6501,7 +6549,7 @@
               <a:buChar char=""/>
             </a:pPr>
             <a:r>
-              <a:rPr b="0" lang="en-US" sz="2400" spc="-1" strike="noStrike">
+              <a:rPr b="0" lang="en-GB" sz="2400" spc="-1" strike="noStrike">
                 <a:solidFill>
                   <a:srgbClr val="000000"/>
                 </a:solidFill>
@@ -6509,7 +6557,7 @@
               </a:rPr>
               <a:t>Third Outline Level</a:t>
             </a:r>
-            <a:endParaRPr b="0" lang="en-US" sz="2400" spc="-1" strike="noStrike">
+            <a:endParaRPr b="0" lang="en-GB" sz="2400" spc="-1" strike="noStrike">
               <a:solidFill>
                 <a:srgbClr val="000000"/>
               </a:solidFill>
@@ -6529,7 +6577,7 @@
               <a:buChar char=""/>
             </a:pPr>
             <a:r>
-              <a:rPr b="0" lang="en-US" sz="2000" spc="-1" strike="noStrike">
+              <a:rPr b="0" lang="en-GB" sz="2000" spc="-1" strike="noStrike">
                 <a:solidFill>
                   <a:srgbClr val="000000"/>
                 </a:solidFill>
@@ -6537,7 +6585,7 @@
               </a:rPr>
               <a:t>Fourth Outline Level</a:t>
             </a:r>
-            <a:endParaRPr b="0" lang="en-US" sz="2000" spc="-1" strike="noStrike">
+            <a:endParaRPr b="0" lang="en-GB" sz="2000" spc="-1" strike="noStrike">
               <a:solidFill>
                 <a:srgbClr val="000000"/>
               </a:solidFill>
@@ -6557,7 +6605,7 @@
               <a:buChar char=""/>
             </a:pPr>
             <a:r>
-              <a:rPr b="0" lang="en-US" sz="2000" spc="-1" strike="noStrike">
+              <a:rPr b="0" lang="en-GB" sz="2000" spc="-1" strike="noStrike">
                 <a:solidFill>
                   <a:srgbClr val="000000"/>
                 </a:solidFill>
@@ -6565,7 +6613,7 @@
               </a:rPr>
               <a:t>Fifth Outline Level</a:t>
             </a:r>
-            <a:endParaRPr b="0" lang="en-US" sz="2000" spc="-1" strike="noStrike">
+            <a:endParaRPr b="0" lang="en-GB" sz="2000" spc="-1" strike="noStrike">
               <a:solidFill>
                 <a:srgbClr val="000000"/>
               </a:solidFill>
@@ -6585,7 +6633,7 @@
               <a:buChar char=""/>
             </a:pPr>
             <a:r>
-              <a:rPr b="0" lang="en-US" sz="2000" spc="-1" strike="noStrike">
+              <a:rPr b="0" lang="en-GB" sz="2000" spc="-1" strike="noStrike">
                 <a:solidFill>
                   <a:srgbClr val="000000"/>
                 </a:solidFill>
@@ -6593,7 +6641,7 @@
               </a:rPr>
               <a:t>Sixth Outline Level</a:t>
             </a:r>
-            <a:endParaRPr b="0" lang="en-US" sz="2000" spc="-1" strike="noStrike">
+            <a:endParaRPr b="0" lang="en-GB" sz="2000" spc="-1" strike="noStrike">
               <a:solidFill>
                 <a:srgbClr val="000000"/>
               </a:solidFill>
@@ -6613,7 +6661,7 @@
               <a:buChar char=""/>
             </a:pPr>
             <a:r>
-              <a:rPr b="0" lang="en-US" sz="2000" spc="-1" strike="noStrike">
+              <a:rPr b="0" lang="en-GB" sz="2000" spc="-1" strike="noStrike">
                 <a:solidFill>
                   <a:srgbClr val="000000"/>
                 </a:solidFill>
@@ -6621,7 +6669,7 @@
               </a:rPr>
               <a:t>Seventh Outline Level</a:t>
             </a:r>
-            <a:endParaRPr b="0" lang="en-US" sz="2000" spc="-1" strike="noStrike">
+            <a:endParaRPr b="0" lang="en-GB" sz="2000" spc="-1" strike="noStrike">
               <a:solidFill>
                 <a:srgbClr val="000000"/>
               </a:solidFill>
@@ -6683,7 +6731,7 @@
         <p:spPr>
           <a:xfrm>
             <a:off x="11444760" y="0"/>
-            <a:ext cx="740880" cy="6849720"/>
+            <a:ext cx="740520" cy="6849360"/>
           </a:xfrm>
           <a:prstGeom prst="rect">
             <a:avLst/>
@@ -6708,11 +6756,17 @@
             <a:noAutofit/>
           </a:bodyPr>
           <a:p>
+            <a:pPr>
+              <a:lnSpc>
+                <a:spcPct val="100000"/>
+              </a:lnSpc>
+            </a:pPr>
             <a:endParaRPr b="0" lang="en-US" sz="1800" spc="-1" strike="noStrike">
               <a:solidFill>
                 <a:srgbClr val="ffffff"/>
               </a:solidFill>
               <a:latin typeface="Arial"/>
+              <a:ea typeface="DejaVu Sans"/>
             </a:endParaRPr>
           </a:p>
         </p:txBody>
@@ -6726,7 +6780,7 @@
         <p:spPr>
           <a:xfrm>
             <a:off x="11438640" y="6453360"/>
-            <a:ext cx="757800" cy="363960"/>
+            <a:ext cx="757440" cy="363960"/>
           </a:xfrm>
           <a:prstGeom prst="rect">
             <a:avLst/>
@@ -6752,7 +6806,7 @@
                 <a:spcPct val="100000"/>
               </a:lnSpc>
             </a:pPr>
-            <a:fld id="{6233B82C-7522-4F56-BD54-CD9BF049AA05}" type="slidenum">
+            <a:fld id="{6D59A051-E5A7-44FD-875A-AD1E33AFC0BA}" type="slidenum">
               <a:rPr b="0" lang="en-US" sz="1800" spc="-1" strike="noStrike">
                 <a:solidFill>
                   <a:srgbClr val="808080"/>
@@ -6762,7 +6816,7 @@
               </a:rPr>
               <a:t>&lt;number&gt;</a:t>
             </a:fld>
-            <a:endParaRPr b="0" lang="en-US" sz="1800" spc="-1" strike="noStrike">
+            <a:endParaRPr b="0" lang="en-GB" sz="1800" spc="-1" strike="noStrike">
               <a:solidFill>
                 <a:srgbClr val="000000"/>
               </a:solidFill>
@@ -6780,7 +6834,7 @@
         <p:spPr>
           <a:xfrm>
             <a:off x="912240" y="1268280"/>
-            <a:ext cx="9207720" cy="361080"/>
+            <a:ext cx="9207360" cy="360720"/>
           </a:xfrm>
           <a:prstGeom prst="rect">
             <a:avLst/>
@@ -6801,11 +6855,17 @@
             <a:noAutofit/>
           </a:bodyPr>
           <a:p>
+            <a:pPr>
+              <a:lnSpc>
+                <a:spcPct val="100000"/>
+              </a:lnSpc>
+            </a:pPr>
             <a:endParaRPr b="0" lang="en-US" sz="1800" spc="-1" strike="noStrike">
               <a:solidFill>
                 <a:srgbClr val="000000"/>
               </a:solidFill>
               <a:latin typeface="Arial"/>
+              <a:ea typeface="DejaVu Sans"/>
             </a:endParaRPr>
           </a:p>
         </p:txBody>
@@ -6823,7 +6883,7 @@
         <p:spPr>
           <a:xfrm>
             <a:off x="0" y="0"/>
-            <a:ext cx="3051720" cy="561600"/>
+            <a:ext cx="3051360" cy="561240"/>
           </a:xfrm>
           <a:prstGeom prst="rect">
             <a:avLst/>
@@ -6846,7 +6906,7 @@
         <p:spPr>
           <a:xfrm>
             <a:off x="7430400" y="134640"/>
-            <a:ext cx="3697560" cy="513720"/>
+            <a:ext cx="3697200" cy="513360"/>
           </a:xfrm>
           <a:prstGeom prst="rect">
             <a:avLst/>
@@ -6865,7 +6925,7 @@
         <p:spPr>
           <a:xfrm>
             <a:off x="11444760" y="1440"/>
-            <a:ext cx="740880" cy="6849720"/>
+            <a:ext cx="740520" cy="6849360"/>
           </a:xfrm>
           <a:prstGeom prst="rect">
             <a:avLst/>
@@ -6890,11 +6950,17 @@
             <a:noAutofit/>
           </a:bodyPr>
           <a:p>
+            <a:pPr>
+              <a:lnSpc>
+                <a:spcPct val="100000"/>
+              </a:lnSpc>
+            </a:pPr>
             <a:endParaRPr b="0" lang="en-US" sz="1800" spc="-1" strike="noStrike">
               <a:solidFill>
                 <a:srgbClr val="ffffff"/>
               </a:solidFill>
               <a:latin typeface="Arial"/>
+              <a:ea typeface="DejaVu Sans"/>
             </a:endParaRPr>
           </a:p>
         </p:txBody>
@@ -6908,7 +6974,7 @@
         <p:spPr>
           <a:xfrm>
             <a:off x="11427480" y="6453360"/>
-            <a:ext cx="757800" cy="363960"/>
+            <a:ext cx="757440" cy="363960"/>
           </a:xfrm>
           <a:prstGeom prst="rect">
             <a:avLst/>
@@ -6934,7 +7000,7 @@
                 <a:spcPct val="100000"/>
               </a:lnSpc>
             </a:pPr>
-            <a:fld id="{D7828E54-9B99-47C4-BA0A-1BAF4BCB9547}" type="slidenum">
+            <a:fld id="{8C763582-F36A-444C-9D36-E26BFB2F1A4C}" type="slidenum">
               <a:rPr b="0" lang="en-US" sz="1800" spc="-1" strike="noStrike">
                 <a:solidFill>
                   <a:srgbClr val="808080"/>
@@ -6944,7 +7010,7 @@
               </a:rPr>
               <a:t>&lt;number&gt;</a:t>
             </a:fld>
-            <a:endParaRPr b="0" lang="en-US" sz="1800" spc="-1" strike="noStrike">
+            <a:endParaRPr b="0" lang="en-GB" sz="1800" spc="-1" strike="noStrike">
               <a:solidFill>
                 <a:srgbClr val="000000"/>
               </a:solidFill>
@@ -6962,7 +7028,7 @@
         <p:spPr>
           <a:xfrm>
             <a:off x="0" y="6646680"/>
-            <a:ext cx="12186360" cy="211320"/>
+            <a:ext cx="12186000" cy="211320"/>
           </a:xfrm>
           <a:prstGeom prst="rect">
             <a:avLst/>
@@ -6998,7 +7064,7 @@
               </a:rPr>
               <a:t>Requirements Engineering – TU Clausthal</a:t>
             </a:r>
-            <a:endParaRPr b="0" lang="en-US" sz="800" spc="-1" strike="noStrike">
+            <a:endParaRPr b="0" lang="en-GB" sz="800" spc="-1" strike="noStrike">
               <a:solidFill>
                 <a:srgbClr val="000000"/>
               </a:solidFill>
@@ -7039,7 +7105,7 @@
               <a:buNone/>
             </a:pPr>
             <a:r>
-              <a:rPr b="0" lang="en-US" sz="4400" spc="-1" strike="noStrike">
+              <a:rPr b="0" lang="en-GB" sz="4400" spc="-1" strike="noStrike">
                 <a:solidFill>
                   <a:srgbClr val="000000"/>
                 </a:solidFill>
@@ -7047,7 +7113,7 @@
               </a:rPr>
               <a:t>Click to edit the title text format</a:t>
             </a:r>
-            <a:endParaRPr b="0" lang="en-US" sz="4400" spc="-1" strike="noStrike">
+            <a:endParaRPr b="0" lang="en-GB" sz="4400" spc="-1" strike="noStrike">
               <a:solidFill>
                 <a:srgbClr val="000000"/>
               </a:solidFill>
@@ -7096,7 +7162,7 @@
               <a:buChar char=""/>
             </a:pPr>
             <a:r>
-              <a:rPr b="0" lang="en-US" sz="3200" spc="-1" strike="noStrike">
+              <a:rPr b="0" lang="en-GB" sz="3200" spc="-1" strike="noStrike">
                 <a:solidFill>
                   <a:srgbClr val="000000"/>
                 </a:solidFill>
@@ -7104,7 +7170,7 @@
               </a:rPr>
               <a:t>Click to edit the outline text format</a:t>
             </a:r>
-            <a:endParaRPr b="0" lang="en-US" sz="3200" spc="-1" strike="noStrike">
+            <a:endParaRPr b="0" lang="en-GB" sz="3200" spc="-1" strike="noStrike">
               <a:solidFill>
                 <a:srgbClr val="000000"/>
               </a:solidFill>
@@ -7124,7 +7190,7 @@
               <a:buChar char=""/>
             </a:pPr>
             <a:r>
-              <a:rPr b="0" lang="en-US" sz="2800" spc="-1" strike="noStrike">
+              <a:rPr b="0" lang="en-GB" sz="2800" spc="-1" strike="noStrike">
                 <a:solidFill>
                   <a:srgbClr val="000000"/>
                 </a:solidFill>
@@ -7132,7 +7198,7 @@
               </a:rPr>
               <a:t>Second Outline Level</a:t>
             </a:r>
-            <a:endParaRPr b="0" lang="en-US" sz="2800" spc="-1" strike="noStrike">
+            <a:endParaRPr b="0" lang="en-GB" sz="2800" spc="-1" strike="noStrike">
               <a:solidFill>
                 <a:srgbClr val="000000"/>
               </a:solidFill>
@@ -7152,7 +7218,7 @@
               <a:buChar char=""/>
             </a:pPr>
             <a:r>
-              <a:rPr b="0" lang="en-US" sz="2400" spc="-1" strike="noStrike">
+              <a:rPr b="0" lang="en-GB" sz="2400" spc="-1" strike="noStrike">
                 <a:solidFill>
                   <a:srgbClr val="000000"/>
                 </a:solidFill>
@@ -7160,7 +7226,7 @@
               </a:rPr>
               <a:t>Third Outline Level</a:t>
             </a:r>
-            <a:endParaRPr b="0" lang="en-US" sz="2400" spc="-1" strike="noStrike">
+            <a:endParaRPr b="0" lang="en-GB" sz="2400" spc="-1" strike="noStrike">
               <a:solidFill>
                 <a:srgbClr val="000000"/>
               </a:solidFill>
@@ -7180,7 +7246,7 @@
               <a:buChar char=""/>
             </a:pPr>
             <a:r>
-              <a:rPr b="0" lang="en-US" sz="2000" spc="-1" strike="noStrike">
+              <a:rPr b="0" lang="en-GB" sz="2000" spc="-1" strike="noStrike">
                 <a:solidFill>
                   <a:srgbClr val="000000"/>
                 </a:solidFill>
@@ -7188,7 +7254,7 @@
               </a:rPr>
               <a:t>Fourth Outline Level</a:t>
             </a:r>
-            <a:endParaRPr b="0" lang="en-US" sz="2000" spc="-1" strike="noStrike">
+            <a:endParaRPr b="0" lang="en-GB" sz="2000" spc="-1" strike="noStrike">
               <a:solidFill>
                 <a:srgbClr val="000000"/>
               </a:solidFill>
@@ -7208,7 +7274,7 @@
               <a:buChar char=""/>
             </a:pPr>
             <a:r>
-              <a:rPr b="0" lang="en-US" sz="2000" spc="-1" strike="noStrike">
+              <a:rPr b="0" lang="en-GB" sz="2000" spc="-1" strike="noStrike">
                 <a:solidFill>
                   <a:srgbClr val="000000"/>
                 </a:solidFill>
@@ -7216,7 +7282,7 @@
               </a:rPr>
               <a:t>Fifth Outline Level</a:t>
             </a:r>
-            <a:endParaRPr b="0" lang="en-US" sz="2000" spc="-1" strike="noStrike">
+            <a:endParaRPr b="0" lang="en-GB" sz="2000" spc="-1" strike="noStrike">
               <a:solidFill>
                 <a:srgbClr val="000000"/>
               </a:solidFill>
@@ -7236,7 +7302,7 @@
               <a:buChar char=""/>
             </a:pPr>
             <a:r>
-              <a:rPr b="0" lang="en-US" sz="2000" spc="-1" strike="noStrike">
+              <a:rPr b="0" lang="en-GB" sz="2000" spc="-1" strike="noStrike">
                 <a:solidFill>
                   <a:srgbClr val="000000"/>
                 </a:solidFill>
@@ -7244,7 +7310,7 @@
               </a:rPr>
               <a:t>Sixth Outline Level</a:t>
             </a:r>
-            <a:endParaRPr b="0" lang="en-US" sz="2000" spc="-1" strike="noStrike">
+            <a:endParaRPr b="0" lang="en-GB" sz="2000" spc="-1" strike="noStrike">
               <a:solidFill>
                 <a:srgbClr val="000000"/>
               </a:solidFill>
@@ -7264,7 +7330,7 @@
               <a:buChar char=""/>
             </a:pPr>
             <a:r>
-              <a:rPr b="0" lang="en-US" sz="2000" spc="-1" strike="noStrike">
+              <a:rPr b="0" lang="en-GB" sz="2000" spc="-1" strike="noStrike">
                 <a:solidFill>
                   <a:srgbClr val="000000"/>
                 </a:solidFill>
@@ -7272,7 +7338,7 @@
               </a:rPr>
               <a:t>Seventh Outline Level</a:t>
             </a:r>
-            <a:endParaRPr b="0" lang="en-US" sz="2000" spc="-1" strike="noStrike">
+            <a:endParaRPr b="0" lang="en-GB" sz="2000" spc="-1" strike="noStrike">
               <a:solidFill>
                 <a:srgbClr val="000000"/>
               </a:solidFill>
@@ -7327,7 +7393,7 @@
         <p:spPr>
           <a:xfrm>
             <a:off x="527400" y="1412640"/>
-            <a:ext cx="10363680" cy="1150200"/>
+            <a:ext cx="10363320" cy="1149840"/>
           </a:xfrm>
           <a:prstGeom prst="rect">
             <a:avLst/>
@@ -7363,7 +7429,7 @@
               </a:rPr>
               <a:t>Requirement Engineering</a:t>
             </a:r>
-            <a:endParaRPr b="0" lang="en-US" sz="3200" spc="-1" strike="noStrike">
+            <a:endParaRPr b="0" lang="en-GB" sz="3200" spc="-1" strike="noStrike">
               <a:solidFill>
                 <a:srgbClr val="000000"/>
               </a:solidFill>
@@ -7381,7 +7447,7 @@
         <p:spPr>
           <a:xfrm>
             <a:off x="527400" y="2852640"/>
-            <a:ext cx="10363680" cy="2370960"/>
+            <a:ext cx="10363320" cy="2370600"/>
           </a:xfrm>
           <a:prstGeom prst="rect">
             <a:avLst/>
@@ -7423,7 +7489,7 @@
               </a:rPr>
               <a:t>Lecture 12: Requirements Management</a:t>
             </a:r>
-            <a:endParaRPr b="0" lang="en-US" sz="2400" spc="-1" strike="noStrike">
+            <a:endParaRPr b="0" lang="en-GB" sz="2400" spc="-1" strike="noStrike">
               <a:solidFill>
                 <a:srgbClr val="000000"/>
               </a:solidFill>
@@ -7442,7 +7508,7 @@
                 <a:tab algn="l" pos="0"/>
               </a:tabLst>
             </a:pPr>
-            <a:endParaRPr b="0" lang="en-US" sz="2400" spc="-1" strike="noStrike">
+            <a:endParaRPr b="0" lang="en-GB" sz="2400" spc="-1" strike="noStrike">
               <a:solidFill>
                 <a:srgbClr val="000000"/>
               </a:solidFill>
@@ -7461,7 +7527,7 @@
                 <a:tab algn="l" pos="0"/>
               </a:tabLst>
             </a:pPr>
-            <a:endParaRPr b="0" lang="en-US" sz="2400" spc="-1" strike="noStrike">
+            <a:endParaRPr b="0" lang="en-GB" sz="2400" spc="-1" strike="noStrike">
               <a:solidFill>
                 <a:srgbClr val="000000"/>
               </a:solidFill>
@@ -7480,7 +7546,7 @@
                 <a:tab algn="l" pos="0"/>
               </a:tabLst>
             </a:pPr>
-            <a:endParaRPr b="0" lang="en-US" sz="2400" spc="-1" strike="noStrike">
+            <a:endParaRPr b="0" lang="en-GB" sz="2400" spc="-1" strike="noStrike">
               <a:solidFill>
                 <a:srgbClr val="000000"/>
               </a:solidFill>
@@ -7509,7 +7575,7 @@
               </a:rPr>
               <a:t>Prof. Dr. Benjamin Leiding</a:t>
             </a:r>
-            <a:endParaRPr b="0" lang="en-US" sz="1600" spc="-1" strike="noStrike">
+            <a:endParaRPr b="0" lang="en-GB" sz="1600" spc="-1" strike="noStrike">
               <a:solidFill>
                 <a:srgbClr val="000000"/>
               </a:solidFill>
@@ -7538,7 +7604,36 @@
               </a:rPr>
               <a:t>M.Sc. Anant Sujatanagarjuna</a:t>
             </a:r>
-            <a:endParaRPr b="0" lang="en-US" sz="1600" spc="-1" strike="noStrike">
+            <a:endParaRPr b="0" lang="en-GB" sz="1600" spc="-1" strike="noStrike">
+              <a:solidFill>
+                <a:srgbClr val="000000"/>
+              </a:solidFill>
+              <a:latin typeface="Arial"/>
+            </a:endParaRPr>
+          </a:p>
+          <a:p>
+            <a:pPr algn="ctr">
+              <a:lnSpc>
+                <a:spcPct val="100000"/>
+              </a:lnSpc>
+              <a:spcBef>
+                <a:spcPts val="320"/>
+              </a:spcBef>
+              <a:tabLst>
+                <a:tab algn="l" pos="0"/>
+              </a:tabLst>
+            </a:pPr>
+            <a:r>
+              <a:rPr b="0" lang="en-GB" sz="1600" spc="-1" strike="noStrike">
+                <a:solidFill>
+                  <a:srgbClr val="000000"/>
+                </a:solidFill>
+                <a:latin typeface="DejaVu Sans"/>
+                <a:ea typeface="DejaVu Sans"/>
+              </a:rPr>
+              <a:t>M.Sc. Chintan Patel</a:t>
+            </a:r>
+            <a:endParaRPr b="0" lang="en-GB" sz="1600" spc="-1" strike="noStrike">
               <a:solidFill>
                 <a:srgbClr val="000000"/>
               </a:solidFill>
@@ -7586,7 +7681,7 @@
         <p:spPr>
           <a:xfrm>
             <a:off x="542880" y="721800"/>
-            <a:ext cx="10356480" cy="497160"/>
+            <a:ext cx="10356120" cy="496800"/>
           </a:xfrm>
           <a:prstGeom prst="rect">
             <a:avLst/>
@@ -7622,7 +7717,7 @@
               </a:rPr>
               <a:t>Manage Requirements</a:t>
             </a:r>
-            <a:endParaRPr b="0" lang="en-US" sz="2200" spc="-1" strike="noStrike">
+            <a:endParaRPr b="0" lang="en-GB" sz="2200" spc="-1" strike="noStrike">
               <a:solidFill>
                 <a:srgbClr val="000000"/>
               </a:solidFill>
@@ -7640,7 +7735,7 @@
         <p:spPr>
           <a:xfrm>
             <a:off x="542880" y="1267200"/>
-            <a:ext cx="10356480" cy="497160"/>
+            <a:ext cx="10356120" cy="496800"/>
           </a:xfrm>
           <a:prstGeom prst="rect">
             <a:avLst/>
@@ -7676,7 +7771,7 @@
               </a:rPr>
               <a:t>Standardized structures and templates</a:t>
             </a:r>
-            <a:endParaRPr b="0" lang="en-US" sz="2200" spc="-1" strike="noStrike">
+            <a:endParaRPr b="0" lang="en-GB" sz="2200" spc="-1" strike="noStrike">
               <a:solidFill>
                 <a:srgbClr val="000000"/>
               </a:solidFill>
@@ -7694,7 +7789,7 @@
         <p:spPr>
           <a:xfrm>
             <a:off x="451800" y="1709280"/>
-            <a:ext cx="8223840" cy="4352040"/>
+            <a:ext cx="8223480" cy="4351680"/>
           </a:xfrm>
           <a:prstGeom prst="rect">
             <a:avLst/>
@@ -7715,11 +7810,17 @@
             <a:noAutofit/>
           </a:bodyPr>
           <a:p>
+            <a:pPr>
+              <a:lnSpc>
+                <a:spcPct val="100000"/>
+              </a:lnSpc>
+            </a:pPr>
             <a:endParaRPr b="0" lang="en-US" sz="1800" spc="-1" strike="noStrike">
               <a:solidFill>
                 <a:srgbClr val="000000"/>
               </a:solidFill>
               <a:latin typeface="Arial"/>
+              <a:ea typeface="DejaVu Sans"/>
             </a:endParaRPr>
           </a:p>
         </p:txBody>
@@ -7737,7 +7838,7 @@
         <p:spPr>
           <a:xfrm>
             <a:off x="609480" y="1769400"/>
-            <a:ext cx="10586880" cy="4854960"/>
+            <a:ext cx="10586520" cy="4854600"/>
           </a:xfrm>
           <a:prstGeom prst="rect">
             <a:avLst/>
@@ -7776,7 +7877,7 @@
               </a:rPr>
               <a:t>Volere</a:t>
             </a:r>
-            <a:endParaRPr b="0" lang="en-US" sz="2000" spc="-1" strike="noStrike">
+            <a:endParaRPr b="0" lang="en-GB" sz="2000" spc="-1" strike="noStrike">
               <a:solidFill>
                 <a:srgbClr val="000000"/>
               </a:solidFill>
@@ -7808,7 +7909,7 @@
               </a:rPr>
               <a:t>V-Modell XT</a:t>
             </a:r>
-            <a:endParaRPr b="0" lang="en-US" sz="2000" spc="-1" strike="noStrike">
+            <a:endParaRPr b="0" lang="en-GB" sz="2000" spc="-1" strike="noStrike">
               <a:solidFill>
                 <a:srgbClr val="000000"/>
               </a:solidFill>
@@ -7840,7 +7941,7 @@
               </a:rPr>
               <a:t>IEEE 29148-2018</a:t>
             </a:r>
-            <a:endParaRPr b="0" lang="en-US" sz="2000" spc="-1" strike="noStrike">
+            <a:endParaRPr b="0" lang="en-GB" sz="2000" spc="-1" strike="noStrike">
               <a:solidFill>
                 <a:srgbClr val="000000"/>
               </a:solidFill>
@@ -7872,7 +7973,7 @@
               </a:rPr>
               <a:t>Etc.</a:t>
             </a:r>
-            <a:endParaRPr b="0" lang="en-US" sz="2000" spc="-1" strike="noStrike">
+            <a:endParaRPr b="0" lang="en-GB" sz="2000" spc="-1" strike="noStrike">
               <a:solidFill>
                 <a:srgbClr val="000000"/>
               </a:solidFill>
@@ -7890,7 +7991,7 @@
         <p:spPr>
           <a:xfrm>
             <a:off x="347760" y="6192000"/>
-            <a:ext cx="11110320" cy="502200"/>
+            <a:ext cx="11109960" cy="501120"/>
           </a:xfrm>
           <a:prstGeom prst="rect">
             <a:avLst/>
@@ -7926,7 +8027,7 @@
               </a:rPr>
               <a:t>1. https://www.volere.org/</a:t>
             </a:r>
-            <a:endParaRPr b="0" lang="en-US" sz="900" spc="-1" strike="noStrike">
+            <a:endParaRPr b="0" lang="en-GB" sz="900" spc="-1" strike="noStrike">
               <a:solidFill>
                 <a:srgbClr val="000000"/>
               </a:solidFill>
@@ -7949,7 +8050,7 @@
               </a:rPr>
               <a:t>2. Der Beauftragte der Bundesregierung für Informationstechnik. V-Modell XT (o.J.), URL: https://cio.bund.de/Web/DE/Architekturen-und-Standards/V-Modell-XT/vmodell_xt_node.html</a:t>
             </a:r>
-            <a:endParaRPr b="0" lang="en-US" sz="900" spc="-1" strike="noStrike">
+            <a:endParaRPr b="0" lang="en-GB" sz="900" spc="-1" strike="noStrike">
               <a:solidFill>
                 <a:srgbClr val="000000"/>
               </a:solidFill>
@@ -7972,7 +8073,7 @@
               </a:rPr>
               <a:t>3. https://standards.ieee.org/ieee/29148/6937/</a:t>
             </a:r>
-            <a:endParaRPr b="0" lang="en-US" sz="900" spc="-1" strike="noStrike">
+            <a:endParaRPr b="0" lang="en-GB" sz="900" spc="-1" strike="noStrike">
               <a:solidFill>
                 <a:srgbClr val="000000"/>
               </a:solidFill>
@@ -8020,7 +8121,7 @@
         <p:spPr>
           <a:xfrm>
             <a:off x="335520" y="4406760"/>
-            <a:ext cx="10748160" cy="1357200"/>
+            <a:ext cx="10747800" cy="1356840"/>
           </a:xfrm>
           <a:prstGeom prst="rect">
             <a:avLst/>
@@ -8056,7 +8157,7 @@
               </a:rPr>
               <a:t>Change Management</a:t>
             </a:r>
-            <a:endParaRPr b="0" lang="en-US" sz="3000" spc="-1" strike="noStrike">
+            <a:endParaRPr b="0" lang="en-GB" sz="3000" spc="-1" strike="noStrike">
               <a:solidFill>
                 <a:srgbClr val="000000"/>
               </a:solidFill>
@@ -8074,7 +8175,7 @@
         <p:spPr>
           <a:xfrm>
             <a:off x="335520" y="2906640"/>
-            <a:ext cx="10748160" cy="1495080"/>
+            <a:ext cx="10747800" cy="1494720"/>
           </a:xfrm>
           <a:prstGeom prst="rect">
             <a:avLst/>
@@ -8095,11 +8196,17 @@
             <a:noAutofit/>
           </a:bodyPr>
           <a:p>
+            <a:pPr>
+              <a:lnSpc>
+                <a:spcPct val="100000"/>
+              </a:lnSpc>
+            </a:pPr>
             <a:endParaRPr b="0" lang="en-US" sz="1800" spc="-1" strike="noStrike">
               <a:solidFill>
                 <a:srgbClr val="000000"/>
               </a:solidFill>
               <a:latin typeface="Arial"/>
+              <a:ea typeface="DejaVu Sans"/>
             </a:endParaRPr>
           </a:p>
         </p:txBody>
@@ -8143,7 +8250,7 @@
         <p:spPr>
           <a:xfrm>
             <a:off x="542880" y="721800"/>
-            <a:ext cx="10356480" cy="497160"/>
+            <a:ext cx="10356120" cy="496800"/>
           </a:xfrm>
           <a:prstGeom prst="rect">
             <a:avLst/>
@@ -8179,7 +8286,7 @@
               </a:rPr>
               <a:t>Change Management</a:t>
             </a:r>
-            <a:endParaRPr b="0" lang="en-US" sz="2200" spc="-1" strike="noStrike">
+            <a:endParaRPr b="0" lang="en-GB" sz="2200" spc="-1" strike="noStrike">
               <a:solidFill>
                 <a:srgbClr val="000000"/>
               </a:solidFill>
@@ -8197,7 +8304,7 @@
         <p:spPr>
           <a:xfrm>
             <a:off x="542880" y="1267200"/>
-            <a:ext cx="10356480" cy="497160"/>
+            <a:ext cx="10356120" cy="496800"/>
           </a:xfrm>
           <a:prstGeom prst="rect">
             <a:avLst/>
@@ -8233,7 +8340,7 @@
               </a:rPr>
               <a:t>Overview</a:t>
             </a:r>
-            <a:endParaRPr b="0" lang="en-US" sz="2200" spc="-1" strike="noStrike">
+            <a:endParaRPr b="0" lang="en-GB" sz="2200" spc="-1" strike="noStrike">
               <a:solidFill>
                 <a:srgbClr val="000000"/>
               </a:solidFill>
@@ -8251,7 +8358,7 @@
         <p:spPr>
           <a:xfrm>
             <a:off x="451800" y="1709280"/>
-            <a:ext cx="8223840" cy="4352040"/>
+            <a:ext cx="8223480" cy="4351680"/>
           </a:xfrm>
           <a:prstGeom prst="rect">
             <a:avLst/>
@@ -8272,11 +8379,17 @@
             <a:noAutofit/>
           </a:bodyPr>
           <a:p>
+            <a:pPr>
+              <a:lnSpc>
+                <a:spcPct val="100000"/>
+              </a:lnSpc>
+            </a:pPr>
             <a:endParaRPr b="0" lang="en-US" sz="1800" spc="-1" strike="noStrike">
               <a:solidFill>
                 <a:srgbClr val="000000"/>
               </a:solidFill>
               <a:latin typeface="Arial"/>
+              <a:ea typeface="DejaVu Sans"/>
             </a:endParaRPr>
           </a:p>
         </p:txBody>
@@ -8294,7 +8407,7 @@
         <p:spPr>
           <a:xfrm>
             <a:off x="609480" y="1769400"/>
-            <a:ext cx="10586880" cy="4854960"/>
+            <a:ext cx="10586520" cy="4854600"/>
           </a:xfrm>
           <a:prstGeom prst="rect">
             <a:avLst/>
@@ -8333,7 +8446,7 @@
               </a:rPr>
               <a:t>Various reasons for changes</a:t>
             </a:r>
-            <a:endParaRPr b="0" lang="en-US" sz="2000" spc="-1" strike="noStrike">
+            <a:endParaRPr b="0" lang="en-GB" sz="2000" spc="-1" strike="noStrike">
               <a:solidFill>
                 <a:srgbClr val="000000"/>
               </a:solidFill>
@@ -8365,7 +8478,7 @@
               </a:rPr>
               <a:t>Errors or incomplete requirements</a:t>
             </a:r>
-            <a:endParaRPr b="0" lang="en-US" sz="1800" spc="-1" strike="noStrike">
+            <a:endParaRPr b="0" lang="en-GB" sz="1800" spc="-1" strike="noStrike">
               <a:solidFill>
                 <a:srgbClr val="000000"/>
               </a:solidFill>
@@ -8397,7 +8510,7 @@
               </a:rPr>
               <a:t>Evolution of context</a:t>
             </a:r>
-            <a:endParaRPr b="0" lang="en-US" sz="1800" spc="-1" strike="noStrike">
+            <a:endParaRPr b="0" lang="en-GB" sz="1800" spc="-1" strike="noStrike">
               <a:solidFill>
                 <a:srgbClr val="000000"/>
               </a:solidFill>
@@ -8429,7 +8542,7 @@
               </a:rPr>
               <a:t>Changes are not a bad thing</a:t>
             </a:r>
-            <a:endParaRPr b="0" lang="en-US" sz="2000" spc="-1" strike="noStrike">
+            <a:endParaRPr b="0" lang="en-GB" sz="2000" spc="-1" strike="noStrike">
               <a:solidFill>
                 <a:srgbClr val="000000"/>
               </a:solidFill>
@@ -8461,7 +8574,7 @@
               </a:rPr>
               <a:t>Stakeholders may gain new knowledge at later project stages</a:t>
             </a:r>
-            <a:endParaRPr b="0" lang="en-US" sz="1800" spc="-1" strike="noStrike">
+            <a:endParaRPr b="0" lang="en-GB" sz="1800" spc="-1" strike="noStrike">
               <a:solidFill>
                 <a:srgbClr val="000000"/>
               </a:solidFill>
@@ -8493,7 +8606,7 @@
               </a:rPr>
               <a:t>Proofs interest/involvement of the stakeholders</a:t>
             </a:r>
-            <a:endParaRPr b="0" lang="en-US" sz="1800" spc="-1" strike="noStrike">
+            <a:endParaRPr b="0" lang="en-GB" sz="1800" spc="-1" strike="noStrike">
               <a:solidFill>
                 <a:srgbClr val="000000"/>
               </a:solidFill>
@@ -8525,7 +8638,7 @@
               </a:rPr>
               <a:t>Frequent changes are problematic</a:t>
             </a:r>
-            <a:endParaRPr b="0" lang="en-US" sz="2000" spc="-1" strike="noStrike">
+            <a:endParaRPr b="0" lang="en-GB" sz="2000" spc="-1" strike="noStrike">
               <a:solidFill>
                 <a:srgbClr val="000000"/>
               </a:solidFill>
@@ -8557,7 +8670,7 @@
               </a:rPr>
               <a:t>Makes development in agreement with all stakeholders very challenging and time-consuming</a:t>
             </a:r>
-            <a:endParaRPr b="0" lang="en-US" sz="1800" spc="-1" strike="noStrike">
+            <a:endParaRPr b="0" lang="en-GB" sz="1800" spc="-1" strike="noStrike">
               <a:solidFill>
                 <a:srgbClr val="000000"/>
               </a:solidFill>
@@ -8589,7 +8702,7 @@
               </a:rPr>
               <a:t>Indicator for bad process quality</a:t>
             </a:r>
-            <a:endParaRPr b="0" lang="en-US" sz="1800" spc="-1" strike="noStrike">
+            <a:endParaRPr b="0" lang="en-GB" sz="1800" spc="-1" strike="noStrike">
               <a:solidFill>
                 <a:srgbClr val="000000"/>
               </a:solidFill>
@@ -8637,7 +8750,7 @@
         <p:spPr>
           <a:xfrm>
             <a:off x="542880" y="721800"/>
-            <a:ext cx="10356480" cy="497160"/>
+            <a:ext cx="10356120" cy="496800"/>
           </a:xfrm>
           <a:prstGeom prst="rect">
             <a:avLst/>
@@ -8673,7 +8786,7 @@
               </a:rPr>
               <a:t>Change Management</a:t>
             </a:r>
-            <a:endParaRPr b="0" lang="en-US" sz="2200" spc="-1" strike="noStrike">
+            <a:endParaRPr b="0" lang="en-GB" sz="2200" spc="-1" strike="noStrike">
               <a:solidFill>
                 <a:srgbClr val="000000"/>
               </a:solidFill>
@@ -8691,7 +8804,7 @@
         <p:spPr>
           <a:xfrm>
             <a:off x="542880" y="1267200"/>
-            <a:ext cx="10356480" cy="497160"/>
+            <a:ext cx="10356120" cy="496800"/>
           </a:xfrm>
           <a:prstGeom prst="rect">
             <a:avLst/>
@@ -8727,7 +8840,7 @@
               </a:rPr>
               <a:t>Overview</a:t>
             </a:r>
-            <a:endParaRPr b="0" lang="en-US" sz="2200" spc="-1" strike="noStrike">
+            <a:endParaRPr b="0" lang="en-GB" sz="2200" spc="-1" strike="noStrike">
               <a:solidFill>
                 <a:srgbClr val="000000"/>
               </a:solidFill>
@@ -8745,7 +8858,7 @@
         <p:spPr>
           <a:xfrm>
             <a:off x="451800" y="1709280"/>
-            <a:ext cx="8223840" cy="4352040"/>
+            <a:ext cx="8223480" cy="4351680"/>
           </a:xfrm>
           <a:prstGeom prst="rect">
             <a:avLst/>
@@ -8766,11 +8879,17 @@
             <a:noAutofit/>
           </a:bodyPr>
           <a:p>
+            <a:pPr>
+              <a:lnSpc>
+                <a:spcPct val="100000"/>
+              </a:lnSpc>
+            </a:pPr>
             <a:endParaRPr b="0" lang="en-US" sz="1800" spc="-1" strike="noStrike">
               <a:solidFill>
                 <a:srgbClr val="000000"/>
               </a:solidFill>
               <a:latin typeface="Arial"/>
+              <a:ea typeface="DejaVu Sans"/>
             </a:endParaRPr>
           </a:p>
         </p:txBody>
@@ -8788,7 +8907,7 @@
         <p:spPr>
           <a:xfrm>
             <a:off x="609480" y="1769400"/>
-            <a:ext cx="10586880" cy="4854960"/>
+            <a:ext cx="10586520" cy="4854600"/>
           </a:xfrm>
           <a:prstGeom prst="rect">
             <a:avLst/>
@@ -8827,7 +8946,7 @@
               </a:rPr>
               <a:t>Necessary to properly structure and process change requests for requirements</a:t>
             </a:r>
-            <a:endParaRPr b="0" lang="en-US" sz="2000" spc="-1" strike="noStrike">
+            <a:endParaRPr b="0" lang="en-GB" sz="2000" spc="-1" strike="noStrike">
               <a:solidFill>
                 <a:srgbClr val="000000"/>
               </a:solidFill>
@@ -8859,7 +8978,7 @@
               </a:rPr>
               <a:t>Structured process → Justifiable decisions if and how requests are approved</a:t>
             </a:r>
-            <a:endParaRPr b="0" lang="en-US" sz="2000" spc="-1" strike="noStrike">
+            <a:endParaRPr b="0" lang="en-GB" sz="2000" spc="-1" strike="noStrike">
               <a:solidFill>
                 <a:srgbClr val="000000"/>
               </a:solidFill>
@@ -8879,7 +8998,7 @@
                 <a:tab algn="l" pos="0"/>
               </a:tabLst>
             </a:pPr>
-            <a:endParaRPr b="0" lang="en-US" sz="2000" spc="-1" strike="noStrike">
+            <a:endParaRPr b="0" lang="en-GB" sz="2000" spc="-1" strike="noStrike">
               <a:solidFill>
                 <a:srgbClr val="000000"/>
               </a:solidFill>
@@ -8914,7 +9033,7 @@
               </a:rPr>
               <a:t>Changes may refer to:</a:t>
             </a:r>
-            <a:endParaRPr b="0" lang="en-US" sz="2000" spc="-1" strike="noStrike">
+            <a:endParaRPr b="0" lang="en-GB" sz="2000" spc="-1" strike="noStrike">
               <a:solidFill>
                 <a:srgbClr val="000000"/>
               </a:solidFill>
@@ -8949,7 +9068,7 @@
               </a:rPr>
               <a:t>Individual requirements, e.g., change/addition/removal of a feature</a:t>
             </a:r>
-            <a:endParaRPr b="0" lang="en-US" sz="1800" spc="-1" strike="noStrike">
+            <a:endParaRPr b="0" lang="en-GB" sz="1800" spc="-1" strike="noStrike">
               <a:solidFill>
                 <a:srgbClr val="000000"/>
               </a:solidFill>
@@ -8984,7 +9103,7 @@
               </a:rPr>
               <a:t>The requirements document itself, e.g., updating terminology</a:t>
             </a:r>
-            <a:endParaRPr b="0" lang="en-US" sz="1800" spc="-1" strike="noStrike">
+            <a:endParaRPr b="0" lang="en-GB" sz="1800" spc="-1" strike="noStrike">
               <a:solidFill>
                 <a:srgbClr val="000000"/>
               </a:solidFill>
@@ -9032,7 +9151,7 @@
         <p:spPr>
           <a:xfrm>
             <a:off x="542880" y="721800"/>
-            <a:ext cx="10356480" cy="497160"/>
+            <a:ext cx="10356120" cy="496800"/>
           </a:xfrm>
           <a:prstGeom prst="rect">
             <a:avLst/>
@@ -9068,7 +9187,7 @@
               </a:rPr>
               <a:t>Change Management</a:t>
             </a:r>
-            <a:endParaRPr b="0" lang="en-US" sz="2200" spc="-1" strike="noStrike">
+            <a:endParaRPr b="0" lang="en-GB" sz="2200" spc="-1" strike="noStrike">
               <a:solidFill>
                 <a:srgbClr val="000000"/>
               </a:solidFill>
@@ -9086,7 +9205,7 @@
         <p:spPr>
           <a:xfrm>
             <a:off x="542880" y="1267200"/>
-            <a:ext cx="10356480" cy="497160"/>
+            <a:ext cx="10356120" cy="496800"/>
           </a:xfrm>
           <a:prstGeom prst="rect">
             <a:avLst/>
@@ -9122,7 +9241,7 @@
               </a:rPr>
               <a:t>Change Control Board</a:t>
             </a:r>
-            <a:endParaRPr b="0" lang="en-US" sz="2200" spc="-1" strike="noStrike">
+            <a:endParaRPr b="0" lang="en-GB" sz="2200" spc="-1" strike="noStrike">
               <a:solidFill>
                 <a:srgbClr val="000000"/>
               </a:solidFill>
@@ -9140,7 +9259,7 @@
         <p:spPr>
           <a:xfrm>
             <a:off x="451800" y="1709280"/>
-            <a:ext cx="8223840" cy="4352040"/>
+            <a:ext cx="8223480" cy="4351680"/>
           </a:xfrm>
           <a:prstGeom prst="rect">
             <a:avLst/>
@@ -9161,11 +9280,17 @@
             <a:noAutofit/>
           </a:bodyPr>
           <a:p>
+            <a:pPr>
+              <a:lnSpc>
+                <a:spcPct val="100000"/>
+              </a:lnSpc>
+            </a:pPr>
             <a:endParaRPr b="0" lang="en-US" sz="1800" spc="-1" strike="noStrike">
               <a:solidFill>
                 <a:srgbClr val="000000"/>
               </a:solidFill>
               <a:latin typeface="Arial"/>
+              <a:ea typeface="DejaVu Sans"/>
             </a:endParaRPr>
           </a:p>
         </p:txBody>
@@ -9183,7 +9308,7 @@
         <p:spPr>
           <a:xfrm>
             <a:off x="609480" y="1769400"/>
-            <a:ext cx="10586880" cy="4854960"/>
+            <a:ext cx="10586520" cy="4854600"/>
           </a:xfrm>
           <a:prstGeom prst="rect">
             <a:avLst/>
@@ -9222,7 +9347,7 @@
               </a:rPr>
               <a:t>Change control board as entity responsible for change requests</a:t>
             </a:r>
-            <a:endParaRPr b="0" lang="en-US" sz="2000" spc="-1" strike="noStrike">
+            <a:endParaRPr b="0" lang="en-GB" sz="2000" spc="-1" strike="noStrike">
               <a:solidFill>
                 <a:srgbClr val="000000"/>
               </a:solidFill>
@@ -9254,7 +9379,7 @@
               </a:rPr>
               <a:t>Evaluation</a:t>
             </a:r>
-            <a:endParaRPr b="0" lang="en-US" sz="1800" spc="-1" strike="noStrike">
+            <a:endParaRPr b="0" lang="en-GB" sz="1800" spc="-1" strike="noStrike">
               <a:solidFill>
                 <a:srgbClr val="000000"/>
               </a:solidFill>
@@ -9286,7 +9411,7 @@
               </a:rPr>
               <a:t>Decision making</a:t>
             </a:r>
-            <a:endParaRPr b="0" lang="en-US" sz="1800" spc="-1" strike="noStrike">
+            <a:endParaRPr b="0" lang="en-GB" sz="1800" spc="-1" strike="noStrike">
               <a:solidFill>
                 <a:srgbClr val="000000"/>
               </a:solidFill>
@@ -9318,7 +9443,7 @@
               </a:rPr>
               <a:t>May delegate tasks to another party</a:t>
             </a:r>
-            <a:endParaRPr b="0" lang="en-US" sz="2000" spc="-1" strike="noStrike">
+            <a:endParaRPr b="0" lang="en-GB" sz="2000" spc="-1" strike="noStrike">
               <a:solidFill>
                 <a:srgbClr val="000000"/>
               </a:solidFill>
@@ -9350,7 +9475,7 @@
               </a:rPr>
               <a:t>For example, drafting of actual changes to the requirements</a:t>
             </a:r>
-            <a:endParaRPr b="0" lang="en-US" sz="1800" spc="-1" strike="noStrike">
+            <a:endParaRPr b="0" lang="en-GB" sz="1800" spc="-1" strike="noStrike">
               <a:solidFill>
                 <a:srgbClr val="000000"/>
               </a:solidFill>
@@ -9382,7 +9507,7 @@
               </a:rPr>
               <a:t>Decisions have to be negotiated and agreed upon</a:t>
             </a:r>
-            <a:endParaRPr b="0" lang="en-US" sz="2000" spc="-1" strike="noStrike">
+            <a:endParaRPr b="0" lang="en-GB" sz="2000" spc="-1" strike="noStrike">
               <a:solidFill>
                 <a:srgbClr val="000000"/>
               </a:solidFill>
@@ -9414,7 +9539,7 @@
               </a:rPr>
               <a:t>Contractor</a:t>
             </a:r>
-            <a:endParaRPr b="0" lang="en-US" sz="1800" spc="-1" strike="noStrike">
+            <a:endParaRPr b="0" lang="en-GB" sz="1800" spc="-1" strike="noStrike">
               <a:solidFill>
                 <a:srgbClr val="000000"/>
               </a:solidFill>
@@ -9446,7 +9571,7 @@
               </a:rPr>
               <a:t>All involved stakeholders</a:t>
             </a:r>
-            <a:endParaRPr b="0" lang="en-US" sz="1800" spc="-1" strike="noStrike">
+            <a:endParaRPr b="0" lang="en-GB" sz="1800" spc="-1" strike="noStrike">
               <a:solidFill>
                 <a:srgbClr val="000000"/>
               </a:solidFill>
@@ -9494,7 +9619,7 @@
         <p:spPr>
           <a:xfrm>
             <a:off x="542880" y="721800"/>
-            <a:ext cx="10356480" cy="497160"/>
+            <a:ext cx="10356120" cy="496800"/>
           </a:xfrm>
           <a:prstGeom prst="rect">
             <a:avLst/>
@@ -9530,7 +9655,7 @@
               </a:rPr>
               <a:t>Change Management</a:t>
             </a:r>
-            <a:endParaRPr b="0" lang="en-US" sz="2200" spc="-1" strike="noStrike">
+            <a:endParaRPr b="0" lang="en-GB" sz="2200" spc="-1" strike="noStrike">
               <a:solidFill>
                 <a:srgbClr val="000000"/>
               </a:solidFill>
@@ -9548,7 +9673,7 @@
         <p:spPr>
           <a:xfrm>
             <a:off x="542880" y="1267200"/>
-            <a:ext cx="10356480" cy="497160"/>
+            <a:ext cx="10356120" cy="496800"/>
           </a:xfrm>
           <a:prstGeom prst="rect">
             <a:avLst/>
@@ -9584,7 +9709,7 @@
               </a:rPr>
               <a:t>Change Control Board – Tasks </a:t>
             </a:r>
-            <a:endParaRPr b="0" lang="en-US" sz="2200" spc="-1" strike="noStrike">
+            <a:endParaRPr b="0" lang="en-GB" sz="2200" spc="-1" strike="noStrike">
               <a:solidFill>
                 <a:srgbClr val="000000"/>
               </a:solidFill>
@@ -9602,7 +9727,7 @@
         <p:spPr>
           <a:xfrm>
             <a:off x="451800" y="1709280"/>
-            <a:ext cx="8223840" cy="4352040"/>
+            <a:ext cx="8223480" cy="4351680"/>
           </a:xfrm>
           <a:prstGeom prst="rect">
             <a:avLst/>
@@ -9623,11 +9748,17 @@
             <a:noAutofit/>
           </a:bodyPr>
           <a:p>
+            <a:pPr>
+              <a:lnSpc>
+                <a:spcPct val="100000"/>
+              </a:lnSpc>
+            </a:pPr>
             <a:endParaRPr b="0" lang="en-US" sz="1800" spc="-1" strike="noStrike">
               <a:solidFill>
                 <a:srgbClr val="000000"/>
               </a:solidFill>
               <a:latin typeface="Arial"/>
+              <a:ea typeface="DejaVu Sans"/>
             </a:endParaRPr>
           </a:p>
         </p:txBody>
@@ -9645,7 +9776,7 @@
         <p:spPr>
           <a:xfrm>
             <a:off x="609480" y="1769400"/>
-            <a:ext cx="10586880" cy="4854960"/>
+            <a:ext cx="10586520" cy="4854600"/>
           </a:xfrm>
           <a:prstGeom prst="rect">
             <a:avLst/>
@@ -9684,7 +9815,7 @@
               </a:rPr>
               <a:t>Change effort estimation</a:t>
             </a:r>
-            <a:endParaRPr b="0" lang="en-US" sz="2000" spc="-1" strike="noStrike">
+            <a:endParaRPr b="0" lang="en-GB" sz="2000" spc="-1" strike="noStrike">
               <a:solidFill>
                 <a:srgbClr val="000000"/>
               </a:solidFill>
@@ -9716,7 +9847,7 @@
               </a:rPr>
               <a:t>Could be performed by third party</a:t>
             </a:r>
-            <a:endParaRPr b="0" lang="en-US" sz="1800" spc="-1" strike="noStrike">
+            <a:endParaRPr b="0" lang="en-GB" sz="1800" spc="-1" strike="noStrike">
               <a:solidFill>
                 <a:srgbClr val="000000"/>
               </a:solidFill>
@@ -9748,7 +9879,7 @@
               </a:rPr>
               <a:t>Evaluate change requests</a:t>
             </a:r>
-            <a:endParaRPr b="0" lang="en-US" sz="2000" spc="-1" strike="noStrike">
+            <a:endParaRPr b="0" lang="en-GB" sz="2000" spc="-1" strike="noStrike">
               <a:solidFill>
                 <a:srgbClr val="000000"/>
               </a:solidFill>
@@ -9780,7 +9911,7 @@
               </a:rPr>
               <a:t>For example, effort/benefit ratio</a:t>
             </a:r>
-            <a:endParaRPr b="0" lang="en-US" sz="1800" spc="-1" strike="noStrike">
+            <a:endParaRPr b="0" lang="en-GB" sz="1800" spc="-1" strike="noStrike">
               <a:solidFill>
                 <a:srgbClr val="000000"/>
               </a:solidFill>
@@ -9812,7 +9943,7 @@
               </a:rPr>
               <a:t>Define requirements change and/or new requirements</a:t>
             </a:r>
-            <a:endParaRPr b="0" lang="en-US" sz="2000" spc="-1" strike="noStrike">
+            <a:endParaRPr b="0" lang="en-GB" sz="2000" spc="-1" strike="noStrike">
               <a:solidFill>
                 <a:srgbClr val="000000"/>
               </a:solidFill>
@@ -9844,7 +9975,7 @@
               </a:rPr>
               <a:t>Based on the changed request</a:t>
             </a:r>
-            <a:endParaRPr b="0" lang="en-US" sz="1800" spc="-1" strike="noStrike">
+            <a:endParaRPr b="0" lang="en-GB" sz="1800" spc="-1" strike="noStrike">
               <a:solidFill>
                 <a:srgbClr val="000000"/>
               </a:solidFill>
@@ -9876,7 +10007,7 @@
               </a:rPr>
               <a:t>Changes should be kept to a minimum</a:t>
             </a:r>
-            <a:endParaRPr b="0" lang="en-US" sz="1800" spc="-1" strike="noStrike">
+            <a:endParaRPr b="0" lang="en-GB" sz="1800" spc="-1" strike="noStrike">
               <a:solidFill>
                 <a:srgbClr val="000000"/>
               </a:solidFill>
@@ -9908,7 +10039,7 @@
               </a:rPr>
               <a:t>Decide about acceptance or rejection of change requests</a:t>
             </a:r>
-            <a:endParaRPr b="0" lang="en-US" sz="2000" spc="-1" strike="noStrike">
+            <a:endParaRPr b="0" lang="en-GB" sz="2000" spc="-1" strike="noStrike">
               <a:solidFill>
                 <a:srgbClr val="000000"/>
               </a:solidFill>
@@ -9956,7 +10087,7 @@
         <p:spPr>
           <a:xfrm>
             <a:off x="542880" y="721800"/>
-            <a:ext cx="10356480" cy="497160"/>
+            <a:ext cx="10356120" cy="496800"/>
           </a:xfrm>
           <a:prstGeom prst="rect">
             <a:avLst/>
@@ -9992,7 +10123,7 @@
               </a:rPr>
               <a:t>Change Management</a:t>
             </a:r>
-            <a:endParaRPr b="0" lang="en-US" sz="2200" spc="-1" strike="noStrike">
+            <a:endParaRPr b="0" lang="en-GB" sz="2200" spc="-1" strike="noStrike">
               <a:solidFill>
                 <a:srgbClr val="000000"/>
               </a:solidFill>
@@ -10010,7 +10141,7 @@
         <p:spPr>
           <a:xfrm>
             <a:off x="542880" y="1267200"/>
-            <a:ext cx="10356480" cy="497160"/>
+            <a:ext cx="10356120" cy="496800"/>
           </a:xfrm>
           <a:prstGeom prst="rect">
             <a:avLst/>
@@ -10046,7 +10177,7 @@
               </a:rPr>
               <a:t>Change Control Board – Tasks </a:t>
             </a:r>
-            <a:endParaRPr b="0" lang="en-US" sz="2200" spc="-1" strike="noStrike">
+            <a:endParaRPr b="0" lang="en-GB" sz="2200" spc="-1" strike="noStrike">
               <a:solidFill>
                 <a:srgbClr val="000000"/>
               </a:solidFill>
@@ -10064,7 +10195,7 @@
         <p:spPr>
           <a:xfrm>
             <a:off x="451800" y="1709280"/>
-            <a:ext cx="8223840" cy="4352040"/>
+            <a:ext cx="8223480" cy="4351680"/>
           </a:xfrm>
           <a:prstGeom prst="rect">
             <a:avLst/>
@@ -10085,11 +10216,17 @@
             <a:noAutofit/>
           </a:bodyPr>
           <a:p>
+            <a:pPr>
+              <a:lnSpc>
+                <a:spcPct val="100000"/>
+              </a:lnSpc>
+            </a:pPr>
             <a:endParaRPr b="0" lang="en-US" sz="1800" spc="-1" strike="noStrike">
               <a:solidFill>
                 <a:srgbClr val="000000"/>
               </a:solidFill>
               <a:latin typeface="Arial"/>
+              <a:ea typeface="DejaVu Sans"/>
             </a:endParaRPr>
           </a:p>
         </p:txBody>
@@ -10107,7 +10244,7 @@
         <p:spPr>
           <a:xfrm>
             <a:off x="609480" y="1769400"/>
-            <a:ext cx="10586880" cy="4854960"/>
+            <a:ext cx="10586520" cy="4854600"/>
           </a:xfrm>
           <a:prstGeom prst="rect">
             <a:avLst/>
@@ -10146,7 +10283,7 @@
               </a:rPr>
               <a:t>Classify incoming changes</a:t>
             </a:r>
-            <a:endParaRPr b="0" lang="en-US" sz="2000" spc="-1" strike="noStrike">
+            <a:endParaRPr b="0" lang="en-GB" sz="2000" spc="-1" strike="noStrike">
               <a:solidFill>
                 <a:srgbClr val="000000"/>
               </a:solidFill>
@@ -10178,7 +10315,7 @@
               </a:rPr>
               <a:t>For example, based on their criticality</a:t>
             </a:r>
-            <a:endParaRPr b="0" lang="en-US" sz="1800" spc="-1" strike="noStrike">
+            <a:endParaRPr b="0" lang="en-GB" sz="1800" spc="-1" strike="noStrike">
               <a:solidFill>
                 <a:srgbClr val="000000"/>
               </a:solidFill>
@@ -10210,7 +10347,7 @@
               </a:rPr>
               <a:t>Prioritize accepted change requests</a:t>
             </a:r>
-            <a:endParaRPr b="0" lang="en-US" sz="2000" spc="-1" strike="noStrike">
+            <a:endParaRPr b="0" lang="en-GB" sz="2000" spc="-1" strike="noStrike">
               <a:solidFill>
                 <a:srgbClr val="000000"/>
               </a:solidFill>
@@ -10242,7 +10379,7 @@
               </a:rPr>
               <a:t>In which order should accepted changes be implemented?</a:t>
             </a:r>
-            <a:endParaRPr b="0" lang="en-US" sz="1800" spc="-1" strike="noStrike">
+            <a:endParaRPr b="0" lang="en-GB" sz="1800" spc="-1" strike="noStrike">
               <a:solidFill>
                 <a:srgbClr val="000000"/>
               </a:solidFill>
@@ -10274,7 +10411,7 @@
               </a:rPr>
               <a:t>Assign accepted change requests</a:t>
             </a:r>
-            <a:endParaRPr b="0" lang="en-US" sz="2000" spc="-1" strike="noStrike">
+            <a:endParaRPr b="0" lang="en-GB" sz="2000" spc="-1" strike="noStrike">
               <a:solidFill>
                 <a:srgbClr val="000000"/>
               </a:solidFill>
@@ -10306,7 +10443,7 @@
               </a:rPr>
               <a:t>Who is responsible for implementing the changes?</a:t>
             </a:r>
-            <a:endParaRPr b="0" lang="en-US" sz="1800" spc="-1" strike="noStrike">
+            <a:endParaRPr b="0" lang="en-GB" sz="1800" spc="-1" strike="noStrike">
               <a:solidFill>
                 <a:srgbClr val="000000"/>
               </a:solidFill>
@@ -10354,7 +10491,7 @@
         <p:spPr>
           <a:xfrm>
             <a:off x="542880" y="721800"/>
-            <a:ext cx="10356480" cy="497160"/>
+            <a:ext cx="10356120" cy="496800"/>
           </a:xfrm>
           <a:prstGeom prst="rect">
             <a:avLst/>
@@ -10390,7 +10527,7 @@
               </a:rPr>
               <a:t>Change Management</a:t>
             </a:r>
-            <a:endParaRPr b="0" lang="en-US" sz="2200" spc="-1" strike="noStrike">
+            <a:endParaRPr b="0" lang="en-GB" sz="2200" spc="-1" strike="noStrike">
               <a:solidFill>
                 <a:srgbClr val="000000"/>
               </a:solidFill>
@@ -10408,7 +10545,7 @@
         <p:spPr>
           <a:xfrm>
             <a:off x="542880" y="1267200"/>
-            <a:ext cx="10356480" cy="497160"/>
+            <a:ext cx="10356120" cy="496800"/>
           </a:xfrm>
           <a:prstGeom prst="rect">
             <a:avLst/>
@@ -10444,7 +10581,7 @@
               </a:rPr>
               <a:t>Change Control Board – Members </a:t>
             </a:r>
-            <a:endParaRPr b="0" lang="en-US" sz="2200" spc="-1" strike="noStrike">
+            <a:endParaRPr b="0" lang="en-GB" sz="2200" spc="-1" strike="noStrike">
               <a:solidFill>
                 <a:srgbClr val="000000"/>
               </a:solidFill>
@@ -10462,7 +10599,7 @@
         <p:spPr>
           <a:xfrm>
             <a:off x="451800" y="1709280"/>
-            <a:ext cx="8223840" cy="4352040"/>
+            <a:ext cx="8223480" cy="4351680"/>
           </a:xfrm>
           <a:prstGeom prst="rect">
             <a:avLst/>
@@ -10483,11 +10620,17 @@
             <a:noAutofit/>
           </a:bodyPr>
           <a:p>
+            <a:pPr>
+              <a:lnSpc>
+                <a:spcPct val="100000"/>
+              </a:lnSpc>
+            </a:pPr>
             <a:endParaRPr b="0" lang="en-US" sz="1800" spc="-1" strike="noStrike">
               <a:solidFill>
                 <a:srgbClr val="000000"/>
               </a:solidFill>
               <a:latin typeface="Arial"/>
+              <a:ea typeface="DejaVu Sans"/>
             </a:endParaRPr>
           </a:p>
         </p:txBody>
@@ -10505,7 +10648,7 @@
         <p:spPr>
           <a:xfrm>
             <a:off x="609480" y="1769400"/>
-            <a:ext cx="10586880" cy="4854960"/>
+            <a:ext cx="10586520" cy="4854600"/>
           </a:xfrm>
           <a:prstGeom prst="rect">
             <a:avLst/>
@@ -10544,7 +10687,7 @@
               </a:rPr>
               <a:t>The following parties should be represented in the change control board:</a:t>
             </a:r>
-            <a:endParaRPr b="0" lang="en-US" sz="2000" spc="-1" strike="noStrike">
+            <a:endParaRPr b="0" lang="en-GB" sz="2000" spc="-1" strike="noStrike">
               <a:solidFill>
                 <a:srgbClr val="000000"/>
               </a:solidFill>
@@ -10576,7 +10719,7 @@
               </a:rPr>
               <a:t>Change manager</a:t>
             </a:r>
-            <a:endParaRPr b="0" lang="en-US" sz="1800" spc="-1" strike="noStrike">
+            <a:endParaRPr b="0" lang="en-GB" sz="1800" spc="-1" strike="noStrike">
               <a:solidFill>
                 <a:srgbClr val="000000"/>
               </a:solidFill>
@@ -10608,7 +10751,7 @@
               </a:rPr>
               <a:t>Contractor</a:t>
             </a:r>
-            <a:endParaRPr b="0" lang="en-US" sz="1800" spc="-1" strike="noStrike">
+            <a:endParaRPr b="0" lang="en-GB" sz="1800" spc="-1" strike="noStrike">
               <a:solidFill>
                 <a:srgbClr val="000000"/>
               </a:solidFill>
@@ -10640,7 +10783,7 @@
               </a:rPr>
               <a:t>Architect</a:t>
             </a:r>
-            <a:endParaRPr b="0" lang="en-US" sz="1800" spc="-1" strike="noStrike">
+            <a:endParaRPr b="0" lang="en-GB" sz="1800" spc="-1" strike="noStrike">
               <a:solidFill>
                 <a:srgbClr val="000000"/>
               </a:solidFill>
@@ -10672,7 +10815,7 @@
               </a:rPr>
               <a:t>Developer</a:t>
             </a:r>
-            <a:endParaRPr b="0" lang="en-US" sz="1800" spc="-1" strike="noStrike">
+            <a:endParaRPr b="0" lang="en-GB" sz="1800" spc="-1" strike="noStrike">
               <a:solidFill>
                 <a:srgbClr val="000000"/>
               </a:solidFill>
@@ -10704,7 +10847,7 @@
               </a:rPr>
               <a:t>Configuration manager</a:t>
             </a:r>
-            <a:endParaRPr b="0" lang="en-US" sz="1800" spc="-1" strike="noStrike">
+            <a:endParaRPr b="0" lang="en-GB" sz="1800" spc="-1" strike="noStrike">
               <a:solidFill>
                 <a:srgbClr val="000000"/>
               </a:solidFill>
@@ -10736,7 +10879,7 @@
               </a:rPr>
               <a:t>Customer representative</a:t>
             </a:r>
-            <a:endParaRPr b="0" lang="en-US" sz="1800" spc="-1" strike="noStrike">
+            <a:endParaRPr b="0" lang="en-GB" sz="1800" spc="-1" strike="noStrike">
               <a:solidFill>
                 <a:srgbClr val="000000"/>
               </a:solidFill>
@@ -10768,7 +10911,7 @@
               </a:rPr>
               <a:t>Product manager</a:t>
             </a:r>
-            <a:endParaRPr b="0" lang="en-US" sz="1800" spc="-1" strike="noStrike">
+            <a:endParaRPr b="0" lang="en-GB" sz="1800" spc="-1" strike="noStrike">
               <a:solidFill>
                 <a:srgbClr val="000000"/>
               </a:solidFill>
@@ -10800,7 +10943,7 @@
               </a:rPr>
               <a:t>Project manager</a:t>
             </a:r>
-            <a:endParaRPr b="0" lang="en-US" sz="1800" spc="-1" strike="noStrike">
+            <a:endParaRPr b="0" lang="en-GB" sz="1800" spc="-1" strike="noStrike">
               <a:solidFill>
                 <a:srgbClr val="000000"/>
               </a:solidFill>
@@ -10820,7 +10963,7 @@
                 <a:tab algn="l" pos="0"/>
               </a:tabLst>
             </a:pPr>
-            <a:endParaRPr b="0" lang="en-US" sz="1800" spc="-1" strike="noStrike">
+            <a:endParaRPr b="0" lang="en-GB" sz="1800" spc="-1" strike="noStrike">
               <a:solidFill>
                 <a:srgbClr val="000000"/>
               </a:solidFill>
@@ -10840,7 +10983,7 @@
                 <a:tab algn="l" pos="0"/>
               </a:tabLst>
             </a:pPr>
-            <a:endParaRPr b="0" lang="en-US" sz="1800" spc="-1" strike="noStrike">
+            <a:endParaRPr b="0" lang="en-GB" sz="1800" spc="-1" strike="noStrike">
               <a:solidFill>
                 <a:srgbClr val="000000"/>
               </a:solidFill>
@@ -10875,7 +11018,7 @@
               </a:rPr>
               <a:t>Quality assurance representative</a:t>
             </a:r>
-            <a:endParaRPr b="0" lang="en-US" sz="1800" spc="-1" strike="noStrike">
+            <a:endParaRPr b="0" lang="en-GB" sz="1800" spc="-1" strike="noStrike">
               <a:solidFill>
                 <a:srgbClr val="000000"/>
               </a:solidFill>
@@ -10910,7 +11053,7 @@
               </a:rPr>
               <a:t>Requirements engineer</a:t>
             </a:r>
-            <a:endParaRPr b="0" lang="en-US" sz="1800" spc="-1" strike="noStrike">
+            <a:endParaRPr b="0" lang="en-GB" sz="1800" spc="-1" strike="noStrike">
               <a:solidFill>
                 <a:srgbClr val="000000"/>
               </a:solidFill>
@@ -10958,7 +11101,7 @@
         <p:spPr>
           <a:xfrm>
             <a:off x="542880" y="721800"/>
-            <a:ext cx="10356480" cy="497160"/>
+            <a:ext cx="10356120" cy="496800"/>
           </a:xfrm>
           <a:prstGeom prst="rect">
             <a:avLst/>
@@ -10994,7 +11137,7 @@
               </a:rPr>
               <a:t>Change Management</a:t>
             </a:r>
-            <a:endParaRPr b="0" lang="en-US" sz="2200" spc="-1" strike="noStrike">
+            <a:endParaRPr b="0" lang="en-GB" sz="2200" spc="-1" strike="noStrike">
               <a:solidFill>
                 <a:srgbClr val="000000"/>
               </a:solidFill>
@@ -11012,7 +11155,7 @@
         <p:spPr>
           <a:xfrm>
             <a:off x="542880" y="1267200"/>
-            <a:ext cx="10356480" cy="497160"/>
+            <a:ext cx="10356120" cy="496800"/>
           </a:xfrm>
           <a:prstGeom prst="rect">
             <a:avLst/>
@@ -11048,7 +11191,7 @@
               </a:rPr>
               <a:t>Change Control Board – Change Manager </a:t>
             </a:r>
-            <a:endParaRPr b="0" lang="en-US" sz="2200" spc="-1" strike="noStrike">
+            <a:endParaRPr b="0" lang="en-GB" sz="2200" spc="-1" strike="noStrike">
               <a:solidFill>
                 <a:srgbClr val="000000"/>
               </a:solidFill>
@@ -11066,7 +11209,7 @@
         <p:spPr>
           <a:xfrm>
             <a:off x="451800" y="1709280"/>
-            <a:ext cx="8223840" cy="4352040"/>
+            <a:ext cx="8223480" cy="4351680"/>
           </a:xfrm>
           <a:prstGeom prst="rect">
             <a:avLst/>
@@ -11087,11 +11230,17 @@
             <a:noAutofit/>
           </a:bodyPr>
           <a:p>
+            <a:pPr>
+              <a:lnSpc>
+                <a:spcPct val="100000"/>
+              </a:lnSpc>
+            </a:pPr>
             <a:endParaRPr b="0" lang="en-US" sz="1800" spc="-1" strike="noStrike">
               <a:solidFill>
                 <a:srgbClr val="000000"/>
               </a:solidFill>
               <a:latin typeface="Arial"/>
+              <a:ea typeface="DejaVu Sans"/>
             </a:endParaRPr>
           </a:p>
         </p:txBody>
@@ -11109,7 +11258,7 @@
         <p:spPr>
           <a:xfrm>
             <a:off x="609480" y="1769400"/>
-            <a:ext cx="10586880" cy="4854960"/>
+            <a:ext cx="10586520" cy="4854600"/>
           </a:xfrm>
           <a:prstGeom prst="rect">
             <a:avLst/>
@@ -11148,7 +11297,7 @@
               </a:rPr>
               <a:t>Chairperson of the change control board</a:t>
             </a:r>
-            <a:endParaRPr b="0" lang="en-US" sz="2000" spc="-1" strike="noStrike">
+            <a:endParaRPr b="0" lang="en-GB" sz="2000" spc="-1" strike="noStrike">
               <a:solidFill>
                 <a:srgbClr val="000000"/>
               </a:solidFill>
@@ -11180,7 +11329,7 @@
               </a:rPr>
               <a:t>Mediates between parties in case of conflicts</a:t>
             </a:r>
-            <a:endParaRPr b="0" lang="en-US" sz="2000" spc="-1" strike="noStrike">
+            <a:endParaRPr b="0" lang="en-GB" sz="2000" spc="-1" strike="noStrike">
               <a:solidFill>
                 <a:srgbClr val="000000"/>
               </a:solidFill>
@@ -11212,7 +11361,7 @@
               </a:rPr>
               <a:t>Communicates and documents changes</a:t>
             </a:r>
-            <a:endParaRPr b="0" lang="en-US" sz="2000" spc="-1" strike="noStrike">
+            <a:endParaRPr b="0" lang="en-GB" sz="2000" spc="-1" strike="noStrike">
               <a:solidFill>
                 <a:srgbClr val="000000"/>
               </a:solidFill>
@@ -11244,7 +11393,7 @@
               </a:rPr>
               <a:t>Similar to the role of the requirements engineer</a:t>
             </a:r>
-            <a:endParaRPr b="0" lang="en-US" sz="2000" spc="-1" strike="noStrike">
+            <a:endParaRPr b="0" lang="en-GB" sz="2000" spc="-1" strike="noStrike">
               <a:solidFill>
                 <a:srgbClr val="000000"/>
               </a:solidFill>
@@ -11292,7 +11441,7 @@
         <p:spPr>
           <a:xfrm>
             <a:off x="542880" y="721800"/>
-            <a:ext cx="10356480" cy="497160"/>
+            <a:ext cx="10356120" cy="496800"/>
           </a:xfrm>
           <a:prstGeom prst="rect">
             <a:avLst/>
@@ -11328,7 +11477,7 @@
               </a:rPr>
               <a:t>Change Management</a:t>
             </a:r>
-            <a:endParaRPr b="0" lang="en-US" sz="2200" spc="-1" strike="noStrike">
+            <a:endParaRPr b="0" lang="en-GB" sz="2200" spc="-1" strike="noStrike">
               <a:solidFill>
                 <a:srgbClr val="000000"/>
               </a:solidFill>
@@ -11346,7 +11495,7 @@
         <p:spPr>
           <a:xfrm>
             <a:off x="542880" y="1267200"/>
-            <a:ext cx="10356480" cy="497160"/>
+            <a:ext cx="10356120" cy="496800"/>
           </a:xfrm>
           <a:prstGeom prst="rect">
             <a:avLst/>
@@ -11382,7 +11531,7 @@
               </a:rPr>
               <a:t>Change Requests</a:t>
             </a:r>
-            <a:endParaRPr b="0" lang="en-US" sz="2200" spc="-1" strike="noStrike">
+            <a:endParaRPr b="0" lang="en-GB" sz="2200" spc="-1" strike="noStrike">
               <a:solidFill>
                 <a:srgbClr val="000000"/>
               </a:solidFill>
@@ -11400,7 +11549,7 @@
         <p:spPr>
           <a:xfrm>
             <a:off x="451800" y="1709280"/>
-            <a:ext cx="8223840" cy="4352040"/>
+            <a:ext cx="8223480" cy="4351680"/>
           </a:xfrm>
           <a:prstGeom prst="rect">
             <a:avLst/>
@@ -11421,11 +11570,17 @@
             <a:noAutofit/>
           </a:bodyPr>
           <a:p>
+            <a:pPr>
+              <a:lnSpc>
+                <a:spcPct val="100000"/>
+              </a:lnSpc>
+            </a:pPr>
             <a:endParaRPr b="0" lang="en-US" sz="1800" spc="-1" strike="noStrike">
               <a:solidFill>
                 <a:srgbClr val="000000"/>
               </a:solidFill>
               <a:latin typeface="Arial"/>
+              <a:ea typeface="DejaVu Sans"/>
             </a:endParaRPr>
           </a:p>
         </p:txBody>
@@ -11443,7 +11598,7 @@
         <p:spPr>
           <a:xfrm>
             <a:off x="609480" y="1769400"/>
-            <a:ext cx="10586880" cy="4854960"/>
+            <a:ext cx="10586520" cy="4854600"/>
           </a:xfrm>
           <a:prstGeom prst="rect">
             <a:avLst/>
@@ -11491,7 +11646,7 @@
               </a:rPr>
               <a:t>:</a:t>
             </a:r>
-            <a:endParaRPr b="0" lang="en-US" sz="2000" spc="-1" strike="noStrike">
+            <a:endParaRPr b="0" lang="en-GB" sz="2000" spc="-1" strike="noStrike">
               <a:solidFill>
                 <a:srgbClr val="000000"/>
               </a:solidFill>
@@ -11526,7 +11681,7 @@
               </a:rPr>
               <a:t>Identifier</a:t>
             </a:r>
-            <a:endParaRPr b="0" lang="en-US" sz="2000" spc="-1" strike="noStrike">
+            <a:endParaRPr b="0" lang="en-GB" sz="2000" spc="-1" strike="noStrike">
               <a:solidFill>
                 <a:srgbClr val="000000"/>
               </a:solidFill>
@@ -11561,7 +11716,7 @@
               </a:rPr>
               <a:t>Unique identification of change request possible</a:t>
             </a:r>
-            <a:endParaRPr b="0" lang="en-US" sz="1800" spc="-1" strike="noStrike">
+            <a:endParaRPr b="0" lang="en-GB" sz="1800" spc="-1" strike="noStrike">
               <a:solidFill>
                 <a:srgbClr val="000000"/>
               </a:solidFill>
@@ -11596,7 +11751,7 @@
               </a:rPr>
               <a:t>Title</a:t>
             </a:r>
-            <a:endParaRPr b="0" lang="en-US" sz="2000" spc="-1" strike="noStrike">
+            <a:endParaRPr b="0" lang="en-GB" sz="2000" spc="-1" strike="noStrike">
               <a:solidFill>
                 <a:srgbClr val="000000"/>
               </a:solidFill>
@@ -11631,7 +11786,7 @@
               </a:rPr>
               <a:t>Summarizes key concern of the change request</a:t>
             </a:r>
-            <a:endParaRPr b="0" lang="en-US" sz="1800" spc="-1" strike="noStrike">
+            <a:endParaRPr b="0" lang="en-GB" sz="1800" spc="-1" strike="noStrike">
               <a:solidFill>
                 <a:srgbClr val="000000"/>
               </a:solidFill>
@@ -11666,7 +11821,7 @@
               </a:rPr>
               <a:t>Description</a:t>
             </a:r>
-            <a:endParaRPr b="0" lang="en-US" sz="2000" spc="-1" strike="noStrike">
+            <a:endParaRPr b="0" lang="en-GB" sz="2000" spc="-1" strike="noStrike">
               <a:solidFill>
                 <a:srgbClr val="000000"/>
               </a:solidFill>
@@ -11701,7 +11856,7 @@
               </a:rPr>
               <a:t>Documents change as precisely as possible</a:t>
             </a:r>
-            <a:endParaRPr b="0" lang="en-US" sz="1800" spc="-1" strike="noStrike">
+            <a:endParaRPr b="0" lang="en-GB" sz="1800" spc="-1" strike="noStrike">
               <a:solidFill>
                 <a:srgbClr val="000000"/>
               </a:solidFill>
@@ -11736,7 +11891,7 @@
               </a:rPr>
               <a:t>Also contains information on the expected effect of a change</a:t>
             </a:r>
-            <a:endParaRPr b="0" lang="en-US" sz="1800" spc="-1" strike="noStrike">
+            <a:endParaRPr b="0" lang="en-GB" sz="1800" spc="-1" strike="noStrike">
               <a:solidFill>
                 <a:srgbClr val="000000"/>
               </a:solidFill>
@@ -11756,7 +11911,7 @@
                 <a:tab algn="l" pos="0"/>
               </a:tabLst>
             </a:pPr>
-            <a:endParaRPr b="0" lang="en-US" sz="1800" spc="-1" strike="noStrike">
+            <a:endParaRPr b="0" lang="en-GB" sz="1800" spc="-1" strike="noStrike">
               <a:solidFill>
                 <a:srgbClr val="000000"/>
               </a:solidFill>
@@ -11791,7 +11946,7 @@
               </a:rPr>
               <a:t>Justification</a:t>
             </a:r>
-            <a:endParaRPr b="0" lang="en-US" sz="2000" spc="-1" strike="noStrike">
+            <a:endParaRPr b="0" lang="en-GB" sz="2000" spc="-1" strike="noStrike">
               <a:solidFill>
                 <a:srgbClr val="000000"/>
               </a:solidFill>
@@ -11826,7 +11981,7 @@
               </a:rPr>
               <a:t>Reasons why the change is necessary</a:t>
             </a:r>
-            <a:endParaRPr b="0" lang="en-US" sz="1800" spc="-1" strike="noStrike">
+            <a:endParaRPr b="0" lang="en-GB" sz="1800" spc="-1" strike="noStrike">
               <a:solidFill>
                 <a:srgbClr val="000000"/>
               </a:solidFill>
@@ -11861,7 +12016,7 @@
               </a:rPr>
               <a:t>Date filed</a:t>
             </a:r>
-            <a:endParaRPr b="0" lang="en-US" sz="2000" spc="-1" strike="noStrike">
+            <a:endParaRPr b="0" lang="en-GB" sz="2000" spc="-1" strike="noStrike">
               <a:solidFill>
                 <a:srgbClr val="000000"/>
               </a:solidFill>
@@ -11896,7 +12051,7 @@
               </a:rPr>
               <a:t>Date the change request was filed</a:t>
             </a:r>
-            <a:endParaRPr b="0" lang="en-US" sz="1800" spc="-1" strike="noStrike">
+            <a:endParaRPr b="0" lang="en-GB" sz="1800" spc="-1" strike="noStrike">
               <a:solidFill>
                 <a:srgbClr val="000000"/>
               </a:solidFill>
@@ -11931,7 +12086,7 @@
               </a:rPr>
               <a:t>Applicant</a:t>
             </a:r>
-            <a:endParaRPr b="0" lang="en-US" sz="2000" spc="-1" strike="noStrike">
+            <a:endParaRPr b="0" lang="en-GB" sz="2000" spc="-1" strike="noStrike">
               <a:solidFill>
                 <a:srgbClr val="000000"/>
               </a:solidFill>
@@ -11966,7 +12121,7 @@
               </a:rPr>
               <a:t>Name of the person who filed the change request</a:t>
             </a:r>
-            <a:endParaRPr b="0" lang="en-US" sz="1800" spc="-1" strike="noStrike">
+            <a:endParaRPr b="0" lang="en-GB" sz="1800" spc="-1" strike="noStrike">
               <a:solidFill>
                 <a:srgbClr val="000000"/>
               </a:solidFill>
@@ -12001,7 +12156,7 @@
               </a:rPr>
               <a:t>Priority</a:t>
             </a:r>
-            <a:endParaRPr b="0" lang="en-US" sz="2000" spc="-1" strike="noStrike">
+            <a:endParaRPr b="0" lang="en-GB" sz="2000" spc="-1" strike="noStrike">
               <a:solidFill>
                 <a:srgbClr val="000000"/>
               </a:solidFill>
@@ -12036,7 +12191,7 @@
               </a:rPr>
               <a:t>Importance of the change</a:t>
             </a:r>
-            <a:endParaRPr b="0" lang="en-US" sz="1800" spc="-1" strike="noStrike">
+            <a:endParaRPr b="0" lang="en-GB" sz="1800" spc="-1" strike="noStrike">
               <a:solidFill>
                 <a:srgbClr val="000000"/>
               </a:solidFill>
@@ -12084,7 +12239,7 @@
         <p:spPr>
           <a:xfrm>
             <a:off x="542880" y="721800"/>
-            <a:ext cx="10356480" cy="497160"/>
+            <a:ext cx="10356120" cy="496800"/>
           </a:xfrm>
           <a:prstGeom prst="rect">
             <a:avLst/>
@@ -12120,7 +12275,7 @@
               </a:rPr>
               <a:t>General Requirements Engineering Process</a:t>
             </a:r>
-            <a:endParaRPr b="0" lang="en-US" sz="2200" spc="-1" strike="noStrike">
+            <a:endParaRPr b="0" lang="en-GB" sz="2200" spc="-1" strike="noStrike">
               <a:solidFill>
                 <a:srgbClr val="000000"/>
               </a:solidFill>
@@ -12138,7 +12293,7 @@
         <p:spPr>
           <a:xfrm>
             <a:off x="542880" y="1267200"/>
-            <a:ext cx="10356480" cy="497160"/>
+            <a:ext cx="10356120" cy="496800"/>
           </a:xfrm>
           <a:prstGeom prst="rect">
             <a:avLst/>
@@ -12174,7 +12329,7 @@
               </a:rPr>
               <a:t>Overview</a:t>
             </a:r>
-            <a:endParaRPr b="0" lang="en-US" sz="2200" spc="-1" strike="noStrike">
+            <a:endParaRPr b="0" lang="en-GB" sz="2200" spc="-1" strike="noStrike">
               <a:solidFill>
                 <a:srgbClr val="000000"/>
               </a:solidFill>
@@ -12196,7 +12351,7 @@
         <p:spPr>
           <a:xfrm>
             <a:off x="542880" y="2387520"/>
-            <a:ext cx="10101600" cy="2079000"/>
+            <a:ext cx="10101240" cy="2078640"/>
           </a:xfrm>
           <a:prstGeom prst="rect">
             <a:avLst/>
@@ -12215,7 +12370,7 @@
         <p:spPr>
           <a:xfrm>
             <a:off x="7193160" y="2309760"/>
-            <a:ext cx="1831320" cy="2257920"/>
+            <a:ext cx="1830960" cy="2257560"/>
           </a:xfrm>
           <a:prstGeom prst="frame">
             <a:avLst>
@@ -12251,11 +12406,17 @@
             <a:noAutofit/>
           </a:bodyPr>
           <a:p>
+            <a:pPr>
+              <a:lnSpc>
+                <a:spcPct val="100000"/>
+              </a:lnSpc>
+            </a:pPr>
             <a:endParaRPr b="0" lang="en-US" sz="1800" spc="-1" strike="noStrike">
               <a:solidFill>
                 <a:srgbClr val="000000"/>
               </a:solidFill>
               <a:latin typeface="Arial"/>
+              <a:ea typeface="DejaVu Sans"/>
             </a:endParaRPr>
           </a:p>
         </p:txBody>
@@ -12299,7 +12460,7 @@
         <p:spPr>
           <a:xfrm>
             <a:off x="542880" y="721800"/>
-            <a:ext cx="10356480" cy="497160"/>
+            <a:ext cx="10356120" cy="496800"/>
           </a:xfrm>
           <a:prstGeom prst="rect">
             <a:avLst/>
@@ -12335,7 +12496,7 @@
               </a:rPr>
               <a:t>Change Management</a:t>
             </a:r>
-            <a:endParaRPr b="0" lang="en-US" sz="2200" spc="-1" strike="noStrike">
+            <a:endParaRPr b="0" lang="en-GB" sz="2200" spc="-1" strike="noStrike">
               <a:solidFill>
                 <a:srgbClr val="000000"/>
               </a:solidFill>
@@ -12353,7 +12514,7 @@
         <p:spPr>
           <a:xfrm>
             <a:off x="542880" y="1267200"/>
-            <a:ext cx="10356480" cy="497160"/>
+            <a:ext cx="10356120" cy="496800"/>
           </a:xfrm>
           <a:prstGeom prst="rect">
             <a:avLst/>
@@ -12389,7 +12550,7 @@
               </a:rPr>
               <a:t>Change Requests</a:t>
             </a:r>
-            <a:endParaRPr b="0" lang="en-US" sz="2200" spc="-1" strike="noStrike">
+            <a:endParaRPr b="0" lang="en-GB" sz="2200" spc="-1" strike="noStrike">
               <a:solidFill>
                 <a:srgbClr val="000000"/>
               </a:solidFill>
@@ -12407,7 +12568,7 @@
         <p:spPr>
           <a:xfrm>
             <a:off x="451800" y="1709280"/>
-            <a:ext cx="8223840" cy="4352040"/>
+            <a:ext cx="8223480" cy="4351680"/>
           </a:xfrm>
           <a:prstGeom prst="rect">
             <a:avLst/>
@@ -12428,11 +12589,17 @@
             <a:noAutofit/>
           </a:bodyPr>
           <a:p>
+            <a:pPr>
+              <a:lnSpc>
+                <a:spcPct val="100000"/>
+              </a:lnSpc>
+            </a:pPr>
             <a:endParaRPr b="0" lang="en-US" sz="1800" spc="-1" strike="noStrike">
               <a:solidFill>
                 <a:srgbClr val="000000"/>
               </a:solidFill>
               <a:latin typeface="Arial"/>
+              <a:ea typeface="DejaVu Sans"/>
             </a:endParaRPr>
           </a:p>
         </p:txBody>
@@ -12450,7 +12617,7 @@
         <p:spPr>
           <a:xfrm>
             <a:off x="609480" y="1769400"/>
-            <a:ext cx="10586880" cy="4854960"/>
+            <a:ext cx="10586520" cy="4854600"/>
           </a:xfrm>
           <a:prstGeom prst="rect">
             <a:avLst/>
@@ -12489,7 +12656,7 @@
               </a:rPr>
               <a:t>Date filed</a:t>
             </a:r>
-            <a:endParaRPr b="0" lang="en-US" sz="2000" spc="-1" strike="noStrike">
+            <a:endParaRPr b="0" lang="en-GB" sz="2000" spc="-1" strike="noStrike">
               <a:solidFill>
                 <a:srgbClr val="000000"/>
               </a:solidFill>
@@ -12521,7 +12688,7 @@
               </a:rPr>
               <a:t>Date the change request was filed</a:t>
             </a:r>
-            <a:endParaRPr b="0" lang="en-US" sz="1800" spc="-1" strike="noStrike">
+            <a:endParaRPr b="0" lang="en-GB" sz="1800" spc="-1" strike="noStrike">
               <a:solidFill>
                 <a:srgbClr val="000000"/>
               </a:solidFill>
@@ -12553,7 +12720,7 @@
               </a:rPr>
               <a:t>Applicant</a:t>
             </a:r>
-            <a:endParaRPr b="0" lang="en-US" sz="2000" spc="-1" strike="noStrike">
+            <a:endParaRPr b="0" lang="en-GB" sz="2000" spc="-1" strike="noStrike">
               <a:solidFill>
                 <a:srgbClr val="000000"/>
               </a:solidFill>
@@ -12585,7 +12752,7 @@
               </a:rPr>
               <a:t>Name of the person who filed the change request</a:t>
             </a:r>
-            <a:endParaRPr b="0" lang="en-US" sz="1800" spc="-1" strike="noStrike">
+            <a:endParaRPr b="0" lang="en-GB" sz="1800" spc="-1" strike="noStrike">
               <a:solidFill>
                 <a:srgbClr val="000000"/>
               </a:solidFill>
@@ -12617,7 +12784,7 @@
               </a:rPr>
               <a:t>Priority</a:t>
             </a:r>
-            <a:endParaRPr b="0" lang="en-US" sz="2000" spc="-1" strike="noStrike">
+            <a:endParaRPr b="0" lang="en-GB" sz="2000" spc="-1" strike="noStrike">
               <a:solidFill>
                 <a:srgbClr val="000000"/>
               </a:solidFill>
@@ -12649,7 +12816,7 @@
               </a:rPr>
               <a:t>Importance of the change</a:t>
             </a:r>
-            <a:endParaRPr b="0" lang="en-US" sz="1800" spc="-1" strike="noStrike">
+            <a:endParaRPr b="0" lang="en-GB" sz="1800" spc="-1" strike="noStrike">
               <a:solidFill>
                 <a:srgbClr val="000000"/>
               </a:solidFill>
@@ -12669,7 +12836,7 @@
                 <a:tab algn="l" pos="0"/>
               </a:tabLst>
             </a:pPr>
-            <a:endParaRPr b="0" lang="en-US" sz="1800" spc="-1" strike="noStrike">
+            <a:endParaRPr b="0" lang="en-GB" sz="1800" spc="-1" strike="noStrike">
               <a:solidFill>
                 <a:srgbClr val="000000"/>
               </a:solidFill>
@@ -12717,7 +12884,7 @@
         <p:spPr>
           <a:xfrm>
             <a:off x="542880" y="721800"/>
-            <a:ext cx="10356480" cy="497160"/>
+            <a:ext cx="10356120" cy="496800"/>
           </a:xfrm>
           <a:prstGeom prst="rect">
             <a:avLst/>
@@ -12753,7 +12920,7 @@
               </a:rPr>
               <a:t>Change Management</a:t>
             </a:r>
-            <a:endParaRPr b="0" lang="en-US" sz="2200" spc="-1" strike="noStrike">
+            <a:endParaRPr b="0" lang="en-GB" sz="2200" spc="-1" strike="noStrike">
               <a:solidFill>
                 <a:srgbClr val="000000"/>
               </a:solidFill>
@@ -12771,7 +12938,7 @@
         <p:spPr>
           <a:xfrm>
             <a:off x="542880" y="1267200"/>
-            <a:ext cx="10356480" cy="497160"/>
+            <a:ext cx="10356120" cy="496800"/>
           </a:xfrm>
           <a:prstGeom prst="rect">
             <a:avLst/>
@@ -12807,7 +12974,7 @@
               </a:rPr>
               <a:t>Change Requests</a:t>
             </a:r>
-            <a:endParaRPr b="0" lang="en-US" sz="2200" spc="-1" strike="noStrike">
+            <a:endParaRPr b="0" lang="en-GB" sz="2200" spc="-1" strike="noStrike">
               <a:solidFill>
                 <a:srgbClr val="000000"/>
               </a:solidFill>
@@ -12825,7 +12992,7 @@
         <p:spPr>
           <a:xfrm>
             <a:off x="451800" y="1709280"/>
-            <a:ext cx="8223840" cy="4352040"/>
+            <a:ext cx="8223480" cy="4351680"/>
           </a:xfrm>
           <a:prstGeom prst="rect">
             <a:avLst/>
@@ -12846,11 +13013,17 @@
             <a:noAutofit/>
           </a:bodyPr>
           <a:p>
+            <a:pPr>
+              <a:lnSpc>
+                <a:spcPct val="100000"/>
+              </a:lnSpc>
+            </a:pPr>
             <a:endParaRPr b="0" lang="en-US" sz="1800" spc="-1" strike="noStrike">
               <a:solidFill>
                 <a:srgbClr val="000000"/>
               </a:solidFill>
               <a:latin typeface="Arial"/>
+              <a:ea typeface="DejaVu Sans"/>
             </a:endParaRPr>
           </a:p>
         </p:txBody>
@@ -12868,7 +13041,7 @@
         <p:spPr>
           <a:xfrm>
             <a:off x="609480" y="1769400"/>
-            <a:ext cx="10586880" cy="4854960"/>
+            <a:ext cx="10586520" cy="4854600"/>
           </a:xfrm>
           <a:prstGeom prst="rect">
             <a:avLst/>
@@ -12916,7 +13089,7 @@
               </a:rPr>
               <a:t>:</a:t>
             </a:r>
-            <a:endParaRPr b="0" lang="en-US" sz="2000" spc="-1" strike="noStrike">
+            <a:endParaRPr b="0" lang="en-GB" sz="2000" spc="-1" strike="noStrike">
               <a:solidFill>
                 <a:srgbClr val="000000"/>
               </a:solidFill>
@@ -12951,7 +13124,7 @@
               </a:rPr>
               <a:t>Change validator</a:t>
             </a:r>
-            <a:endParaRPr b="0" lang="en-US" sz="2000" spc="-1" strike="noStrike">
+            <a:endParaRPr b="0" lang="en-GB" sz="2000" spc="-1" strike="noStrike">
               <a:solidFill>
                 <a:srgbClr val="000000"/>
               </a:solidFill>
@@ -12986,7 +13159,7 @@
               </a:rPr>
               <a:t>Person who is responsible to verify if a change was performed correctly</a:t>
             </a:r>
-            <a:endParaRPr b="0" lang="en-US" sz="1800" spc="-1" strike="noStrike">
+            <a:endParaRPr b="0" lang="en-GB" sz="1800" spc="-1" strike="noStrike">
               <a:solidFill>
                 <a:srgbClr val="000000"/>
               </a:solidFill>
@@ -13021,7 +13194,7 @@
               </a:rPr>
               <a:t>Impact analysis status</a:t>
             </a:r>
-            <a:endParaRPr b="0" lang="en-US" sz="2000" spc="-1" strike="noStrike">
+            <a:endParaRPr b="0" lang="en-GB" sz="2000" spc="-1" strike="noStrike">
               <a:solidFill>
                 <a:srgbClr val="000000"/>
               </a:solidFill>
@@ -13056,7 +13229,7 @@
               </a:rPr>
               <a:t>Flag indicating whether an impact analysis has been performed</a:t>
             </a:r>
-            <a:endParaRPr b="0" lang="en-US" sz="1800" spc="-1" strike="noStrike">
+            <a:endParaRPr b="0" lang="en-GB" sz="1800" spc="-1" strike="noStrike">
               <a:solidFill>
                 <a:srgbClr val="000000"/>
               </a:solidFill>
@@ -13091,7 +13264,7 @@
               </a:rPr>
               <a:t>Change control board decision status</a:t>
             </a:r>
-            <a:endParaRPr b="0" lang="en-US" sz="2000" spc="-1" strike="noStrike">
+            <a:endParaRPr b="0" lang="en-GB" sz="2000" spc="-1" strike="noStrike">
               <a:solidFill>
                 <a:srgbClr val="000000"/>
               </a:solidFill>
@@ -13126,7 +13299,7 @@
               </a:rPr>
               <a:t>Flag indicating the handling status of the request</a:t>
             </a:r>
-            <a:endParaRPr b="0" lang="en-US" sz="1800" spc="-1" strike="noStrike">
+            <a:endParaRPr b="0" lang="en-GB" sz="1800" spc="-1" strike="noStrike">
               <a:solidFill>
                 <a:srgbClr val="000000"/>
               </a:solidFill>
@@ -13161,7 +13334,7 @@
               </a:rPr>
               <a:t>For example: pending, rejected, accepted</a:t>
             </a:r>
-            <a:endParaRPr b="0" lang="en-US" sz="1800" spc="-1" strike="noStrike">
+            <a:endParaRPr b="0" lang="en-GB" sz="1800" spc="-1" strike="noStrike">
               <a:solidFill>
                 <a:srgbClr val="000000"/>
               </a:solidFill>
@@ -13209,7 +13382,7 @@
         <p:spPr>
           <a:xfrm>
             <a:off x="542880" y="721800"/>
-            <a:ext cx="10356480" cy="497160"/>
+            <a:ext cx="10356120" cy="496800"/>
           </a:xfrm>
           <a:prstGeom prst="rect">
             <a:avLst/>
@@ -13245,7 +13418,7 @@
               </a:rPr>
               <a:t>Change Management</a:t>
             </a:r>
-            <a:endParaRPr b="0" lang="en-US" sz="2200" spc="-1" strike="noStrike">
+            <a:endParaRPr b="0" lang="en-GB" sz="2200" spc="-1" strike="noStrike">
               <a:solidFill>
                 <a:srgbClr val="000000"/>
               </a:solidFill>
@@ -13263,7 +13436,7 @@
         <p:spPr>
           <a:xfrm>
             <a:off x="542880" y="1267200"/>
-            <a:ext cx="10356480" cy="497160"/>
+            <a:ext cx="10356120" cy="496800"/>
           </a:xfrm>
           <a:prstGeom prst="rect">
             <a:avLst/>
@@ -13299,7 +13472,7 @@
               </a:rPr>
               <a:t>Change Requests</a:t>
             </a:r>
-            <a:endParaRPr b="0" lang="en-US" sz="2200" spc="-1" strike="noStrike">
+            <a:endParaRPr b="0" lang="en-GB" sz="2200" spc="-1" strike="noStrike">
               <a:solidFill>
                 <a:srgbClr val="000000"/>
               </a:solidFill>
@@ -13317,7 +13490,7 @@
         <p:spPr>
           <a:xfrm>
             <a:off x="451800" y="1709280"/>
-            <a:ext cx="8223840" cy="4352040"/>
+            <a:ext cx="8223480" cy="4351680"/>
           </a:xfrm>
           <a:prstGeom prst="rect">
             <a:avLst/>
@@ -13338,11 +13511,17 @@
             <a:noAutofit/>
           </a:bodyPr>
           <a:p>
+            <a:pPr>
+              <a:lnSpc>
+                <a:spcPct val="100000"/>
+              </a:lnSpc>
+            </a:pPr>
             <a:endParaRPr b="0" lang="en-US" sz="1800" spc="-1" strike="noStrike">
               <a:solidFill>
                 <a:srgbClr val="000000"/>
               </a:solidFill>
               <a:latin typeface="Arial"/>
+              <a:ea typeface="DejaVu Sans"/>
             </a:endParaRPr>
           </a:p>
         </p:txBody>
@@ -13360,7 +13539,7 @@
         <p:spPr>
           <a:xfrm>
             <a:off x="609480" y="1769400"/>
-            <a:ext cx="10586880" cy="4854960"/>
+            <a:ext cx="10586520" cy="4854600"/>
           </a:xfrm>
           <a:prstGeom prst="rect">
             <a:avLst/>
@@ -13399,7 +13578,7 @@
               </a:rPr>
               <a:t>Change control board priority</a:t>
             </a:r>
-            <a:endParaRPr b="0" lang="en-US" sz="2000" spc="-1" strike="noStrike">
+            <a:endParaRPr b="0" lang="en-GB" sz="2000" spc="-1" strike="noStrike">
               <a:solidFill>
                 <a:srgbClr val="000000"/>
               </a:solidFill>
@@ -13431,7 +13610,7 @@
               </a:rPr>
               <a:t>Priority of the change request assigned by the change control board</a:t>
             </a:r>
-            <a:endParaRPr b="0" lang="en-US" sz="1800" spc="-1" strike="noStrike">
+            <a:endParaRPr b="0" lang="en-GB" sz="1800" spc="-1" strike="noStrike">
               <a:solidFill>
                 <a:srgbClr val="000000"/>
               </a:solidFill>
@@ -13463,7 +13642,7 @@
               </a:rPr>
               <a:t>Responsible</a:t>
             </a:r>
-            <a:endParaRPr b="0" lang="en-US" sz="2000" spc="-1" strike="noStrike">
+            <a:endParaRPr b="0" lang="en-GB" sz="2000" spc="-1" strike="noStrike">
               <a:solidFill>
                 <a:srgbClr val="000000"/>
               </a:solidFill>
@@ -13495,7 +13674,7 @@
               </a:rPr>
               <a:t>Person in charge of performing the change</a:t>
             </a:r>
-            <a:endParaRPr b="0" lang="en-US" sz="1800" spc="-1" strike="noStrike">
+            <a:endParaRPr b="0" lang="en-GB" sz="1800" spc="-1" strike="noStrike">
               <a:solidFill>
                 <a:srgbClr val="000000"/>
               </a:solidFill>
@@ -13527,7 +13706,7 @@
               </a:rPr>
               <a:t>System release</a:t>
             </a:r>
-            <a:endParaRPr b="0" lang="en-US" sz="2000" spc="-1" strike="noStrike">
+            <a:endParaRPr b="0" lang="en-GB" sz="2000" spc="-1" strike="noStrike">
               <a:solidFill>
                 <a:srgbClr val="000000"/>
               </a:solidFill>
@@ -13559,7 +13738,7 @@
               </a:rPr>
               <a:t>Version of the system that implements the change</a:t>
             </a:r>
-            <a:endParaRPr b="0" lang="en-US" sz="1800" spc="-1" strike="noStrike">
+            <a:endParaRPr b="0" lang="en-GB" sz="1800" spc="-1" strike="noStrike">
               <a:solidFill>
                 <a:srgbClr val="000000"/>
               </a:solidFill>
@@ -13607,7 +13786,7 @@
         <p:spPr>
           <a:xfrm>
             <a:off x="542880" y="721800"/>
-            <a:ext cx="10356480" cy="497160"/>
+            <a:ext cx="10356120" cy="496800"/>
           </a:xfrm>
           <a:prstGeom prst="rect">
             <a:avLst/>
@@ -13643,7 +13822,7 @@
               </a:rPr>
               <a:t>Change Management</a:t>
             </a:r>
-            <a:endParaRPr b="0" lang="en-US" sz="2200" spc="-1" strike="noStrike">
+            <a:endParaRPr b="0" lang="en-GB" sz="2200" spc="-1" strike="noStrike">
               <a:solidFill>
                 <a:srgbClr val="000000"/>
               </a:solidFill>
@@ -13661,7 +13840,7 @@
         <p:spPr>
           <a:xfrm>
             <a:off x="542880" y="1267200"/>
-            <a:ext cx="10356480" cy="497160"/>
+            <a:ext cx="10356120" cy="496800"/>
           </a:xfrm>
           <a:prstGeom prst="rect">
             <a:avLst/>
@@ -13697,7 +13876,7 @@
               </a:rPr>
               <a:t>Change Requests – Classifications </a:t>
             </a:r>
-            <a:endParaRPr b="0" lang="en-US" sz="2200" spc="-1" strike="noStrike">
+            <a:endParaRPr b="0" lang="en-GB" sz="2200" spc="-1" strike="noStrike">
               <a:solidFill>
                 <a:srgbClr val="000000"/>
               </a:solidFill>
@@ -13715,7 +13894,7 @@
         <p:spPr>
           <a:xfrm>
             <a:off x="451800" y="1709280"/>
-            <a:ext cx="8223840" cy="4352040"/>
+            <a:ext cx="8223480" cy="4351680"/>
           </a:xfrm>
           <a:prstGeom prst="rect">
             <a:avLst/>
@@ -13736,11 +13915,17 @@
             <a:noAutofit/>
           </a:bodyPr>
           <a:p>
+            <a:pPr>
+              <a:lnSpc>
+                <a:spcPct val="100000"/>
+              </a:lnSpc>
+            </a:pPr>
             <a:endParaRPr b="0" lang="en-US" sz="1800" spc="-1" strike="noStrike">
               <a:solidFill>
                 <a:srgbClr val="000000"/>
               </a:solidFill>
               <a:latin typeface="Arial"/>
+              <a:ea typeface="DejaVu Sans"/>
             </a:endParaRPr>
           </a:p>
         </p:txBody>
@@ -13758,7 +13943,7 @@
         <p:spPr>
           <a:xfrm>
             <a:off x="609480" y="1769400"/>
-            <a:ext cx="10586880" cy="4854960"/>
+            <a:ext cx="10586520" cy="4854600"/>
           </a:xfrm>
           <a:prstGeom prst="rect">
             <a:avLst/>
@@ -13806,7 +13991,7 @@
               </a:rPr>
               <a:t>:</a:t>
             </a:r>
-            <a:endParaRPr b="0" lang="en-US" sz="2000" spc="-1" strike="noStrike">
+            <a:endParaRPr b="0" lang="en-GB" sz="2000" spc="-1" strike="noStrike">
               <a:solidFill>
                 <a:srgbClr val="000000"/>
               </a:solidFill>
@@ -13841,7 +14026,7 @@
               </a:rPr>
               <a:t>Corrective requirement change</a:t>
             </a:r>
-            <a:endParaRPr b="0" lang="en-US" sz="2000" spc="-1" strike="noStrike">
+            <a:endParaRPr b="0" lang="en-GB" sz="2000" spc="-1" strike="noStrike">
               <a:solidFill>
                 <a:srgbClr val="000000"/>
               </a:solidFill>
@@ -13876,7 +14061,7 @@
               </a:rPr>
               <a:t>Failure in the system</a:t>
             </a:r>
-            <a:endParaRPr b="0" lang="en-US" sz="1800" spc="-1" strike="noStrike">
+            <a:endParaRPr b="0" lang="en-GB" sz="1800" spc="-1" strike="noStrike">
               <a:solidFill>
                 <a:srgbClr val="000000"/>
               </a:solidFill>
@@ -13911,7 +14096,7 @@
               </a:rPr>
               <a:t>Reason for failure is an error in the requirements</a:t>
             </a:r>
-            <a:endParaRPr b="0" lang="en-US" sz="1800" spc="-1" strike="noStrike">
+            <a:endParaRPr b="0" lang="en-GB" sz="1800" spc="-1" strike="noStrike">
               <a:solidFill>
                 <a:srgbClr val="000000"/>
               </a:solidFill>
@@ -13946,7 +14131,7 @@
               </a:rPr>
               <a:t>Change fixes the error</a:t>
             </a:r>
-            <a:endParaRPr b="0" lang="en-US" sz="1800" spc="-1" strike="noStrike">
+            <a:endParaRPr b="0" lang="en-GB" sz="1800" spc="-1" strike="noStrike">
               <a:solidFill>
                 <a:srgbClr val="000000"/>
               </a:solidFill>
@@ -13981,7 +14166,7 @@
               </a:rPr>
               <a:t>Adaptive requirement change</a:t>
             </a:r>
-            <a:endParaRPr b="0" lang="en-US" sz="2000" spc="-1" strike="noStrike">
+            <a:endParaRPr b="0" lang="en-GB" sz="2000" spc="-1" strike="noStrike">
               <a:solidFill>
                 <a:srgbClr val="000000"/>
               </a:solidFill>
@@ -14016,7 +14201,7 @@
               </a:rPr>
               <a:t>System needs to be amended</a:t>
             </a:r>
-            <a:endParaRPr b="0" lang="en-US" sz="1800" spc="-1" strike="noStrike">
+            <a:endParaRPr b="0" lang="en-GB" sz="1800" spc="-1" strike="noStrike">
               <a:solidFill>
                 <a:srgbClr val="000000"/>
               </a:solidFill>
@@ -14051,7 +14236,7 @@
               </a:rPr>
               <a:t>For example, change in the system context or stakeholder needs</a:t>
             </a:r>
-            <a:endParaRPr b="0" lang="en-US" sz="1800" spc="-1" strike="noStrike">
+            <a:endParaRPr b="0" lang="en-GB" sz="1800" spc="-1" strike="noStrike">
               <a:solidFill>
                 <a:srgbClr val="000000"/>
               </a:solidFill>
@@ -14071,7 +14256,7 @@
                 <a:tab algn="l" pos="0"/>
               </a:tabLst>
             </a:pPr>
-            <a:endParaRPr b="0" lang="en-US" sz="1800" spc="-1" strike="noStrike">
+            <a:endParaRPr b="0" lang="en-GB" sz="1800" spc="-1" strike="noStrike">
               <a:solidFill>
                 <a:srgbClr val="000000"/>
               </a:solidFill>
@@ -14091,7 +14276,7 @@
                 <a:tab algn="l" pos="0"/>
               </a:tabLst>
             </a:pPr>
-            <a:endParaRPr b="0" lang="en-US" sz="1800" spc="-1" strike="noStrike">
+            <a:endParaRPr b="0" lang="en-GB" sz="1800" spc="-1" strike="noStrike">
               <a:solidFill>
                 <a:srgbClr val="000000"/>
               </a:solidFill>
@@ -14111,7 +14296,7 @@
                 <a:tab algn="l" pos="0"/>
               </a:tabLst>
             </a:pPr>
-            <a:endParaRPr b="0" lang="en-US" sz="1800" spc="-1" strike="noStrike">
+            <a:endParaRPr b="0" lang="en-GB" sz="1800" spc="-1" strike="noStrike">
               <a:solidFill>
                 <a:srgbClr val="000000"/>
               </a:solidFill>
@@ -14146,7 +14331,7 @@
               </a:rPr>
               <a:t>Exceptional change (hotfix)</a:t>
             </a:r>
-            <a:endParaRPr b="0" lang="en-US" sz="2000" spc="-1" strike="noStrike">
+            <a:endParaRPr b="0" lang="en-GB" sz="2000" spc="-1" strike="noStrike">
               <a:solidFill>
                 <a:srgbClr val="000000"/>
               </a:solidFill>
@@ -14181,7 +14366,7 @@
               </a:rPr>
               <a:t>Must be immediately done at all costs</a:t>
             </a:r>
-            <a:endParaRPr b="0" lang="en-US" sz="1800" spc="-1" strike="noStrike">
+            <a:endParaRPr b="0" lang="en-GB" sz="1800" spc="-1" strike="noStrike">
               <a:solidFill>
                 <a:srgbClr val="000000"/>
               </a:solidFill>
@@ -14216,7 +14401,7 @@
               </a:rPr>
               <a:t>Can be either adaptive or corrective</a:t>
             </a:r>
-            <a:endParaRPr b="0" lang="en-US" sz="1800" spc="-1" strike="noStrike">
+            <a:endParaRPr b="0" lang="en-GB" sz="1800" spc="-1" strike="noStrike">
               <a:solidFill>
                 <a:srgbClr val="000000"/>
               </a:solidFill>
@@ -14251,7 +14436,7 @@
               </a:rPr>
               <a:t>Usually due to critical bugs</a:t>
             </a:r>
-            <a:endParaRPr b="0" lang="en-US" sz="1800" spc="-1" strike="noStrike">
+            <a:endParaRPr b="0" lang="en-GB" sz="1800" spc="-1" strike="noStrike">
               <a:solidFill>
                 <a:srgbClr val="000000"/>
               </a:solidFill>
@@ -14299,7 +14484,7 @@
         <p:spPr>
           <a:xfrm>
             <a:off x="542880" y="721800"/>
-            <a:ext cx="10356480" cy="497160"/>
+            <a:ext cx="10356120" cy="496800"/>
           </a:xfrm>
           <a:prstGeom prst="rect">
             <a:avLst/>
@@ -14335,7 +14520,7 @@
               </a:rPr>
               <a:t>Change Management</a:t>
             </a:r>
-            <a:endParaRPr b="0" lang="en-US" sz="2200" spc="-1" strike="noStrike">
+            <a:endParaRPr b="0" lang="en-GB" sz="2200" spc="-1" strike="noStrike">
               <a:solidFill>
                 <a:srgbClr val="000000"/>
               </a:solidFill>
@@ -14353,7 +14538,7 @@
         <p:spPr>
           <a:xfrm>
             <a:off x="542880" y="1267200"/>
-            <a:ext cx="10356480" cy="497160"/>
+            <a:ext cx="10356120" cy="496800"/>
           </a:xfrm>
           <a:prstGeom prst="rect">
             <a:avLst/>
@@ -14389,7 +14574,7 @@
               </a:rPr>
               <a:t>Handling Change Requests</a:t>
             </a:r>
-            <a:endParaRPr b="0" lang="en-US" sz="2200" spc="-1" strike="noStrike">
+            <a:endParaRPr b="0" lang="en-GB" sz="2200" spc="-1" strike="noStrike">
               <a:solidFill>
                 <a:srgbClr val="000000"/>
               </a:solidFill>
@@ -14407,7 +14592,7 @@
         <p:spPr>
           <a:xfrm>
             <a:off x="451800" y="1709280"/>
-            <a:ext cx="8223840" cy="4352040"/>
+            <a:ext cx="8223480" cy="4351680"/>
           </a:xfrm>
           <a:prstGeom prst="rect">
             <a:avLst/>
@@ -14428,11 +14613,17 @@
             <a:noAutofit/>
           </a:bodyPr>
           <a:p>
+            <a:pPr>
+              <a:lnSpc>
+                <a:spcPct val="100000"/>
+              </a:lnSpc>
+            </a:pPr>
             <a:endParaRPr b="0" lang="en-US" sz="1800" spc="-1" strike="noStrike">
               <a:solidFill>
                 <a:srgbClr val="000000"/>
               </a:solidFill>
               <a:latin typeface="Arial"/>
+              <a:ea typeface="DejaVu Sans"/>
             </a:endParaRPr>
           </a:p>
         </p:txBody>
@@ -14450,7 +14641,7 @@
         <p:spPr>
           <a:xfrm>
             <a:off x="609480" y="1769400"/>
-            <a:ext cx="6572880" cy="4854960"/>
+            <a:ext cx="6572520" cy="4854600"/>
           </a:xfrm>
           <a:prstGeom prst="rect">
             <a:avLst/>
@@ -14477,7 +14668,7 @@
                 <a:tab algn="l" pos="0"/>
               </a:tabLst>
             </a:pPr>
-            <a:endParaRPr b="0" lang="en-US" sz="2800" spc="-1" strike="noStrike">
+            <a:endParaRPr b="0" lang="en-GB" sz="2800" spc="-1" strike="noStrike">
               <a:solidFill>
                 <a:srgbClr val="000000"/>
               </a:solidFill>
@@ -14512,7 +14703,7 @@
               </a:rPr>
               <a:t>Effort required for the change is estimated</a:t>
             </a:r>
-            <a:endParaRPr b="0" lang="en-US" sz="2000" spc="-1" strike="noStrike">
+            <a:endParaRPr b="0" lang="en-GB" sz="2000" spc="-1" strike="noStrike">
               <a:solidFill>
                 <a:srgbClr val="000000"/>
               </a:solidFill>
@@ -14547,7 +14738,7 @@
               </a:rPr>
               <a:t>Affected requirements are determined</a:t>
             </a:r>
-            <a:endParaRPr b="0" lang="en-US" sz="2000" spc="-1" strike="noStrike">
+            <a:endParaRPr b="0" lang="en-GB" sz="2000" spc="-1" strike="noStrike">
               <a:solidFill>
                 <a:srgbClr val="000000"/>
               </a:solidFill>
@@ -14582,7 +14773,7 @@
               </a:rPr>
               <a:t>Includes new requirements</a:t>
             </a:r>
-            <a:endParaRPr b="0" lang="en-US" sz="1800" spc="-1" strike="noStrike">
+            <a:endParaRPr b="0" lang="en-GB" sz="1800" spc="-1" strike="noStrike">
               <a:solidFill>
                 <a:srgbClr val="000000"/>
               </a:solidFill>
@@ -14617,7 +14808,7 @@
               </a:rPr>
               <a:t>Development artifacts that need to be change are determined</a:t>
             </a:r>
-            <a:endParaRPr b="0" lang="en-US" sz="2000" spc="-1" strike="noStrike">
+            <a:endParaRPr b="0" lang="en-GB" sz="2000" spc="-1" strike="noStrike">
               <a:solidFill>
                 <a:srgbClr val="000000"/>
               </a:solidFill>
@@ -14652,7 +14843,7 @@
               </a:rPr>
               <a:t>Effort for artifact change usually significantly higher than for requirement changes</a:t>
             </a:r>
-            <a:endParaRPr b="0" lang="en-US" sz="2000" spc="-1" strike="noStrike">
+            <a:endParaRPr b="0" lang="en-GB" sz="2000" spc="-1" strike="noStrike">
               <a:solidFill>
                 <a:srgbClr val="000000"/>
               </a:solidFill>
@@ -14687,7 +14878,7 @@
               </a:rPr>
               <a:t>Maintaining the requirements document is cheap</a:t>
             </a:r>
-            <a:endParaRPr b="0" lang="en-US" sz="1800" spc="-1" strike="noStrike">
+            <a:endParaRPr b="0" lang="en-GB" sz="1800" spc="-1" strike="noStrike">
               <a:solidFill>
                 <a:srgbClr val="000000"/>
               </a:solidFill>
@@ -14722,7 +14913,7 @@
               </a:rPr>
               <a:t>Still often neglected</a:t>
             </a:r>
-            <a:endParaRPr b="0" lang="en-US" sz="1800" spc="-1" strike="noStrike">
+            <a:endParaRPr b="0" lang="en-GB" sz="1800" spc="-1" strike="noStrike">
               <a:solidFill>
                 <a:srgbClr val="000000"/>
               </a:solidFill>
@@ -14757,7 +14948,7 @@
               </a:rPr>
               <a:t>Can be supported by traceability information</a:t>
             </a:r>
-            <a:endParaRPr b="0" lang="en-US" sz="2000" spc="-1" strike="noStrike">
+            <a:endParaRPr b="0" lang="en-GB" sz="2000" spc="-1" strike="noStrike">
               <a:solidFill>
                 <a:srgbClr val="000000"/>
               </a:solidFill>
@@ -14779,7 +14970,7 @@
         <p:spPr>
           <a:xfrm>
             <a:off x="7476120" y="1765440"/>
-            <a:ext cx="3777480" cy="4781160"/>
+            <a:ext cx="3777120" cy="4780800"/>
           </a:xfrm>
           <a:prstGeom prst="rect">
             <a:avLst/>
@@ -14826,6 +15017,7 @@
                 <a:srgbClr val="000000"/>
               </a:solidFill>
               <a:latin typeface="Arial"/>
+              <a:ea typeface="DejaVu Sans"/>
             </a:endParaRPr>
           </a:p>
         </p:txBody>
@@ -14867,6 +15059,7 @@
                 <a:srgbClr val="000000"/>
               </a:solidFill>
               <a:latin typeface="Arial"/>
+              <a:ea typeface="DejaVu Sans"/>
             </a:endParaRPr>
           </a:p>
         </p:txBody>
@@ -14908,6 +15101,7 @@
                 <a:srgbClr val="000000"/>
               </a:solidFill>
               <a:latin typeface="Arial"/>
+              <a:ea typeface="DejaVu Sans"/>
             </a:endParaRPr>
           </a:p>
         </p:txBody>
@@ -14949,6 +15143,7 @@
                 <a:srgbClr val="000000"/>
               </a:solidFill>
               <a:latin typeface="Arial"/>
+              <a:ea typeface="DejaVu Sans"/>
             </a:endParaRPr>
           </a:p>
         </p:txBody>
@@ -14996,7 +15191,7 @@
         <p:spPr>
           <a:xfrm>
             <a:off x="7476120" y="1766160"/>
-            <a:ext cx="3777480" cy="4781160"/>
+            <a:ext cx="3777120" cy="4780800"/>
           </a:xfrm>
           <a:prstGeom prst="rect">
             <a:avLst/>
@@ -15015,7 +15210,7 @@
         <p:spPr>
           <a:xfrm>
             <a:off x="542880" y="721800"/>
-            <a:ext cx="10356480" cy="497160"/>
+            <a:ext cx="10356120" cy="496800"/>
           </a:xfrm>
           <a:prstGeom prst="rect">
             <a:avLst/>
@@ -15051,7 +15246,7 @@
               </a:rPr>
               <a:t>Change Management</a:t>
             </a:r>
-            <a:endParaRPr b="0" lang="en-US" sz="2200" spc="-1" strike="noStrike">
+            <a:endParaRPr b="0" lang="en-GB" sz="2200" spc="-1" strike="noStrike">
               <a:solidFill>
                 <a:srgbClr val="000000"/>
               </a:solidFill>
@@ -15069,7 +15264,7 @@
         <p:spPr>
           <a:xfrm>
             <a:off x="542880" y="1267200"/>
-            <a:ext cx="10356480" cy="497160"/>
+            <a:ext cx="10356120" cy="496800"/>
           </a:xfrm>
           <a:prstGeom prst="rect">
             <a:avLst/>
@@ -15105,7 +15300,7 @@
               </a:rPr>
               <a:t>Handling Change Requests</a:t>
             </a:r>
-            <a:endParaRPr b="0" lang="en-US" sz="2200" spc="-1" strike="noStrike">
+            <a:endParaRPr b="0" lang="en-GB" sz="2200" spc="-1" strike="noStrike">
               <a:solidFill>
                 <a:srgbClr val="000000"/>
               </a:solidFill>
@@ -15123,7 +15318,7 @@
         <p:spPr>
           <a:xfrm>
             <a:off x="451800" y="1709280"/>
-            <a:ext cx="8223840" cy="4352040"/>
+            <a:ext cx="8223480" cy="4351680"/>
           </a:xfrm>
           <a:prstGeom prst="rect">
             <a:avLst/>
@@ -15144,11 +15339,17 @@
             <a:noAutofit/>
           </a:bodyPr>
           <a:p>
+            <a:pPr>
+              <a:lnSpc>
+                <a:spcPct val="100000"/>
+              </a:lnSpc>
+            </a:pPr>
             <a:endParaRPr b="0" lang="en-US" sz="1800" spc="-1" strike="noStrike">
               <a:solidFill>
                 <a:srgbClr val="000000"/>
               </a:solidFill>
               <a:latin typeface="Arial"/>
+              <a:ea typeface="DejaVu Sans"/>
             </a:endParaRPr>
           </a:p>
         </p:txBody>
@@ -15166,7 +15367,7 @@
         <p:spPr>
           <a:xfrm>
             <a:off x="609480" y="1769400"/>
-            <a:ext cx="6572880" cy="4854960"/>
+            <a:ext cx="6572520" cy="4854600"/>
           </a:xfrm>
           <a:prstGeom prst="rect">
             <a:avLst/>
@@ -15205,7 +15406,7 @@
               </a:rPr>
               <a:t>Change evaluation</a:t>
             </a:r>
-            <a:endParaRPr b="0" lang="en-US" sz="2000" spc="-1" strike="noStrike">
+            <a:endParaRPr b="0" lang="en-GB" sz="2000" spc="-1" strike="noStrike">
               <a:solidFill>
                 <a:srgbClr val="000000"/>
               </a:solidFill>
@@ -15237,7 +15438,7 @@
               </a:rPr>
               <a:t>Costs and benefits are compared</a:t>
             </a:r>
-            <a:endParaRPr b="0" lang="en-US" sz="1800" spc="-1" strike="noStrike">
+            <a:endParaRPr b="0" lang="en-GB" sz="1800" spc="-1" strike="noStrike">
               <a:solidFill>
                 <a:srgbClr val="000000"/>
               </a:solidFill>
@@ -15269,7 +15470,7 @@
               </a:rPr>
               <a:t>Available resources are considered</a:t>
             </a:r>
-            <a:endParaRPr b="0" lang="en-US" sz="1800" spc="-1" strike="noStrike">
+            <a:endParaRPr b="0" lang="en-GB" sz="1800" spc="-1" strike="noStrike">
               <a:solidFill>
                 <a:srgbClr val="000000"/>
               </a:solidFill>
@@ -15301,7 +15502,7 @@
               </a:rPr>
               <a:t>Prioritizing</a:t>
             </a:r>
-            <a:endParaRPr b="0" lang="en-US" sz="2000" spc="-1" strike="noStrike">
+            <a:endParaRPr b="0" lang="en-GB" sz="2000" spc="-1" strike="noStrike">
               <a:solidFill>
                 <a:srgbClr val="000000"/>
               </a:solidFill>
@@ -15333,7 +15534,7 @@
               </a:rPr>
               <a:t>Importance of the change</a:t>
             </a:r>
-            <a:endParaRPr b="0" lang="en-US" sz="1800" spc="-1" strike="noStrike">
+            <a:endParaRPr b="0" lang="en-GB" sz="1800" spc="-1" strike="noStrike">
               <a:solidFill>
                 <a:srgbClr val="000000"/>
               </a:solidFill>
@@ -15365,7 +15566,7 @@
               </a:rPr>
               <a:t>Assigning</a:t>
             </a:r>
-            <a:endParaRPr b="0" lang="en-US" sz="2000" spc="-1" strike="noStrike">
+            <a:endParaRPr b="0" lang="en-GB" sz="2000" spc="-1" strike="noStrike">
               <a:solidFill>
                 <a:srgbClr val="000000"/>
               </a:solidFill>
@@ -15397,7 +15598,7 @@
               </a:rPr>
               <a:t>System release for implementing is decided</a:t>
             </a:r>
-            <a:endParaRPr b="0" lang="en-US" sz="1800" spc="-1" strike="noStrike">
+            <a:endParaRPr b="0" lang="en-GB" sz="1800" spc="-1" strike="noStrike">
               <a:solidFill>
                 <a:srgbClr val="000000"/>
               </a:solidFill>
@@ -15429,7 +15630,7 @@
               </a:rPr>
               <a:t>Rejection</a:t>
             </a:r>
-            <a:endParaRPr b="0" lang="en-US" sz="2000" spc="-1" strike="noStrike">
+            <a:endParaRPr b="0" lang="en-GB" sz="2000" spc="-1" strike="noStrike">
               <a:solidFill>
                 <a:srgbClr val="000000"/>
               </a:solidFill>
@@ -15461,7 +15662,7 @@
               </a:rPr>
               <a:t>If a change is rejected it is communicated</a:t>
             </a:r>
-            <a:endParaRPr b="0" lang="en-US" sz="1800" spc="-1" strike="noStrike">
+            <a:endParaRPr b="0" lang="en-GB" sz="1800" spc="-1" strike="noStrike">
               <a:solidFill>
                 <a:srgbClr val="000000"/>
               </a:solidFill>
@@ -15478,8 +15679,8 @@
         </p:nvSpPr>
         <p:spPr>
           <a:xfrm flipH="1">
-            <a:off x="530640" y="3547800"/>
-            <a:ext cx="4734720" cy="808560"/>
+            <a:off x="529920" y="3547800"/>
+            <a:ext cx="4734360" cy="808200"/>
           </a:xfrm>
           <a:prstGeom prst="borderCallout2">
             <a:avLst>
@@ -15510,11 +15711,17 @@
             <a:noAutofit/>
           </a:bodyPr>
           <a:p>
+            <a:pPr>
+              <a:lnSpc>
+                <a:spcPct val="100000"/>
+              </a:lnSpc>
+            </a:pPr>
             <a:endParaRPr b="0" lang="en-US" sz="1800" spc="-1" strike="noStrike">
               <a:solidFill>
                 <a:srgbClr val="000000"/>
               </a:solidFill>
               <a:latin typeface="Arial"/>
+              <a:ea typeface="DejaVu Sans"/>
             </a:endParaRPr>
           </a:p>
         </p:txBody>
@@ -15528,7 +15735,7 @@
         <p:spPr>
           <a:xfrm flipH="1">
             <a:off x="530280" y="4428000"/>
-            <a:ext cx="5639400" cy="952920"/>
+            <a:ext cx="5639040" cy="952560"/>
           </a:xfrm>
           <a:prstGeom prst="borderCallout2">
             <a:avLst>
@@ -15559,11 +15766,17 @@
             <a:noAutofit/>
           </a:bodyPr>
           <a:p>
+            <a:pPr>
+              <a:lnSpc>
+                <a:spcPct val="100000"/>
+              </a:lnSpc>
+            </a:pPr>
             <a:endParaRPr b="0" lang="en-US" sz="1800" spc="-1" strike="noStrike">
               <a:solidFill>
                 <a:srgbClr val="000000"/>
               </a:solidFill>
               <a:latin typeface="Arial"/>
+              <a:ea typeface="DejaVu Sans"/>
             </a:endParaRPr>
           </a:p>
         </p:txBody>
@@ -15577,7 +15790,7 @@
         <p:spPr>
           <a:xfrm flipH="1">
             <a:off x="540720" y="5436360"/>
-            <a:ext cx="5639400" cy="952920"/>
+            <a:ext cx="5639040" cy="952560"/>
           </a:xfrm>
           <a:prstGeom prst="borderCallout2">
             <a:avLst>
@@ -15608,11 +15821,17 @@
             <a:noAutofit/>
           </a:bodyPr>
           <a:p>
+            <a:pPr>
+              <a:lnSpc>
+                <a:spcPct val="100000"/>
+              </a:lnSpc>
+            </a:pPr>
             <a:endParaRPr b="0" lang="en-US" sz="1800" spc="-1" strike="noStrike">
               <a:solidFill>
                 <a:srgbClr val="000000"/>
               </a:solidFill>
               <a:latin typeface="Arial"/>
+              <a:ea typeface="DejaVu Sans"/>
             </a:endParaRPr>
           </a:p>
         </p:txBody>
@@ -15654,6 +15873,7 @@
                 <a:srgbClr val="000000"/>
               </a:solidFill>
               <a:latin typeface="Arial"/>
+              <a:ea typeface="DejaVu Sans"/>
             </a:endParaRPr>
           </a:p>
         </p:txBody>
@@ -15695,6 +15915,7 @@
                 <a:srgbClr val="000000"/>
               </a:solidFill>
               <a:latin typeface="Arial"/>
+              <a:ea typeface="DejaVu Sans"/>
             </a:endParaRPr>
           </a:p>
         </p:txBody>
@@ -15736,6 +15957,7 @@
                 <a:srgbClr val="000000"/>
               </a:solidFill>
               <a:latin typeface="Arial"/>
+              <a:ea typeface="DejaVu Sans"/>
             </a:endParaRPr>
           </a:p>
         </p:txBody>
@@ -15777,6 +15999,7 @@
                 <a:srgbClr val="000000"/>
               </a:solidFill>
               <a:latin typeface="Arial"/>
+              <a:ea typeface="DejaVu Sans"/>
             </a:endParaRPr>
           </a:p>
         </p:txBody>
@@ -15820,7 +16043,7 @@
         <p:spPr>
           <a:xfrm>
             <a:off x="335520" y="4406760"/>
-            <a:ext cx="10748160" cy="1357200"/>
+            <a:ext cx="10747800" cy="1356840"/>
           </a:xfrm>
           <a:prstGeom prst="rect">
             <a:avLst/>
@@ -15856,7 +16079,7 @@
               </a:rPr>
               <a:t>Summary</a:t>
             </a:r>
-            <a:endParaRPr b="0" lang="en-US" sz="3000" spc="-1" strike="noStrike">
+            <a:endParaRPr b="0" lang="en-GB" sz="3000" spc="-1" strike="noStrike">
               <a:solidFill>
                 <a:srgbClr val="000000"/>
               </a:solidFill>
@@ -15874,7 +16097,7 @@
         <p:spPr>
           <a:xfrm>
             <a:off x="335520" y="2906640"/>
-            <a:ext cx="10748160" cy="1495080"/>
+            <a:ext cx="10747800" cy="1494720"/>
           </a:xfrm>
           <a:prstGeom prst="rect">
             <a:avLst/>
@@ -15895,11 +16118,17 @@
             <a:noAutofit/>
           </a:bodyPr>
           <a:p>
+            <a:pPr>
+              <a:lnSpc>
+                <a:spcPct val="100000"/>
+              </a:lnSpc>
+            </a:pPr>
             <a:endParaRPr b="0" lang="en-US" sz="1800" spc="-1" strike="noStrike">
               <a:solidFill>
                 <a:srgbClr val="000000"/>
               </a:solidFill>
               <a:latin typeface="Arial"/>
+              <a:ea typeface="DejaVu Sans"/>
             </a:endParaRPr>
           </a:p>
         </p:txBody>
@@ -15943,7 +16172,7 @@
         <p:spPr>
           <a:xfrm>
             <a:off x="542880" y="721800"/>
-            <a:ext cx="10356480" cy="497160"/>
+            <a:ext cx="10356120" cy="496800"/>
           </a:xfrm>
           <a:prstGeom prst="rect">
             <a:avLst/>
@@ -15979,7 +16208,7 @@
               </a:rPr>
               <a:t>Summary</a:t>
             </a:r>
-            <a:endParaRPr b="0" lang="en-US" sz="2200" spc="-1" strike="noStrike">
+            <a:endParaRPr b="0" lang="en-GB" sz="2200" spc="-1" strike="noStrike">
               <a:solidFill>
                 <a:srgbClr val="000000"/>
               </a:solidFill>
@@ -15997,7 +16226,7 @@
         <p:spPr>
           <a:xfrm>
             <a:off x="451800" y="1709280"/>
-            <a:ext cx="8223840" cy="4352040"/>
+            <a:ext cx="8223480" cy="4351680"/>
           </a:xfrm>
           <a:prstGeom prst="rect">
             <a:avLst/>
@@ -16018,11 +16247,17 @@
             <a:noAutofit/>
           </a:bodyPr>
           <a:p>
+            <a:pPr>
+              <a:lnSpc>
+                <a:spcPct val="100000"/>
+              </a:lnSpc>
+            </a:pPr>
             <a:endParaRPr b="0" lang="en-US" sz="1800" spc="-1" strike="noStrike">
               <a:solidFill>
                 <a:srgbClr val="000000"/>
               </a:solidFill>
               <a:latin typeface="Arial"/>
+              <a:ea typeface="DejaVu Sans"/>
             </a:endParaRPr>
           </a:p>
         </p:txBody>
@@ -16040,7 +16275,7 @@
         <p:spPr>
           <a:xfrm>
             <a:off x="609480" y="1769400"/>
-            <a:ext cx="10586880" cy="4854960"/>
+            <a:ext cx="10586520" cy="4854600"/>
           </a:xfrm>
           <a:prstGeom prst="rect">
             <a:avLst/>
@@ -16079,7 +16314,7 @@
               </a:rPr>
               <a:t>Requirements of complex projects need to be managed</a:t>
             </a:r>
-            <a:endParaRPr b="0" lang="en-US" sz="2000" spc="-1" strike="noStrike">
+            <a:endParaRPr b="0" lang="en-GB" sz="2000" spc="-1" strike="noStrike">
               <a:solidFill>
                 <a:srgbClr val="000000"/>
               </a:solidFill>
@@ -16111,7 +16346,7 @@
               </a:rPr>
               <a:t>Requirements can change throughout a project</a:t>
             </a:r>
-            <a:endParaRPr b="0" lang="en-US" sz="2000" spc="-1" strike="noStrike">
+            <a:endParaRPr b="0" lang="en-GB" sz="2000" spc="-1" strike="noStrike">
               <a:solidFill>
                 <a:srgbClr val="000000"/>
               </a:solidFill>
@@ -16143,7 +16378,7 @@
               </a:rPr>
               <a:t>Changes need to be structured and processed</a:t>
             </a:r>
-            <a:endParaRPr b="0" lang="en-US" sz="2000" spc="-1" strike="noStrike">
+            <a:endParaRPr b="0" lang="en-GB" sz="2000" spc="-1" strike="noStrike">
               <a:solidFill>
                 <a:srgbClr val="000000"/>
               </a:solidFill>
@@ -16175,7 +16410,7 @@
               </a:rPr>
               <a:t>Change management defines how change requests are handled</a:t>
             </a:r>
-            <a:endParaRPr b="0" lang="en-US" sz="2000" spc="-1" strike="noStrike">
+            <a:endParaRPr b="0" lang="en-GB" sz="2000" spc="-1" strike="noStrike">
               <a:solidFill>
                 <a:srgbClr val="000000"/>
               </a:solidFill>
@@ -16227,7 +16462,7 @@
               </a:rPr>
               <a:t>Evaluates and approves/rejects changes</a:t>
             </a:r>
-            <a:endParaRPr b="0" lang="en-US" sz="2000" spc="-1" strike="noStrike">
+            <a:endParaRPr b="0" lang="en-GB" sz="2000" spc="-1" strike="noStrike">
               <a:solidFill>
                 <a:srgbClr val="000000"/>
               </a:solidFill>
@@ -16259,7 +16494,7 @@
               </a:rPr>
               <a:t>Handling change requests requires a process on its own</a:t>
             </a:r>
-            <a:endParaRPr b="0" lang="en-US" sz="2000" spc="-1" strike="noStrike">
+            <a:endParaRPr b="0" lang="en-GB" sz="2000" spc="-1" strike="noStrike">
               <a:solidFill>
                 <a:srgbClr val="000000"/>
               </a:solidFill>
@@ -16307,7 +16542,7 @@
         <p:spPr>
           <a:xfrm>
             <a:off x="335520" y="1268640"/>
-            <a:ext cx="10744920" cy="5032440"/>
+            <a:ext cx="10744560" cy="5032080"/>
           </a:xfrm>
           <a:prstGeom prst="rect">
             <a:avLst/>
@@ -16349,7 +16584,7 @@
               </a:rPr>
               <a:t>Questions?</a:t>
             </a:r>
-            <a:endParaRPr b="0" lang="en-US" sz="4000" spc="-1" strike="noStrike">
+            <a:endParaRPr b="0" lang="en-GB" sz="4000" spc="-1" strike="noStrike">
               <a:solidFill>
                 <a:srgbClr val="000000"/>
               </a:solidFill>
@@ -16367,7 +16602,7 @@
         <p:spPr>
           <a:xfrm>
             <a:off x="335520" y="764640"/>
-            <a:ext cx="10744920" cy="495720"/>
+            <a:ext cx="10744560" cy="495360"/>
           </a:xfrm>
           <a:prstGeom prst="rect">
             <a:avLst/>
@@ -16388,11 +16623,17 @@
             <a:noAutofit/>
           </a:bodyPr>
           <a:p>
+            <a:pPr>
+              <a:lnSpc>
+                <a:spcPct val="100000"/>
+              </a:lnSpc>
+            </a:pPr>
             <a:endParaRPr b="0" lang="en-US" sz="1800" spc="-1" strike="noStrike">
               <a:solidFill>
                 <a:srgbClr val="000000"/>
               </a:solidFill>
               <a:latin typeface="Arial"/>
+              <a:ea typeface="DejaVu Sans"/>
             </a:endParaRPr>
           </a:p>
         </p:txBody>
@@ -16436,7 +16677,7 @@
         <p:spPr>
           <a:xfrm>
             <a:off x="542880" y="721800"/>
-            <a:ext cx="10356480" cy="497160"/>
+            <a:ext cx="10356120" cy="496800"/>
           </a:xfrm>
           <a:prstGeom prst="rect">
             <a:avLst/>
@@ -16472,7 +16713,7 @@
               </a:rPr>
               <a:t>Lecture 12: Requirements Management</a:t>
             </a:r>
-            <a:endParaRPr b="0" lang="en-US" sz="2200" spc="-1" strike="noStrike">
+            <a:endParaRPr b="0" lang="en-GB" sz="2200" spc="-1" strike="noStrike">
               <a:solidFill>
                 <a:srgbClr val="000000"/>
               </a:solidFill>
@@ -16490,7 +16731,7 @@
         <p:spPr>
           <a:xfrm>
             <a:off x="542880" y="1267200"/>
-            <a:ext cx="10356480" cy="497160"/>
+            <a:ext cx="10356120" cy="496800"/>
           </a:xfrm>
           <a:prstGeom prst="rect">
             <a:avLst/>
@@ -16526,7 +16767,7 @@
               </a:rPr>
               <a:t>Content</a:t>
             </a:r>
-            <a:endParaRPr b="0" lang="en-US" sz="2200" spc="-1" strike="noStrike">
+            <a:endParaRPr b="0" lang="en-GB" sz="2200" spc="-1" strike="noStrike">
               <a:solidFill>
                 <a:srgbClr val="000000"/>
               </a:solidFill>
@@ -16544,7 +16785,7 @@
         <p:spPr>
           <a:xfrm>
             <a:off x="451800" y="1709280"/>
-            <a:ext cx="8223840" cy="4352040"/>
+            <a:ext cx="8223480" cy="4351680"/>
           </a:xfrm>
           <a:prstGeom prst="rect">
             <a:avLst/>
@@ -16591,7 +16832,7 @@
               </a:rPr>
               <a:t>Manage Requirements</a:t>
             </a:r>
-            <a:endParaRPr b="0" lang="en-US" sz="1800" spc="-1" strike="noStrike">
+            <a:endParaRPr b="0" lang="en-GB" sz="1800" spc="-1" strike="noStrike">
               <a:solidFill>
                 <a:srgbClr val="000000"/>
               </a:solidFill>
@@ -16625,7 +16866,7 @@
               </a:rPr>
               <a:t>Change Management</a:t>
             </a:r>
-            <a:endParaRPr b="0" lang="en-US" sz="1800" spc="-1" strike="noStrike">
+            <a:endParaRPr b="0" lang="en-GB" sz="1800" spc="-1" strike="noStrike">
               <a:solidFill>
                 <a:srgbClr val="000000"/>
               </a:solidFill>
@@ -16673,7 +16914,7 @@
         <p:spPr>
           <a:xfrm>
             <a:off x="335520" y="4406760"/>
-            <a:ext cx="10748160" cy="1357200"/>
+            <a:ext cx="10747800" cy="1356840"/>
           </a:xfrm>
           <a:prstGeom prst="rect">
             <a:avLst/>
@@ -16709,7 +16950,7 @@
               </a:rPr>
               <a:t>Manage Requirements</a:t>
             </a:r>
-            <a:endParaRPr b="0" lang="en-US" sz="3000" spc="-1" strike="noStrike">
+            <a:endParaRPr b="0" lang="en-GB" sz="3000" spc="-1" strike="noStrike">
               <a:solidFill>
                 <a:srgbClr val="000000"/>
               </a:solidFill>
@@ -16727,7 +16968,7 @@
         <p:spPr>
           <a:xfrm>
             <a:off x="335520" y="2906640"/>
-            <a:ext cx="10748160" cy="1495080"/>
+            <a:ext cx="10747800" cy="1494720"/>
           </a:xfrm>
           <a:prstGeom prst="rect">
             <a:avLst/>
@@ -16748,11 +16989,17 @@
             <a:noAutofit/>
           </a:bodyPr>
           <a:p>
+            <a:pPr>
+              <a:lnSpc>
+                <a:spcPct val="100000"/>
+              </a:lnSpc>
+            </a:pPr>
             <a:endParaRPr b="0" lang="en-US" sz="1800" spc="-1" strike="noStrike">
               <a:solidFill>
                 <a:srgbClr val="000000"/>
               </a:solidFill>
               <a:latin typeface="Arial"/>
+              <a:ea typeface="DejaVu Sans"/>
             </a:endParaRPr>
           </a:p>
         </p:txBody>
@@ -16796,7 +17043,7 @@
         <p:spPr>
           <a:xfrm>
             <a:off x="542880" y="721800"/>
-            <a:ext cx="10356480" cy="497160"/>
+            <a:ext cx="10356120" cy="496800"/>
           </a:xfrm>
           <a:prstGeom prst="rect">
             <a:avLst/>
@@ -16832,7 +17079,7 @@
               </a:rPr>
               <a:t>Manage Requirements</a:t>
             </a:r>
-            <a:endParaRPr b="0" lang="en-US" sz="2200" spc="-1" strike="noStrike">
+            <a:endParaRPr b="0" lang="en-GB" sz="2200" spc="-1" strike="noStrike">
               <a:solidFill>
                 <a:srgbClr val="000000"/>
               </a:solidFill>
@@ -16850,7 +17097,7 @@
         <p:spPr>
           <a:xfrm>
             <a:off x="542880" y="1267200"/>
-            <a:ext cx="10356480" cy="497160"/>
+            <a:ext cx="10356120" cy="496800"/>
           </a:xfrm>
           <a:prstGeom prst="rect">
             <a:avLst/>
@@ -16886,7 +17133,7 @@
               </a:rPr>
               <a:t>Motivation – Why do you need to manage requirements?</a:t>
             </a:r>
-            <a:endParaRPr b="0" lang="en-US" sz="2200" spc="-1" strike="noStrike">
+            <a:endParaRPr b="0" lang="en-GB" sz="2200" spc="-1" strike="noStrike">
               <a:solidFill>
                 <a:srgbClr val="000000"/>
               </a:solidFill>
@@ -16904,7 +17151,7 @@
         <p:spPr>
           <a:xfrm>
             <a:off x="451800" y="1709280"/>
-            <a:ext cx="8223840" cy="4352040"/>
+            <a:ext cx="8223480" cy="4351680"/>
           </a:xfrm>
           <a:prstGeom prst="rect">
             <a:avLst/>
@@ -16925,11 +17172,17 @@
             <a:noAutofit/>
           </a:bodyPr>
           <a:p>
+            <a:pPr>
+              <a:lnSpc>
+                <a:spcPct val="100000"/>
+              </a:lnSpc>
+            </a:pPr>
             <a:endParaRPr b="0" lang="en-US" sz="1800" spc="-1" strike="noStrike">
               <a:solidFill>
                 <a:srgbClr val="000000"/>
               </a:solidFill>
               <a:latin typeface="Arial"/>
+              <a:ea typeface="DejaVu Sans"/>
             </a:endParaRPr>
           </a:p>
         </p:txBody>
@@ -16947,7 +17200,7 @@
         <p:spPr>
           <a:xfrm>
             <a:off x="609480" y="1769400"/>
-            <a:ext cx="10586880" cy="4854960"/>
+            <a:ext cx="10586520" cy="4854600"/>
           </a:xfrm>
           <a:prstGeom prst="rect">
             <a:avLst/>
@@ -16986,7 +17239,7 @@
               </a:rPr>
               <a:t>Number/scope of requirements and further information</a:t>
             </a:r>
-            <a:endParaRPr b="0" lang="en-US" sz="2000" spc="-1" strike="noStrike">
+            <a:endParaRPr b="0" lang="en-GB" sz="2000" spc="-1" strike="noStrike">
               <a:solidFill>
                 <a:srgbClr val="000000"/>
               </a:solidFill>
@@ -17018,7 +17271,7 @@
               </a:rPr>
               <a:t>Expected product lifetime</a:t>
             </a:r>
-            <a:endParaRPr b="0" lang="en-US" sz="2000" spc="-1" strike="noStrike">
+            <a:endParaRPr b="0" lang="en-GB" sz="2000" spc="-1" strike="noStrike">
               <a:solidFill>
                 <a:srgbClr val="000000"/>
               </a:solidFill>
@@ -17050,7 +17303,7 @@
               </a:rPr>
               <a:t>Rate of changes to requirements and related docs</a:t>
             </a:r>
-            <a:endParaRPr b="0" lang="en-US" sz="2000" spc="-1" strike="noStrike">
+            <a:endParaRPr b="0" lang="en-GB" sz="2000" spc="-1" strike="noStrike">
               <a:solidFill>
                 <a:srgbClr val="000000"/>
               </a:solidFill>
@@ -17082,7 +17335,7 @@
               </a:rPr>
               <a:t>Number of stakeholders</a:t>
             </a:r>
-            <a:endParaRPr b="0" lang="en-US" sz="2000" spc="-1" strike="noStrike">
+            <a:endParaRPr b="0" lang="en-GB" sz="2000" spc="-1" strike="noStrike">
               <a:solidFill>
                 <a:srgbClr val="000000"/>
               </a:solidFill>
@@ -17114,7 +17367,7 @@
               </a:rPr>
               <a:t>Availability of stakeholders</a:t>
             </a:r>
-            <a:endParaRPr b="0" lang="en-US" sz="2000" spc="-1" strike="noStrike">
+            <a:endParaRPr b="0" lang="en-GB" sz="2000" spc="-1" strike="noStrike">
               <a:solidFill>
                 <a:srgbClr val="000000"/>
               </a:solidFill>
@@ -17146,7 +17399,7 @@
               </a:rPr>
               <a:t>Heterogenous nature of stakeholder opinons</a:t>
             </a:r>
-            <a:endParaRPr b="0" lang="en-US" sz="2000" spc="-1" strike="noStrike">
+            <a:endParaRPr b="0" lang="en-GB" sz="2000" spc="-1" strike="noStrike">
               <a:solidFill>
                 <a:srgbClr val="000000"/>
               </a:solidFill>
@@ -17178,7 +17431,7 @@
               </a:rPr>
               <a:t>Future reusability</a:t>
             </a:r>
-            <a:endParaRPr b="0" lang="en-US" sz="2000" spc="-1" strike="noStrike">
+            <a:endParaRPr b="0" lang="en-GB" sz="2000" spc="-1" strike="noStrike">
               <a:solidFill>
                 <a:srgbClr val="000000"/>
               </a:solidFill>
@@ -17210,7 +17463,7 @@
               </a:rPr>
               <a:t>Number of expected releases</a:t>
             </a:r>
-            <a:endParaRPr b="0" lang="en-US" sz="2000" spc="-1" strike="noStrike">
+            <a:endParaRPr b="0" lang="en-GB" sz="2000" spc="-1" strike="noStrike">
               <a:solidFill>
                 <a:srgbClr val="000000"/>
               </a:solidFill>
@@ -17242,7 +17495,7 @@
               </a:rPr>
               <a:t>Etc.</a:t>
             </a:r>
-            <a:endParaRPr b="0" lang="en-US" sz="2000" spc="-1" strike="noStrike">
+            <a:endParaRPr b="0" lang="en-GB" sz="2000" spc="-1" strike="noStrike">
               <a:solidFill>
                 <a:srgbClr val="000000"/>
               </a:solidFill>
@@ -17290,7 +17543,7 @@
         <p:spPr>
           <a:xfrm>
             <a:off x="542880" y="721800"/>
-            <a:ext cx="10356480" cy="497160"/>
+            <a:ext cx="10356120" cy="496800"/>
           </a:xfrm>
           <a:prstGeom prst="rect">
             <a:avLst/>
@@ -17326,7 +17579,7 @@
               </a:rPr>
               <a:t>Manage Requirements</a:t>
             </a:r>
-            <a:endParaRPr b="0" lang="en-US" sz="2200" spc="-1" strike="noStrike">
+            <a:endParaRPr b="0" lang="en-GB" sz="2200" spc="-1" strike="noStrike">
               <a:solidFill>
                 <a:srgbClr val="000000"/>
               </a:solidFill>
@@ -17344,7 +17597,7 @@
         <p:spPr>
           <a:xfrm>
             <a:off x="542880" y="1267200"/>
-            <a:ext cx="10356480" cy="497160"/>
+            <a:ext cx="10356120" cy="496800"/>
           </a:xfrm>
           <a:prstGeom prst="rect">
             <a:avLst/>
@@ -17380,7 +17633,7 @@
               </a:rPr>
               <a:t>Motivation – What exactly needs to be managed?</a:t>
             </a:r>
-            <a:endParaRPr b="0" lang="en-US" sz="2200" spc="-1" strike="noStrike">
+            <a:endParaRPr b="0" lang="en-GB" sz="2200" spc="-1" strike="noStrike">
               <a:solidFill>
                 <a:srgbClr val="000000"/>
               </a:solidFill>
@@ -17398,7 +17651,7 @@
         <p:spPr>
           <a:xfrm>
             <a:off x="542880" y="2014200"/>
-            <a:ext cx="1654560" cy="918000"/>
+            <a:ext cx="1654200" cy="917640"/>
           </a:xfrm>
           <a:prstGeom prst="flowChartPunchedCard">
             <a:avLst/>
@@ -17446,7 +17699,7 @@
               </a:rPr>
               <a:t>Requirements</a:t>
             </a:r>
-            <a:endParaRPr b="0" lang="en-US" sz="1600" spc="-1" strike="noStrike">
+            <a:endParaRPr b="0" lang="en-GB" sz="1600" spc="-1" strike="noStrike">
               <a:solidFill>
                 <a:srgbClr val="000000"/>
               </a:solidFill>
@@ -17464,7 +17717,7 @@
         <p:spPr>
           <a:xfrm>
             <a:off x="2394720" y="3192480"/>
-            <a:ext cx="1654560" cy="918000"/>
+            <a:ext cx="1654200" cy="917640"/>
           </a:xfrm>
           <a:prstGeom prst="flowChartPunchedCard">
             <a:avLst/>
@@ -17512,7 +17765,7 @@
               </a:rPr>
               <a:t>Epics</a:t>
             </a:r>
-            <a:endParaRPr b="0" lang="en-US" sz="1600" spc="-1" strike="noStrike">
+            <a:endParaRPr b="0" lang="en-GB" sz="1600" spc="-1" strike="noStrike">
               <a:solidFill>
                 <a:srgbClr val="000000"/>
               </a:solidFill>
@@ -17530,7 +17783,7 @@
         <p:spPr>
           <a:xfrm>
             <a:off x="2394720" y="2014200"/>
-            <a:ext cx="1654560" cy="918000"/>
+            <a:ext cx="1654200" cy="917640"/>
           </a:xfrm>
           <a:prstGeom prst="flowChartPunchedCard">
             <a:avLst/>
@@ -17578,7 +17831,7 @@
               </a:rPr>
               <a:t>Definitions</a:t>
             </a:r>
-            <a:endParaRPr b="0" lang="en-US" sz="1600" spc="-1" strike="noStrike">
+            <a:endParaRPr b="0" lang="en-GB" sz="1600" spc="-1" strike="noStrike">
               <a:solidFill>
                 <a:srgbClr val="000000"/>
               </a:solidFill>
@@ -17596,7 +17849,7 @@
         <p:spPr>
           <a:xfrm>
             <a:off x="4246200" y="2014200"/>
-            <a:ext cx="1654560" cy="918000"/>
+            <a:ext cx="1654200" cy="917640"/>
           </a:xfrm>
           <a:prstGeom prst="flowChartPunchedCard">
             <a:avLst/>
@@ -17644,7 +17897,7 @@
               </a:rPr>
               <a:t>Goals</a:t>
             </a:r>
-            <a:endParaRPr b="0" lang="en-US" sz="1600" spc="-1" strike="noStrike">
+            <a:endParaRPr b="0" lang="en-GB" sz="1600" spc="-1" strike="noStrike">
               <a:solidFill>
                 <a:srgbClr val="000000"/>
               </a:solidFill>
@@ -17662,7 +17915,7 @@
         <p:spPr>
           <a:xfrm>
             <a:off x="7945560" y="1958040"/>
-            <a:ext cx="1654560" cy="918000"/>
+            <a:ext cx="1654200" cy="917640"/>
           </a:xfrm>
           <a:prstGeom prst="flowChartPunchedCard">
             <a:avLst/>
@@ -17710,7 +17963,7 @@
               </a:rPr>
               <a:t>Test Case</a:t>
             </a:r>
-            <a:endParaRPr b="0" lang="en-US" sz="1600" spc="-1" strike="noStrike">
+            <a:endParaRPr b="0" lang="en-GB" sz="1600" spc="-1" strike="noStrike">
               <a:solidFill>
                 <a:srgbClr val="000000"/>
               </a:solidFill>
@@ -17728,7 +17981,7 @@
         <p:spPr>
           <a:xfrm>
             <a:off x="6095880" y="2014200"/>
-            <a:ext cx="1654560" cy="918000"/>
+            <a:ext cx="1654200" cy="917640"/>
           </a:xfrm>
           <a:prstGeom prst="flowChartPunchedCard">
             <a:avLst/>
@@ -17776,7 +18029,7 @@
               </a:rPr>
               <a:t>Assumptions</a:t>
             </a:r>
-            <a:endParaRPr b="0" lang="en-US" sz="1600" spc="-1" strike="noStrike">
+            <a:endParaRPr b="0" lang="en-GB" sz="1600" spc="-1" strike="noStrike">
               <a:solidFill>
                 <a:srgbClr val="000000"/>
               </a:solidFill>
@@ -17794,7 +18047,7 @@
         <p:spPr>
           <a:xfrm>
             <a:off x="4246200" y="3182400"/>
-            <a:ext cx="1654560" cy="918000"/>
+            <a:ext cx="1654200" cy="917640"/>
           </a:xfrm>
           <a:prstGeom prst="flowChartPunchedCard">
             <a:avLst/>
@@ -17842,7 +18095,7 @@
               </a:rPr>
               <a:t>Use Case</a:t>
             </a:r>
-            <a:endParaRPr b="0" lang="en-US" sz="1600" spc="-1" strike="noStrike">
+            <a:endParaRPr b="0" lang="en-GB" sz="1600" spc="-1" strike="noStrike">
               <a:solidFill>
                 <a:srgbClr val="000000"/>
               </a:solidFill>
@@ -17860,7 +18113,7 @@
         <p:spPr>
           <a:xfrm>
             <a:off x="542160" y="3192480"/>
-            <a:ext cx="1654560" cy="918000"/>
+            <a:ext cx="1654200" cy="917640"/>
           </a:xfrm>
           <a:prstGeom prst="flowChartPunchedCard">
             <a:avLst/>
@@ -17908,7 +18161,7 @@
               </a:rPr>
               <a:t>User Story</a:t>
             </a:r>
-            <a:endParaRPr b="0" lang="en-US" sz="1600" spc="-1" strike="noStrike">
+            <a:endParaRPr b="0" lang="en-GB" sz="1600" spc="-1" strike="noStrike">
               <a:solidFill>
                 <a:srgbClr val="000000"/>
               </a:solidFill>
@@ -17926,7 +18179,7 @@
         <p:spPr>
           <a:xfrm>
             <a:off x="542160" y="5553360"/>
-            <a:ext cx="1654560" cy="918000"/>
+            <a:ext cx="1654200" cy="917640"/>
           </a:xfrm>
           <a:prstGeom prst="flowChartPunchedCard">
             <a:avLst/>
@@ -17974,7 +18227,7 @@
               </a:rPr>
               <a:t>Change Request</a:t>
             </a:r>
-            <a:endParaRPr b="0" lang="en-US" sz="1600" spc="-1" strike="noStrike">
+            <a:endParaRPr b="0" lang="en-GB" sz="1600" spc="-1" strike="noStrike">
               <a:solidFill>
                 <a:srgbClr val="000000"/>
               </a:solidFill>
@@ -17992,7 +18245,7 @@
         <p:spPr>
           <a:xfrm>
             <a:off x="2394720" y="5553000"/>
-            <a:ext cx="1654560" cy="918000"/>
+            <a:ext cx="1654200" cy="917640"/>
           </a:xfrm>
           <a:prstGeom prst="flowChartPunchedCard">
             <a:avLst/>
@@ -18040,7 +18293,7 @@
               </a:rPr>
               <a:t>Issues</a:t>
             </a:r>
-            <a:endParaRPr b="0" lang="en-US" sz="1600" spc="-1" strike="noStrike">
+            <a:endParaRPr b="0" lang="en-GB" sz="1600" spc="-1" strike="noStrike">
               <a:solidFill>
                 <a:srgbClr val="000000"/>
               </a:solidFill>
@@ -18058,7 +18311,7 @@
         <p:spPr>
           <a:xfrm>
             <a:off x="542160" y="4375080"/>
-            <a:ext cx="1654560" cy="918000"/>
+            <a:ext cx="1654200" cy="917640"/>
           </a:xfrm>
           <a:prstGeom prst="flowChartPunchedCard">
             <a:avLst/>
@@ -18106,7 +18359,7 @@
               </a:rPr>
               <a:t>Architecture Description</a:t>
             </a:r>
-            <a:endParaRPr b="0" lang="en-US" sz="1600" spc="-1" strike="noStrike">
+            <a:endParaRPr b="0" lang="en-GB" sz="1600" spc="-1" strike="noStrike">
               <a:solidFill>
                 <a:srgbClr val="000000"/>
               </a:solidFill>
@@ -18154,7 +18407,7 @@
         <p:spPr>
           <a:xfrm>
             <a:off x="542880" y="721800"/>
-            <a:ext cx="10356480" cy="497160"/>
+            <a:ext cx="10356120" cy="496800"/>
           </a:xfrm>
           <a:prstGeom prst="rect">
             <a:avLst/>
@@ -18190,7 +18443,7 @@
               </a:rPr>
               <a:t>Manage Requirements</a:t>
             </a:r>
-            <a:endParaRPr b="0" lang="en-US" sz="2200" spc="-1" strike="noStrike">
+            <a:endParaRPr b="0" lang="en-GB" sz="2200" spc="-1" strike="noStrike">
               <a:solidFill>
                 <a:srgbClr val="000000"/>
               </a:solidFill>
@@ -18208,7 +18461,7 @@
         <p:spPr>
           <a:xfrm>
             <a:off x="542880" y="1267200"/>
-            <a:ext cx="10356480" cy="497160"/>
+            <a:ext cx="10356120" cy="496800"/>
           </a:xfrm>
           <a:prstGeom prst="rect">
             <a:avLst/>
@@ -18244,7 +18497,7 @@
               </a:rPr>
               <a:t>Definition – Management in Requirements Engineering</a:t>
             </a:r>
-            <a:endParaRPr b="0" lang="en-US" sz="2200" spc="-1" strike="noStrike">
+            <a:endParaRPr b="0" lang="en-GB" sz="2200" spc="-1" strike="noStrike">
               <a:solidFill>
                 <a:srgbClr val="000000"/>
               </a:solidFill>
@@ -18262,7 +18515,7 @@
         <p:spPr>
           <a:xfrm>
             <a:off x="451800" y="1709280"/>
-            <a:ext cx="8223840" cy="4352040"/>
+            <a:ext cx="8223480" cy="4351680"/>
           </a:xfrm>
           <a:prstGeom prst="rect">
             <a:avLst/>
@@ -18283,11 +18536,17 @@
             <a:noAutofit/>
           </a:bodyPr>
           <a:p>
+            <a:pPr>
+              <a:lnSpc>
+                <a:spcPct val="100000"/>
+              </a:lnSpc>
+            </a:pPr>
             <a:endParaRPr b="0" lang="en-US" sz="1800" spc="-1" strike="noStrike">
               <a:solidFill>
                 <a:srgbClr val="000000"/>
               </a:solidFill>
               <a:latin typeface="Arial"/>
+              <a:ea typeface="DejaVu Sans"/>
             </a:endParaRPr>
           </a:p>
         </p:txBody>
@@ -18305,7 +18564,7 @@
         <p:spPr>
           <a:xfrm>
             <a:off x="588240" y="1769400"/>
-            <a:ext cx="10608120" cy="4637880"/>
+            <a:ext cx="10607760" cy="4637520"/>
           </a:xfrm>
           <a:prstGeom prst="rect">
             <a:avLst/>
@@ -18352,7 +18611,7 @@
               </a:rPr>
               <a:t>The process of managing existing requirements and requirements related work products, including the storing, changing and tracing of requirements (traceability).”</a:t>
             </a:r>
-            <a:endParaRPr b="0" lang="en-US" sz="2000" spc="-1" strike="noStrike">
+            <a:endParaRPr b="0" lang="en-GB" sz="2000" spc="-1" strike="noStrike">
               <a:solidFill>
                 <a:srgbClr val="000000"/>
               </a:solidFill>
@@ -18370,7 +18629,7 @@
         <p:spPr>
           <a:xfrm>
             <a:off x="602640" y="3174480"/>
-            <a:ext cx="10579680" cy="1878840"/>
+            <a:ext cx="10579320" cy="1878480"/>
           </a:xfrm>
           <a:prstGeom prst="roundRect">
             <a:avLst>
@@ -18402,11 +18661,17 @@
             <a:noAutofit/>
           </a:bodyPr>
           <a:p>
+            <a:pPr>
+              <a:lnSpc>
+                <a:spcPct val="100000"/>
+              </a:lnSpc>
+            </a:pPr>
             <a:endParaRPr b="0" lang="en-US" sz="1800" spc="-1" strike="noStrike">
               <a:solidFill>
                 <a:srgbClr val="000000"/>
               </a:solidFill>
               <a:latin typeface="Arial"/>
+              <a:ea typeface="DejaVu Sans"/>
             </a:endParaRPr>
           </a:p>
         </p:txBody>
@@ -18420,7 +18685,7 @@
         <p:spPr>
           <a:xfrm>
             <a:off x="263520" y="6411600"/>
-            <a:ext cx="10918800" cy="227160"/>
+            <a:ext cx="10918440" cy="226800"/>
           </a:xfrm>
           <a:prstGeom prst="rect">
             <a:avLst/>
@@ -18466,7 +18731,7 @@
               </a:rPr>
               <a:t>A Glossary of Requirements Engineering Terminology (Standard Glossary for the Certified Professional for Requirements Engineering (CPRE) Studies and Exam)</a:t>
             </a:r>
-            <a:endParaRPr b="0" lang="en-US" sz="900" spc="-1" strike="noStrike">
+            <a:endParaRPr b="0" lang="en-GB" sz="900" spc="-1" strike="noStrike">
               <a:solidFill>
                 <a:srgbClr val="000000"/>
               </a:solidFill>
@@ -18514,7 +18779,7 @@
         <p:spPr>
           <a:xfrm>
             <a:off x="542880" y="721800"/>
-            <a:ext cx="10356480" cy="497160"/>
+            <a:ext cx="10356120" cy="496800"/>
           </a:xfrm>
           <a:prstGeom prst="rect">
             <a:avLst/>
@@ -18550,7 +18815,7 @@
               </a:rPr>
               <a:t>Manage Requirements</a:t>
             </a:r>
-            <a:endParaRPr b="0" lang="en-US" sz="2200" spc="-1" strike="noStrike">
+            <a:endParaRPr b="0" lang="en-GB" sz="2200" spc="-1" strike="noStrike">
               <a:solidFill>
                 <a:srgbClr val="000000"/>
               </a:solidFill>
@@ -18568,7 +18833,7 @@
         <p:spPr>
           <a:xfrm>
             <a:off x="542880" y="1267200"/>
-            <a:ext cx="10356480" cy="497160"/>
+            <a:ext cx="10356120" cy="496800"/>
           </a:xfrm>
           <a:prstGeom prst="rect">
             <a:avLst/>
@@ -18604,7 +18869,7 @@
               </a:rPr>
               <a:t>Information model - Simple</a:t>
             </a:r>
-            <a:endParaRPr b="0" lang="en-US" sz="2200" spc="-1" strike="noStrike">
+            <a:endParaRPr b="0" lang="en-GB" sz="2200" spc="-1" strike="noStrike">
               <a:solidFill>
                 <a:srgbClr val="000000"/>
               </a:solidFill>
@@ -18622,7 +18887,7 @@
         <p:spPr>
           <a:xfrm>
             <a:off x="451800" y="1709280"/>
-            <a:ext cx="8223840" cy="4352040"/>
+            <a:ext cx="8223480" cy="4351680"/>
           </a:xfrm>
           <a:prstGeom prst="rect">
             <a:avLst/>
@@ -18643,11 +18908,17 @@
             <a:noAutofit/>
           </a:bodyPr>
           <a:p>
+            <a:pPr>
+              <a:lnSpc>
+                <a:spcPct val="100000"/>
+              </a:lnSpc>
+            </a:pPr>
             <a:endParaRPr b="0" lang="en-US" sz="1800" spc="-1" strike="noStrike">
               <a:solidFill>
                 <a:srgbClr val="000000"/>
               </a:solidFill>
               <a:latin typeface="Arial"/>
+              <a:ea typeface="DejaVu Sans"/>
             </a:endParaRPr>
           </a:p>
         </p:txBody>
@@ -18665,7 +18936,7 @@
         <p:spPr>
           <a:xfrm>
             <a:off x="672480" y="2766240"/>
-            <a:ext cx="10097280" cy="1721880"/>
+            <a:ext cx="10096920" cy="1721520"/>
           </a:xfrm>
           <a:prstGeom prst="rect">
             <a:avLst/>
@@ -18684,7 +18955,7 @@
         <p:spPr>
           <a:xfrm>
             <a:off x="263520" y="6411600"/>
-            <a:ext cx="10918800" cy="227160"/>
+            <a:ext cx="10918440" cy="226800"/>
           </a:xfrm>
           <a:prstGeom prst="rect">
             <a:avLst/>
@@ -18750,7 +19021,7 @@
               </a:rPr>
               <a:t> Edition)</a:t>
             </a:r>
-            <a:endParaRPr b="0" lang="en-US" sz="900" spc="-1" strike="noStrike">
+            <a:endParaRPr b="0" lang="en-GB" sz="900" spc="-1" strike="noStrike">
               <a:solidFill>
                 <a:srgbClr val="000000"/>
               </a:solidFill>
@@ -18798,7 +19069,7 @@
         <p:spPr>
           <a:xfrm>
             <a:off x="542880" y="721800"/>
-            <a:ext cx="10356480" cy="497160"/>
+            <a:ext cx="10356120" cy="496800"/>
           </a:xfrm>
           <a:prstGeom prst="rect">
             <a:avLst/>
@@ -18834,7 +19105,7 @@
               </a:rPr>
               <a:t>Manage Requirements</a:t>
             </a:r>
-            <a:endParaRPr b="0" lang="en-US" sz="2200" spc="-1" strike="noStrike">
+            <a:endParaRPr b="0" lang="en-GB" sz="2200" spc="-1" strike="noStrike">
               <a:solidFill>
                 <a:srgbClr val="000000"/>
               </a:solidFill>
@@ -18852,7 +19123,7 @@
         <p:spPr>
           <a:xfrm>
             <a:off x="542880" y="1267200"/>
-            <a:ext cx="10356480" cy="497160"/>
+            <a:ext cx="10356120" cy="496800"/>
           </a:xfrm>
           <a:prstGeom prst="rect">
             <a:avLst/>
@@ -18888,7 +19159,7 @@
               </a:rPr>
               <a:t>Information model – More complex</a:t>
             </a:r>
-            <a:endParaRPr b="0" lang="en-US" sz="2200" spc="-1" strike="noStrike">
+            <a:endParaRPr b="0" lang="en-GB" sz="2200" spc="-1" strike="noStrike">
               <a:solidFill>
                 <a:srgbClr val="000000"/>
               </a:solidFill>
@@ -18906,7 +19177,7 @@
         <p:spPr>
           <a:xfrm>
             <a:off x="263520" y="6411600"/>
-            <a:ext cx="10918800" cy="227160"/>
+            <a:ext cx="10918440" cy="226800"/>
           </a:xfrm>
           <a:prstGeom prst="rect">
             <a:avLst/>
@@ -18972,7 +19243,7 @@
               </a:rPr>
               <a:t> Edition)</a:t>
             </a:r>
-            <a:endParaRPr b="0" lang="en-US" sz="900" spc="-1" strike="noStrike">
+            <a:endParaRPr b="0" lang="en-GB" sz="900" spc="-1" strike="noStrike">
               <a:solidFill>
                 <a:srgbClr val="000000"/>
               </a:solidFill>
@@ -18994,7 +19265,7 @@
         <p:spPr>
           <a:xfrm>
             <a:off x="219600" y="2319840"/>
-            <a:ext cx="11003040" cy="3130920"/>
+            <a:ext cx="11002680" cy="3130560"/>
           </a:xfrm>
           <a:prstGeom prst="rect">
             <a:avLst/>
@@ -19018,7 +19289,7 @@
 </file>
 
 <file path=ppt/theme/theme1.xml><?xml version="1.0" encoding="utf-8"?>
-<a:theme xmlns:a="http://schemas.openxmlformats.org/drawingml/2006/main" xmlns:r="http://schemas.openxmlformats.org/officeDocument/2006/relationships" name="Office Theme">
+<a:theme xmlns:a="http://schemas.openxmlformats.org/drawingml/2006/main" name="Office Theme">
   <a:themeElements>
     <a:clrScheme name="Office">
       <a:dk1>
@@ -19060,74 +19331,90 @@
     </a:clrScheme>
     <a:fontScheme name="Office">
       <a:majorFont>
-        <a:latin typeface="Arial" pitchFamily="0" charset="1"/>
-        <a:ea typeface="DejaVu Sans" pitchFamily="0" charset="1"/>
-        <a:cs typeface="DejaVu Sans" pitchFamily="0" charset="1"/>
+        <a:latin typeface="Arial"/>
+        <a:ea typeface="DejaVu Sans"/>
+        <a:cs typeface="DejaVu Sans"/>
       </a:majorFont>
       <a:minorFont>
-        <a:latin typeface="Arial" pitchFamily="0" charset="1"/>
-        <a:ea typeface="DejaVu Sans" pitchFamily="0" charset="1"/>
-        <a:cs typeface="DejaVu Sans" pitchFamily="0" charset="1"/>
+        <a:latin typeface="Arial"/>
+        <a:ea typeface="DejaVu Sans"/>
+        <a:cs typeface="DejaVu Sans"/>
       </a:minorFont>
     </a:fontScheme>
-    <a:fmtScheme>
+    <a:fmtScheme name="Office">
       <a:fillStyleLst>
         <a:solidFill>
           <a:schemeClr val="phClr"/>
         </a:solidFill>
-        <a:gradFill>
+        <a:gradFill rotWithShape="1">
           <a:gsLst>
             <a:gs pos="0">
               <a:schemeClr val="phClr">
                 <a:tint val="50000"/>
+                <a:satMod val="300000"/>
               </a:schemeClr>
             </a:gs>
             <a:gs pos="35000">
               <a:schemeClr val="phClr">
                 <a:tint val="37000"/>
+                <a:satMod val="300000"/>
               </a:schemeClr>
             </a:gs>
             <a:gs pos="100000">
               <a:schemeClr val="phClr">
                 <a:tint val="15000"/>
+                <a:satMod val="350000"/>
               </a:schemeClr>
             </a:gs>
           </a:gsLst>
           <a:lin ang="16200000" scaled="1"/>
-          <a:tileRect l="0" t="0" r="0" b="0"/>
         </a:gradFill>
-        <a:gradFill>
+        <a:gradFill rotWithShape="1">
           <a:gsLst>
             <a:gs pos="0">
               <a:schemeClr val="phClr">
                 <a:shade val="51000"/>
+                <a:satMod val="130000"/>
               </a:schemeClr>
             </a:gs>
             <a:gs pos="80000">
               <a:schemeClr val="phClr">
                 <a:shade val="93000"/>
+                <a:satMod val="130000"/>
               </a:schemeClr>
             </a:gs>
             <a:gs pos="100000">
               <a:schemeClr val="phClr">
                 <a:shade val="94000"/>
+                <a:satMod val="135000"/>
               </a:schemeClr>
             </a:gs>
           </a:gsLst>
           <a:lin ang="16200000" scaled="0"/>
-          <a:tileRect l="0" t="0" r="0" b="0"/>
         </a:gradFill>
       </a:fillStyleLst>
       <a:lnStyleLst>
-        <a:ln w="9525" cap="flat" cmpd="sng" algn="ctr">
+        <a:ln w="6350" cap="flat" cmpd="sng" algn="ctr">
+          <a:solidFill>
+            <a:schemeClr val="phClr">
+              <a:shade val="95000"/>
+              <a:satMod val="105000"/>
+            </a:schemeClr>
+          </a:solidFill>
           <a:prstDash val="solid"/>
           <a:miter/>
         </a:ln>
-        <a:ln w="25400" cap="flat" cmpd="sng" algn="ctr">
+        <a:ln w="12700" cap="flat" cmpd="sng" algn="ctr">
+          <a:solidFill>
+            <a:schemeClr val="phClr"/>
+          </a:solidFill>
           <a:prstDash val="solid"/>
           <a:miter/>
         </a:ln>
-        <a:ln w="38100" cap="flat" cmpd="sng" algn="ctr">
+        <a:ln w="19050" cap="flat" cmpd="sng" algn="ctr">
+          <a:solidFill>
+            <a:schemeClr val="phClr"/>
+          </a:solidFill>
           <a:prstDash val="solid"/>
           <a:miter/>
         </a:ln>
@@ -19140,54 +19427,74 @@
           <a:effectLst/>
         </a:effectStyle>
         <a:effectStyle>
-          <a:effectLst/>
+          <a:effectLst>
+            <a:outerShdw blurRad="40000" dist="23000" dir="5400000" rotWithShape="0">
+              <a:srgbClr val="000000">
+                <a:alpha val="35000"/>
+              </a:srgbClr>
+            </a:outerShdw>
+          </a:effectLst>
+          <a:scene3d>
+            <a:camera prst="orthographicFront">
+              <a:rot lat="0" lon="0" rev="0"/>
+            </a:camera>
+            <a:lightRig rig="threePt" dir="t">
+              <a:rot lat="0" lon="0" rev="1200000"/>
+            </a:lightRig>
+          </a:scene3d>
+          <a:sp3d>
+            <a:bevelT w="63500" h="25400"/>
+          </a:sp3d>
         </a:effectStyle>
       </a:effectStyleLst>
       <a:bgFillStyleLst>
         <a:solidFill>
           <a:schemeClr val="phClr"/>
         </a:solidFill>
-        <a:gradFill>
+        <a:gradFill rotWithShape="1">
           <a:gsLst>
             <a:gs pos="0">
               <a:schemeClr val="phClr">
                 <a:tint val="40000"/>
+                <a:satMod val="350000"/>
               </a:schemeClr>
             </a:gs>
             <a:gs pos="40000">
               <a:schemeClr val="phClr">
                 <a:tint val="45000"/>
                 <a:shade val="99000"/>
+                <a:satMod val="350000"/>
               </a:schemeClr>
             </a:gs>
             <a:gs pos="100000">
               <a:schemeClr val="phClr">
                 <a:shade val="20000"/>
+                <a:satMod val="255000"/>
               </a:schemeClr>
             </a:gs>
           </a:gsLst>
           <a:path path="circle">
             <a:fillToRect l="50000" t="-80000" r="50000" b="180000"/>
           </a:path>
-          <a:tileRect l="0" t="0" r="0" b="0"/>
         </a:gradFill>
-        <a:gradFill>
+        <a:gradFill rotWithShape="1">
           <a:gsLst>
             <a:gs pos="0">
               <a:schemeClr val="phClr">
                 <a:tint val="80000"/>
+                <a:satMod val="300000"/>
               </a:schemeClr>
             </a:gs>
             <a:gs pos="100000">
               <a:schemeClr val="phClr">
                 <a:shade val="30000"/>
+                <a:satMod val="200000"/>
               </a:schemeClr>
             </a:gs>
           </a:gsLst>
           <a:path path="circle">
             <a:fillToRect l="50000" t="50000" r="50000" b="50000"/>
           </a:path>
-          <a:tileRect l="0" t="0" r="0" b="0"/>
         </a:gradFill>
       </a:bgFillStyleLst>
     </a:fmtScheme>
@@ -19196,7 +19503,7 @@
 </file>
 
 <file path=ppt/theme/theme2.xml><?xml version="1.0" encoding="utf-8"?>
-<a:theme xmlns:a="http://schemas.openxmlformats.org/drawingml/2006/main" xmlns:r="http://schemas.openxmlformats.org/officeDocument/2006/relationships" name="Office Theme">
+<a:theme xmlns:a="http://schemas.openxmlformats.org/drawingml/2006/main" name="Office Theme">
   <a:themeElements>
     <a:clrScheme name="Office">
       <a:dk1>
@@ -19238,74 +19545,90 @@
     </a:clrScheme>
     <a:fontScheme name="Office">
       <a:majorFont>
-        <a:latin typeface="Arial" pitchFamily="0" charset="1"/>
-        <a:ea typeface="DejaVu Sans" pitchFamily="0" charset="1"/>
-        <a:cs typeface="DejaVu Sans" pitchFamily="0" charset="1"/>
+        <a:latin typeface="Arial"/>
+        <a:ea typeface="DejaVu Sans"/>
+        <a:cs typeface="DejaVu Sans"/>
       </a:majorFont>
       <a:minorFont>
-        <a:latin typeface="Arial" pitchFamily="0" charset="1"/>
-        <a:ea typeface="DejaVu Sans" pitchFamily="0" charset="1"/>
-        <a:cs typeface="DejaVu Sans" pitchFamily="0" charset="1"/>
+        <a:latin typeface="Arial"/>
+        <a:ea typeface="DejaVu Sans"/>
+        <a:cs typeface="DejaVu Sans"/>
       </a:minorFont>
     </a:fontScheme>
-    <a:fmtScheme>
+    <a:fmtScheme name="Office">
       <a:fillStyleLst>
         <a:solidFill>
           <a:schemeClr val="phClr"/>
         </a:solidFill>
-        <a:gradFill>
+        <a:gradFill rotWithShape="1">
           <a:gsLst>
             <a:gs pos="0">
               <a:schemeClr val="phClr">
                 <a:tint val="50000"/>
+                <a:satMod val="300000"/>
               </a:schemeClr>
             </a:gs>
             <a:gs pos="35000">
               <a:schemeClr val="phClr">
                 <a:tint val="37000"/>
+                <a:satMod val="300000"/>
               </a:schemeClr>
             </a:gs>
             <a:gs pos="100000">
               <a:schemeClr val="phClr">
                 <a:tint val="15000"/>
+                <a:satMod val="350000"/>
               </a:schemeClr>
             </a:gs>
           </a:gsLst>
           <a:lin ang="16200000" scaled="1"/>
-          <a:tileRect l="0" t="0" r="0" b="0"/>
         </a:gradFill>
-        <a:gradFill>
+        <a:gradFill rotWithShape="1">
           <a:gsLst>
             <a:gs pos="0">
               <a:schemeClr val="phClr">
                 <a:shade val="51000"/>
+                <a:satMod val="130000"/>
               </a:schemeClr>
             </a:gs>
             <a:gs pos="80000">
               <a:schemeClr val="phClr">
                 <a:shade val="93000"/>
+                <a:satMod val="130000"/>
               </a:schemeClr>
             </a:gs>
             <a:gs pos="100000">
               <a:schemeClr val="phClr">
                 <a:shade val="94000"/>
+                <a:satMod val="135000"/>
               </a:schemeClr>
             </a:gs>
           </a:gsLst>
           <a:lin ang="16200000" scaled="0"/>
-          <a:tileRect l="0" t="0" r="0" b="0"/>
         </a:gradFill>
       </a:fillStyleLst>
       <a:lnStyleLst>
-        <a:ln w="9525" cap="flat" cmpd="sng" algn="ctr">
+        <a:ln w="6350" cap="flat" cmpd="sng" algn="ctr">
+          <a:solidFill>
+            <a:schemeClr val="phClr">
+              <a:shade val="95000"/>
+              <a:satMod val="105000"/>
+            </a:schemeClr>
+          </a:solidFill>
           <a:prstDash val="solid"/>
           <a:miter/>
         </a:ln>
-        <a:ln w="25400" cap="flat" cmpd="sng" algn="ctr">
+        <a:ln w="12700" cap="flat" cmpd="sng" algn="ctr">
+          <a:solidFill>
+            <a:schemeClr val="phClr"/>
+          </a:solidFill>
           <a:prstDash val="solid"/>
           <a:miter/>
         </a:ln>
-        <a:ln w="38100" cap="flat" cmpd="sng" algn="ctr">
+        <a:ln w="19050" cap="flat" cmpd="sng" algn="ctr">
+          <a:solidFill>
+            <a:schemeClr val="phClr"/>
+          </a:solidFill>
           <a:prstDash val="solid"/>
           <a:miter/>
         </a:ln>
@@ -19318,54 +19641,74 @@
           <a:effectLst/>
         </a:effectStyle>
         <a:effectStyle>
-          <a:effectLst/>
+          <a:effectLst>
+            <a:outerShdw blurRad="40000" dist="23000" dir="5400000" rotWithShape="0">
+              <a:srgbClr val="000000">
+                <a:alpha val="35000"/>
+              </a:srgbClr>
+            </a:outerShdw>
+          </a:effectLst>
+          <a:scene3d>
+            <a:camera prst="orthographicFront">
+              <a:rot lat="0" lon="0" rev="0"/>
+            </a:camera>
+            <a:lightRig rig="threePt" dir="t">
+              <a:rot lat="0" lon="0" rev="1200000"/>
+            </a:lightRig>
+          </a:scene3d>
+          <a:sp3d>
+            <a:bevelT w="63500" h="25400"/>
+          </a:sp3d>
         </a:effectStyle>
       </a:effectStyleLst>
       <a:bgFillStyleLst>
         <a:solidFill>
           <a:schemeClr val="phClr"/>
         </a:solidFill>
-        <a:gradFill>
+        <a:gradFill rotWithShape="1">
           <a:gsLst>
             <a:gs pos="0">
               <a:schemeClr val="phClr">
                 <a:tint val="40000"/>
+                <a:satMod val="350000"/>
               </a:schemeClr>
             </a:gs>
             <a:gs pos="40000">
               <a:schemeClr val="phClr">
                 <a:tint val="45000"/>
                 <a:shade val="99000"/>
+                <a:satMod val="350000"/>
               </a:schemeClr>
             </a:gs>
             <a:gs pos="100000">
               <a:schemeClr val="phClr">
                 <a:shade val="20000"/>
+                <a:satMod val="255000"/>
               </a:schemeClr>
             </a:gs>
           </a:gsLst>
           <a:path path="circle">
             <a:fillToRect l="50000" t="-80000" r="50000" b="180000"/>
           </a:path>
-          <a:tileRect l="0" t="0" r="0" b="0"/>
         </a:gradFill>
-        <a:gradFill>
+        <a:gradFill rotWithShape="1">
           <a:gsLst>
             <a:gs pos="0">
               <a:schemeClr val="phClr">
                 <a:tint val="80000"/>
+                <a:satMod val="300000"/>
               </a:schemeClr>
             </a:gs>
             <a:gs pos="100000">
               <a:schemeClr val="phClr">
                 <a:shade val="30000"/>
+                <a:satMod val="200000"/>
               </a:schemeClr>
             </a:gs>
           </a:gsLst>
           <a:path path="circle">
             <a:fillToRect l="50000" t="50000" r="50000" b="50000"/>
           </a:path>
-          <a:tileRect l="0" t="0" r="0" b="0"/>
         </a:gradFill>
       </a:bgFillStyleLst>
     </a:fmtScheme>
@@ -19374,7 +19717,7 @@
 </file>
 
 <file path=ppt/theme/theme3.xml><?xml version="1.0" encoding="utf-8"?>
-<a:theme xmlns:a="http://schemas.openxmlformats.org/drawingml/2006/main" xmlns:r="http://schemas.openxmlformats.org/officeDocument/2006/relationships" name="Office Theme">
+<a:theme xmlns:a="http://schemas.openxmlformats.org/drawingml/2006/main" name="Office Theme">
   <a:themeElements>
     <a:clrScheme name="Office">
       <a:dk1>
@@ -19416,74 +19759,90 @@
     </a:clrScheme>
     <a:fontScheme name="Office">
       <a:majorFont>
-        <a:latin typeface="Arial" pitchFamily="0" charset="1"/>
-        <a:ea typeface="DejaVu Sans" pitchFamily="0" charset="1"/>
-        <a:cs typeface="DejaVu Sans" pitchFamily="0" charset="1"/>
+        <a:latin typeface="Arial"/>
+        <a:ea typeface="DejaVu Sans"/>
+        <a:cs typeface="DejaVu Sans"/>
       </a:majorFont>
       <a:minorFont>
-        <a:latin typeface="Arial" pitchFamily="0" charset="1"/>
-        <a:ea typeface="DejaVu Sans" pitchFamily="0" charset="1"/>
-        <a:cs typeface="DejaVu Sans" pitchFamily="0" charset="1"/>
+        <a:latin typeface="Arial"/>
+        <a:ea typeface="DejaVu Sans"/>
+        <a:cs typeface="DejaVu Sans"/>
       </a:minorFont>
     </a:fontScheme>
-    <a:fmtScheme>
+    <a:fmtScheme name="Office">
       <a:fillStyleLst>
         <a:solidFill>
           <a:schemeClr val="phClr"/>
         </a:solidFill>
-        <a:gradFill>
+        <a:gradFill rotWithShape="1">
           <a:gsLst>
             <a:gs pos="0">
               <a:schemeClr val="phClr">
                 <a:tint val="50000"/>
+                <a:satMod val="300000"/>
               </a:schemeClr>
             </a:gs>
             <a:gs pos="35000">
               <a:schemeClr val="phClr">
                 <a:tint val="37000"/>
+                <a:satMod val="300000"/>
               </a:schemeClr>
             </a:gs>
             <a:gs pos="100000">
               <a:schemeClr val="phClr">
                 <a:tint val="15000"/>
+                <a:satMod val="350000"/>
               </a:schemeClr>
             </a:gs>
           </a:gsLst>
           <a:lin ang="16200000" scaled="1"/>
-          <a:tileRect l="0" t="0" r="0" b="0"/>
         </a:gradFill>
-        <a:gradFill>
+        <a:gradFill rotWithShape="1">
           <a:gsLst>
             <a:gs pos="0">
               <a:schemeClr val="phClr">
                 <a:shade val="51000"/>
+                <a:satMod val="130000"/>
               </a:schemeClr>
             </a:gs>
             <a:gs pos="80000">
               <a:schemeClr val="phClr">
                 <a:shade val="93000"/>
+                <a:satMod val="130000"/>
               </a:schemeClr>
             </a:gs>
             <a:gs pos="100000">
               <a:schemeClr val="phClr">
                 <a:shade val="94000"/>
+                <a:satMod val="135000"/>
               </a:schemeClr>
             </a:gs>
           </a:gsLst>
           <a:lin ang="16200000" scaled="0"/>
-          <a:tileRect l="0" t="0" r="0" b="0"/>
         </a:gradFill>
       </a:fillStyleLst>
       <a:lnStyleLst>
-        <a:ln w="9525" cap="flat" cmpd="sng" algn="ctr">
+        <a:ln w="6350" cap="flat" cmpd="sng" algn="ctr">
+          <a:solidFill>
+            <a:schemeClr val="phClr">
+              <a:shade val="95000"/>
+              <a:satMod val="105000"/>
+            </a:schemeClr>
+          </a:solidFill>
           <a:prstDash val="solid"/>
           <a:miter/>
         </a:ln>
-        <a:ln w="25400" cap="flat" cmpd="sng" algn="ctr">
+        <a:ln w="12700" cap="flat" cmpd="sng" algn="ctr">
+          <a:solidFill>
+            <a:schemeClr val="phClr"/>
+          </a:solidFill>
           <a:prstDash val="solid"/>
           <a:miter/>
         </a:ln>
-        <a:ln w="38100" cap="flat" cmpd="sng" algn="ctr">
+        <a:ln w="19050" cap="flat" cmpd="sng" algn="ctr">
+          <a:solidFill>
+            <a:schemeClr val="phClr"/>
+          </a:solidFill>
           <a:prstDash val="solid"/>
           <a:miter/>
         </a:ln>
@@ -19496,54 +19855,74 @@
           <a:effectLst/>
         </a:effectStyle>
         <a:effectStyle>
-          <a:effectLst/>
+          <a:effectLst>
+            <a:outerShdw blurRad="40000" dist="23000" dir="5400000" rotWithShape="0">
+              <a:srgbClr val="000000">
+                <a:alpha val="35000"/>
+              </a:srgbClr>
+            </a:outerShdw>
+          </a:effectLst>
+          <a:scene3d>
+            <a:camera prst="orthographicFront">
+              <a:rot lat="0" lon="0" rev="0"/>
+            </a:camera>
+            <a:lightRig rig="threePt" dir="t">
+              <a:rot lat="0" lon="0" rev="1200000"/>
+            </a:lightRig>
+          </a:scene3d>
+          <a:sp3d>
+            <a:bevelT w="63500" h="25400"/>
+          </a:sp3d>
         </a:effectStyle>
       </a:effectStyleLst>
       <a:bgFillStyleLst>
         <a:solidFill>
           <a:schemeClr val="phClr"/>
         </a:solidFill>
-        <a:gradFill>
+        <a:gradFill rotWithShape="1">
           <a:gsLst>
             <a:gs pos="0">
               <a:schemeClr val="phClr">
                 <a:tint val="40000"/>
+                <a:satMod val="350000"/>
               </a:schemeClr>
             </a:gs>
             <a:gs pos="40000">
               <a:schemeClr val="phClr">
                 <a:tint val="45000"/>
                 <a:shade val="99000"/>
+                <a:satMod val="350000"/>
               </a:schemeClr>
             </a:gs>
             <a:gs pos="100000">
               <a:schemeClr val="phClr">
                 <a:shade val="20000"/>
+                <a:satMod val="255000"/>
               </a:schemeClr>
             </a:gs>
           </a:gsLst>
           <a:path path="circle">
             <a:fillToRect l="50000" t="-80000" r="50000" b="180000"/>
           </a:path>
-          <a:tileRect l="0" t="0" r="0" b="0"/>
         </a:gradFill>
-        <a:gradFill>
+        <a:gradFill rotWithShape="1">
           <a:gsLst>
             <a:gs pos="0">
               <a:schemeClr val="phClr">
                 <a:tint val="80000"/>
+                <a:satMod val="300000"/>
               </a:schemeClr>
             </a:gs>
             <a:gs pos="100000">
               <a:schemeClr val="phClr">
                 <a:shade val="30000"/>
+                <a:satMod val="200000"/>
               </a:schemeClr>
             </a:gs>
           </a:gsLst>
           <a:path path="circle">
             <a:fillToRect l="50000" t="50000" r="50000" b="50000"/>
           </a:path>
-          <a:tileRect l="0" t="0" r="0" b="0"/>
         </a:gradFill>
       </a:bgFillStyleLst>
     </a:fmtScheme>
